--- a/source/lessons/lsn26-27/Lsn26-27.pptx
+++ b/source/lessons/lsn26-27/Lsn26-27.pptx
@@ -7,10 +7,10 @@
     <p:sldMasterId id="2147483667" r:id="rId3"/>
   </p:sldMasterIdLst>
   <p:notesMasterIdLst>
-    <p:notesMasterId r:id="rId53"/>
+    <p:notesMasterId r:id="rId52"/>
   </p:notesMasterIdLst>
   <p:handoutMasterIdLst>
-    <p:handoutMasterId r:id="rId54"/>
+    <p:handoutMasterId r:id="rId53"/>
   </p:handoutMasterIdLst>
   <p:sldIdLst>
     <p:sldId id="352" r:id="rId4"/>
@@ -28,40 +28,39 @@
     <p:sldId id="369" r:id="rId16"/>
     <p:sldId id="370" r:id="rId17"/>
     <p:sldId id="371" r:id="rId18"/>
-    <p:sldId id="372" r:id="rId19"/>
-    <p:sldId id="373" r:id="rId20"/>
-    <p:sldId id="374" r:id="rId21"/>
-    <p:sldId id="375" r:id="rId22"/>
-    <p:sldId id="376" r:id="rId23"/>
-    <p:sldId id="377" r:id="rId24"/>
-    <p:sldId id="378" r:id="rId25"/>
-    <p:sldId id="379" r:id="rId26"/>
-    <p:sldId id="380" r:id="rId27"/>
-    <p:sldId id="381" r:id="rId28"/>
-    <p:sldId id="382" r:id="rId29"/>
-    <p:sldId id="383" r:id="rId30"/>
-    <p:sldId id="384" r:id="rId31"/>
-    <p:sldId id="385" r:id="rId32"/>
-    <p:sldId id="386" r:id="rId33"/>
-    <p:sldId id="387" r:id="rId34"/>
-    <p:sldId id="388" r:id="rId35"/>
-    <p:sldId id="389" r:id="rId36"/>
-    <p:sldId id="390" r:id="rId37"/>
-    <p:sldId id="391" r:id="rId38"/>
-    <p:sldId id="392" r:id="rId39"/>
-    <p:sldId id="393" r:id="rId40"/>
-    <p:sldId id="394" r:id="rId41"/>
-    <p:sldId id="395" r:id="rId42"/>
-    <p:sldId id="396" r:id="rId43"/>
-    <p:sldId id="397" r:id="rId44"/>
-    <p:sldId id="398" r:id="rId45"/>
-    <p:sldId id="399" r:id="rId46"/>
-    <p:sldId id="400" r:id="rId47"/>
-    <p:sldId id="353" r:id="rId48"/>
-    <p:sldId id="355" r:id="rId49"/>
-    <p:sldId id="356" r:id="rId50"/>
-    <p:sldId id="357" r:id="rId51"/>
-    <p:sldId id="358" r:id="rId52"/>
+    <p:sldId id="373" r:id="rId19"/>
+    <p:sldId id="404" r:id="rId20"/>
+    <p:sldId id="372" r:id="rId21"/>
+    <p:sldId id="374" r:id="rId22"/>
+    <p:sldId id="375" r:id="rId23"/>
+    <p:sldId id="376" r:id="rId24"/>
+    <p:sldId id="377" r:id="rId25"/>
+    <p:sldId id="378" r:id="rId26"/>
+    <p:sldId id="379" r:id="rId27"/>
+    <p:sldId id="380" r:id="rId28"/>
+    <p:sldId id="381" r:id="rId29"/>
+    <p:sldId id="382" r:id="rId30"/>
+    <p:sldId id="383" r:id="rId31"/>
+    <p:sldId id="384" r:id="rId32"/>
+    <p:sldId id="385" r:id="rId33"/>
+    <p:sldId id="386" r:id="rId34"/>
+    <p:sldId id="387" r:id="rId35"/>
+    <p:sldId id="388" r:id="rId36"/>
+    <p:sldId id="389" r:id="rId37"/>
+    <p:sldId id="390" r:id="rId38"/>
+    <p:sldId id="391" r:id="rId39"/>
+    <p:sldId id="392" r:id="rId40"/>
+    <p:sldId id="393" r:id="rId41"/>
+    <p:sldId id="394" r:id="rId42"/>
+    <p:sldId id="395" r:id="rId43"/>
+    <p:sldId id="396" r:id="rId44"/>
+    <p:sldId id="397" r:id="rId45"/>
+    <p:sldId id="398" r:id="rId46"/>
+    <p:sldId id="399" r:id="rId47"/>
+    <p:sldId id="400" r:id="rId48"/>
+    <p:sldId id="353" r:id="rId49"/>
+    <p:sldId id="355" r:id="rId50"/>
+    <p:sldId id="356" r:id="rId51"/>
   </p:sldIdLst>
   <p:sldSz cx="9144000" cy="6858000" type="screen4x3"/>
   <p:notesSz cx="7010400" cy="9296400"/>
@@ -1182,7 +1181,7 @@
               <a:pPr>
                 <a:defRPr/>
               </a:pPr>
-              <a:t>17</a:t>
+              <a:t>16</a:t>
             </a:fld>
             <a:endParaRPr lang="en-US"/>
           </a:p>
@@ -1192,6 +1191,289 @@
     <p:extLst>
       <p:ext uri="{BB962C8B-B14F-4D97-AF65-F5344CB8AC3E}">
         <p14:creationId xmlns:p14="http://schemas.microsoft.com/office/powerpoint/2010/main" val="321357244"/>
+      </p:ext>
+    </p:extLst>
+  </p:cSld>
+  <p:clrMapOvr>
+    <a:masterClrMapping/>
+  </p:clrMapOvr>
+</p:notes>
+</file>
+
+<file path=ppt/notesSlides/notesSlide2.xml><?xml version="1.0" encoding="utf-8"?>
+<p:notes xmlns:a="http://schemas.openxmlformats.org/drawingml/2006/main" xmlns:r="http://schemas.openxmlformats.org/officeDocument/2006/relationships" xmlns:p="http://schemas.openxmlformats.org/presentationml/2006/main">
+  <p:cSld>
+    <p:spTree>
+      <p:nvGrpSpPr>
+        <p:cNvPr id="1" name=""/>
+        <p:cNvGrpSpPr/>
+        <p:nvPr/>
+      </p:nvGrpSpPr>
+      <p:grpSpPr>
+        <a:xfrm>
+          <a:off x="0" y="0"/>
+          <a:ext cx="0" cy="0"/>
+          <a:chOff x="0" y="0"/>
+          <a:chExt cx="0" cy="0"/>
+        </a:xfrm>
+      </p:grpSpPr>
+      <p:sp>
+        <p:nvSpPr>
+          <p:cNvPr id="2" name="Slide Image Placeholder 1"/>
+          <p:cNvSpPr>
+            <a:spLocks noGrp="1" noRot="1" noChangeAspect="1"/>
+          </p:cNvSpPr>
+          <p:nvPr>
+            <p:ph type="sldImg"/>
+          </p:nvPr>
+        </p:nvSpPr>
+        <p:spPr/>
+      </p:sp>
+      <p:sp>
+        <p:nvSpPr>
+          <p:cNvPr id="3" name="Notes Placeholder 2"/>
+          <p:cNvSpPr>
+            <a:spLocks noGrp="1"/>
+          </p:cNvSpPr>
+          <p:nvPr>
+            <p:ph type="body" idx="1"/>
+          </p:nvPr>
+        </p:nvSpPr>
+        <p:spPr/>
+        <p:txBody>
+          <a:bodyPr/>
+          <a:lstStyle/>
+          <a:p>
+            <a:r>
+              <a:rPr lang="en-US" dirty="0" smtClean="0"/>
+              <a:t>Let's examine what's going on here.</a:t>
+            </a:r>
+          </a:p>
+          <a:p>
+            <a:r>
+              <a:rPr lang="en-US" dirty="0" smtClean="0"/>
+              <a:t>The first line of code moves r1 (the stack pointer) into r4. The compiler is using r4 as the </a:t>
+            </a:r>
+            <a:r>
+              <a:rPr lang="en-US" b="1" dirty="0" smtClean="0"/>
+              <a:t>frame pointer</a:t>
+            </a:r>
+            <a:r>
+              <a:rPr lang="en-US" dirty="0" smtClean="0"/>
+              <a:t>. When you call a function (main() in this case), all of its local variables are allocated on the stack. We call the space on the stack used by a function a </a:t>
+            </a:r>
+            <a:r>
+              <a:rPr lang="en-US" b="1" dirty="0" smtClean="0"/>
+              <a:t>stack frame</a:t>
+            </a:r>
+            <a:r>
+              <a:rPr lang="en-US" dirty="0" smtClean="0"/>
+              <a:t>. However, the stack pointer changes as you allocate more variables on the stack. So a variable that was at 4(r1) at one point in your function could later be at 8(r1) if the stack pointer changes. The frame pointer ensures a consistent address for the same variable throughout the function. If we store the address of the base of the stack frame in the frame pointer, each variable will always be stored at the same place relative to the frame pointer - so a variable at 4(r4) will always be accessible at 4(r4).</a:t>
+            </a:r>
+          </a:p>
+          <a:p>
+            <a:r>
+              <a:rPr lang="en-US" dirty="0" smtClean="0"/>
+              <a:t>So the first line of code is setting the frame pointer. Next, the compiler adds 2 to the frame pointer. In most functions, the first thing you do is push the frame pointer onto the stack via push r4 - main is the exception. Adding two puts the base of the stack frame below this value, which is what we want.</a:t>
+            </a:r>
+          </a:p>
+          <a:p>
+            <a:r>
+              <a:rPr lang="en-US" dirty="0" smtClean="0"/>
+              <a:t>Next, the compiler subtracts two from the stack pointer. This is because we're allocating our int variable on the stack, so we're giving it two bytes. If we allocated two </a:t>
+            </a:r>
+            <a:r>
+              <a:rPr lang="en-US" dirty="0" err="1" smtClean="0"/>
+              <a:t>ints</a:t>
+            </a:r>
+            <a:r>
+              <a:rPr lang="en-US" dirty="0" smtClean="0"/>
+              <a:t>, the compiler would subtract 4 from the stack pointer.</a:t>
+            </a:r>
+          </a:p>
+          <a:p>
+            <a:endParaRPr lang="en-US" dirty="0" smtClean="0"/>
+          </a:p>
+          <a:p>
+            <a:r>
+              <a:rPr lang="en-US" dirty="0" smtClean="0"/>
+              <a:t>Our first four instructions are identical to our first sample program. We're setting up the frame pointer and allocating our variable on the stack.</a:t>
+            </a:r>
+          </a:p>
+          <a:p>
+            <a:r>
+              <a:rPr lang="en-US" dirty="0" smtClean="0"/>
+              <a:t>Next, we're moving our variable into r15. Remember, our ABI says that the first parameter to a function should be passed in through r15 - so we move our there.</a:t>
+            </a:r>
+          </a:p>
+          <a:p>
+            <a:r>
+              <a:rPr lang="en-US" dirty="0" smtClean="0"/>
+              <a:t>Next, we call the </a:t>
+            </a:r>
+            <a:r>
+              <a:rPr lang="en-US" dirty="0" err="1" smtClean="0"/>
+              <a:t>recursiveSummation</a:t>
+            </a:r>
+            <a:r>
+              <a:rPr lang="en-US" dirty="0" smtClean="0"/>
+              <a:t> subroutine the compiler has created.</a:t>
+            </a:r>
+          </a:p>
+          <a:p>
+            <a:r>
+              <a:rPr lang="en-US" dirty="0" smtClean="0"/>
+              <a:t>Once inside the </a:t>
+            </a:r>
+            <a:r>
+              <a:rPr lang="en-US" dirty="0" err="1" smtClean="0"/>
+              <a:t>recursiveSummation</a:t>
+            </a:r>
+            <a:r>
+              <a:rPr lang="en-US" dirty="0" smtClean="0"/>
+              <a:t> subroutine, we push the </a:t>
+            </a:r>
+            <a:r>
+              <a:rPr lang="en-US" dirty="0" err="1" smtClean="0"/>
+              <a:t>framePointer</a:t>
+            </a:r>
+            <a:r>
+              <a:rPr lang="en-US" dirty="0" smtClean="0"/>
+              <a:t> onto the stack so we don't destroy it. Then, we establish a new frame pointer and allocate a variable on the stack - just like we did in main.</a:t>
+            </a:r>
+          </a:p>
+          <a:p>
+            <a:r>
+              <a:rPr lang="en-US" dirty="0" smtClean="0"/>
+              <a:t>Next, the compiler moves the parameter we passed in r15 into the variable we established. It compares the variable to 1.</a:t>
+            </a:r>
+          </a:p>
+          <a:p>
+            <a:r>
+              <a:rPr lang="en-US" dirty="0" smtClean="0"/>
+              <a:t>If it's greater than or equal to 1, we jump to .L3 - the label that holds the code in our else case. We move our parameter into r15 (the register that holds the first parameter we pass to functions), subtract one, and call our </a:t>
+            </a:r>
+            <a:r>
+              <a:rPr lang="en-US" dirty="0" err="1" smtClean="0"/>
+              <a:t>recursiveSummation</a:t>
+            </a:r>
+            <a:r>
+              <a:rPr lang="en-US" dirty="0" smtClean="0"/>
+              <a:t> subroutine again. This code is the </a:t>
+            </a:r>
+            <a:r>
+              <a:rPr lang="en-US" dirty="0" err="1" smtClean="0"/>
+              <a:t>recursiveSummation</a:t>
+            </a:r>
+            <a:r>
+              <a:rPr lang="en-US" dirty="0" smtClean="0"/>
+              <a:t>(</a:t>
+            </a:r>
+            <a:r>
+              <a:rPr lang="en-US" dirty="0" err="1" smtClean="0"/>
+              <a:t>numberToSum</a:t>
+            </a:r>
+            <a:r>
+              <a:rPr lang="en-US" dirty="0" smtClean="0"/>
+              <a:t> - 1) piece of our code. The final instruction adds the current parameter to the result passed back in r15. This code is the return </a:t>
+            </a:r>
+            <a:r>
+              <a:rPr lang="en-US" dirty="0" err="1" smtClean="0"/>
+              <a:t>numberToSum</a:t>
+            </a:r>
+            <a:r>
+              <a:rPr lang="en-US" dirty="0" smtClean="0"/>
+              <a:t> + piece of our code.</a:t>
+            </a:r>
+          </a:p>
+          <a:p>
+            <a:r>
+              <a:rPr lang="en-US" dirty="0" smtClean="0"/>
+              <a:t>If it's less than 1, we're finished. We move 0 into r15, </a:t>
+            </a:r>
+            <a:r>
+              <a:rPr lang="en-US" dirty="0" err="1" smtClean="0"/>
+              <a:t>deallocate</a:t>
+            </a:r>
+            <a:r>
+              <a:rPr lang="en-US" dirty="0" smtClean="0"/>
+              <a:t> our variable from the stack, retrieve the frame pointer we pushed initially, and return.</a:t>
+            </a:r>
+          </a:p>
+          <a:p>
+            <a:r>
+              <a:rPr lang="en-US" dirty="0" smtClean="0"/>
+              <a:t>If you're interested in learning more, check out </a:t>
+            </a:r>
+            <a:r>
+              <a:rPr lang="en-US" dirty="0" smtClean="0">
+                <a:hlinkClick r:id="rId3"/>
+              </a:rPr>
+              <a:t>this Wikipedia reading on the Call Stack</a:t>
+            </a:r>
+            <a:r>
+              <a:rPr lang="en-US" dirty="0" smtClean="0"/>
+              <a:t>.</a:t>
+            </a:r>
+          </a:p>
+          <a:p>
+            <a:endParaRPr lang="en-US" dirty="0" smtClean="0"/>
+          </a:p>
+          <a:p>
+            <a:pPr defTabSz="916503">
+              <a:defRPr/>
+            </a:pPr>
+            <a:r>
+              <a:rPr lang="en-US" dirty="0" smtClean="0"/>
+              <a:t>After we're done, we'll add 2 to the stack pointer to </a:t>
+            </a:r>
+            <a:r>
+              <a:rPr lang="en-US" dirty="0" err="1" smtClean="0"/>
+              <a:t>deallocate</a:t>
+            </a:r>
+            <a:r>
+              <a:rPr lang="en-US" dirty="0" smtClean="0"/>
+              <a:t> int variable since we're done using it.</a:t>
+            </a:r>
+          </a:p>
+          <a:p>
+            <a:endParaRPr lang="en-US" dirty="0"/>
+          </a:p>
+        </p:txBody>
+      </p:sp>
+      <p:sp>
+        <p:nvSpPr>
+          <p:cNvPr id="4" name="Slide Number Placeholder 3"/>
+          <p:cNvSpPr>
+            <a:spLocks noGrp="1"/>
+          </p:cNvSpPr>
+          <p:nvPr>
+            <p:ph type="sldNum" sz="quarter" idx="10"/>
+          </p:nvPr>
+        </p:nvSpPr>
+        <p:spPr/>
+        <p:txBody>
+          <a:bodyPr/>
+          <a:lstStyle/>
+          <a:p>
+            <a:pPr>
+              <a:defRPr/>
+            </a:pPr>
+            <a:fld id="{B521704A-D1DF-485C-B173-B5BBD5DDB5B9}" type="slidenum">
+              <a:rPr lang="en-US" smtClean="0"/>
+              <a:pPr>
+                <a:defRPr/>
+              </a:pPr>
+              <a:t>17</a:t>
+            </a:fld>
+            <a:endParaRPr lang="en-US"/>
+          </a:p>
+        </p:txBody>
+      </p:sp>
+    </p:spTree>
+    <p:extLst>
+      <p:ext uri="{BB962C8B-B14F-4D97-AF65-F5344CB8AC3E}">
+        <p14:creationId xmlns:p14="http://schemas.microsoft.com/office/powerpoint/2010/main" val="3094505676"/>
       </p:ext>
     </p:extLst>
   </p:cSld>
@@ -1705,7 +1987,7 @@
           <a:p>
             <a:fld id="{834513E8-165F-4932-9E2D-FD497CB9A4FD}" type="datetimeFigureOut">
               <a:rPr lang="en-US" smtClean="0"/>
-              <a:t>10/15/2018</a:t>
+              <a:t>10/16/2018</a:t>
             </a:fld>
             <a:endParaRPr lang="en-US"/>
           </a:p>
@@ -1800,7 +2082,7 @@
           <a:p>
             <a:fld id="{834513E8-165F-4932-9E2D-FD497CB9A4FD}" type="datetimeFigureOut">
               <a:rPr lang="en-US" smtClean="0"/>
-              <a:t>10/15/2018</a:t>
+              <a:t>10/16/2018</a:t>
             </a:fld>
             <a:endParaRPr lang="en-US"/>
           </a:p>
@@ -2077,7 +2359,7 @@
           <a:p>
             <a:fld id="{834513E8-165F-4932-9E2D-FD497CB9A4FD}" type="datetimeFigureOut">
               <a:rPr lang="en-US" smtClean="0"/>
-              <a:t>10/15/2018</a:t>
+              <a:t>10/16/2018</a:t>
             </a:fld>
             <a:endParaRPr lang="en-US"/>
           </a:p>
@@ -2330,7 +2612,7 @@
           <a:p>
             <a:fld id="{834513E8-165F-4932-9E2D-FD497CB9A4FD}" type="datetimeFigureOut">
               <a:rPr lang="en-US" smtClean="0"/>
-              <a:t>10/15/2018</a:t>
+              <a:t>10/16/2018</a:t>
             </a:fld>
             <a:endParaRPr lang="en-US"/>
           </a:p>
@@ -2500,7 +2782,7 @@
           <a:p>
             <a:fld id="{834513E8-165F-4932-9E2D-FD497CB9A4FD}" type="datetimeFigureOut">
               <a:rPr lang="en-US" smtClean="0"/>
-              <a:t>10/15/2018</a:t>
+              <a:t>10/16/2018</a:t>
             </a:fld>
             <a:endParaRPr lang="en-US"/>
           </a:p>
@@ -2680,7 +2962,7 @@
           <a:p>
             <a:fld id="{834513E8-165F-4932-9E2D-FD497CB9A4FD}" type="datetimeFigureOut">
               <a:rPr lang="en-US" smtClean="0"/>
-              <a:t>10/15/2018</a:t>
+              <a:t>10/16/2018</a:t>
             </a:fld>
             <a:endParaRPr lang="en-US"/>
           </a:p>
@@ -3523,7 +3805,7 @@
           <a:p>
             <a:fld id="{834513E8-165F-4932-9E2D-FD497CB9A4FD}" type="datetimeFigureOut">
               <a:rPr lang="en-US" smtClean="0"/>
-              <a:t>10/15/2018</a:t>
+              <a:t>10/16/2018</a:t>
             </a:fld>
             <a:endParaRPr lang="en-US"/>
           </a:p>
@@ -3693,7 +3975,7 @@
           <a:p>
             <a:fld id="{834513E8-165F-4932-9E2D-FD497CB9A4FD}" type="datetimeFigureOut">
               <a:rPr lang="en-US" smtClean="0"/>
-              <a:t>10/15/2018</a:t>
+              <a:t>10/16/2018</a:t>
             </a:fld>
             <a:endParaRPr lang="en-US"/>
           </a:p>
@@ -3939,7 +4221,7 @@
           <a:p>
             <a:fld id="{834513E8-165F-4932-9E2D-FD497CB9A4FD}" type="datetimeFigureOut">
               <a:rPr lang="en-US" smtClean="0"/>
-              <a:t>10/15/2018</a:t>
+              <a:t>10/16/2018</a:t>
             </a:fld>
             <a:endParaRPr lang="en-US"/>
           </a:p>
@@ -4171,7 +4453,7 @@
           <a:p>
             <a:fld id="{834513E8-165F-4932-9E2D-FD497CB9A4FD}" type="datetimeFigureOut">
               <a:rPr lang="en-US" smtClean="0"/>
-              <a:t>10/15/2018</a:t>
+              <a:t>10/16/2018</a:t>
             </a:fld>
             <a:endParaRPr lang="en-US"/>
           </a:p>
@@ -4538,7 +4820,7 @@
           <a:p>
             <a:fld id="{834513E8-165F-4932-9E2D-FD497CB9A4FD}" type="datetimeFigureOut">
               <a:rPr lang="en-US" smtClean="0"/>
-              <a:t>10/15/2018</a:t>
+              <a:t>10/16/2018</a:t>
             </a:fld>
             <a:endParaRPr lang="en-US"/>
           </a:p>
@@ -6355,7 +6637,7 @@
           <a:p>
             <a:fld id="{834513E8-165F-4932-9E2D-FD497CB9A4FD}" type="datetimeFigureOut">
               <a:rPr lang="en-US" smtClean="0"/>
-              <a:t>10/15/2018</a:t>
+              <a:t>10/16/2018</a:t>
             </a:fld>
             <a:endParaRPr lang="en-US"/>
           </a:p>
@@ -6990,14 +7272,7 @@
                 <a:effectLst/>
                 <a:latin typeface="Trebuchet MS" panose="020B0603020202020204" pitchFamily="34" charset="0"/>
               </a:rPr>
-              <a:t>Lesson </a:t>
-            </a:r>
-            <a:r>
-              <a:rPr lang="en-US" kern="0" smtClean="0">
-                <a:effectLst/>
-                <a:latin typeface="Trebuchet MS" panose="020B0603020202020204" pitchFamily="34" charset="0"/>
-              </a:rPr>
-              <a:t>26+27</a:t>
+              <a:t>Lesson 26+27</a:t>
             </a:r>
             <a:endParaRPr lang="en-US" kern="0" dirty="0">
               <a:effectLst/>
@@ -9575,23 +9850,23 @@
       </p:pic>
       <p:sp>
         <p:nvSpPr>
-          <p:cNvPr id="6" name="Rounded Rectangle 5"/>
+          <p:cNvPr id="3" name="Rectangle 2"/>
           <p:cNvSpPr/>
           <p:nvPr/>
         </p:nvSpPr>
         <p:spPr bwMode="auto">
           <a:xfrm>
-            <a:off x="876301" y="5819775"/>
-            <a:ext cx="7429500" cy="919401"/>
+            <a:off x="1338345" y="3058510"/>
+            <a:ext cx="6467311" cy="402021"/>
           </a:xfrm>
-          <a:prstGeom prst="roundRect">
+          <a:prstGeom prst="rect">
             <a:avLst/>
           </a:prstGeom>
-          <a:solidFill>
-            <a:srgbClr val="FF0000"/>
-          </a:solidFill>
-          <a:ln w="9525" cap="flat" cmpd="sng" algn="ctr">
-            <a:noFill/>
+          <a:noFill/>
+          <a:ln w="12700" cap="flat" cmpd="sng" algn="ctr">
+            <a:solidFill>
+              <a:srgbClr val="FF0000"/>
+            </a:solidFill>
             <a:prstDash val="solid"/>
             <a:round/>
             <a:headEnd type="none" w="med" len="med"/>
@@ -9604,16 +9879,15 @@
             <a:prstTxWarp prst="textNoShape">
               <a:avLst/>
             </a:prstTxWarp>
-            <a:spAutoFit/>
           </a:bodyPr>
           <a:lstStyle/>
           <a:p>
-            <a:pPr marL="0" marR="0" indent="0" algn="ctr" defTabSz="914400" rtl="0" eaLnBrk="1" fontAlgn="base" latinLnBrk="0" hangingPunct="1">
+            <a:pPr marL="0" marR="0" indent="0" algn="ctr" defTabSz="914400" rtl="0" eaLnBrk="0" fontAlgn="base" latinLnBrk="0" hangingPunct="0">
               <a:lnSpc>
                 <a:spcPct val="100000"/>
               </a:lnSpc>
               <a:spcBef>
-                <a:spcPct val="50000"/>
+                <a:spcPct val="0"/>
               </a:spcBef>
               <a:spcAft>
                 <a:spcPct val="0"/>
@@ -9624,51 +9898,15 @@
               <a:buNone/>
               <a:tabLst/>
             </a:pPr>
-            <a:r>
-              <a:rPr kumimoji="0" lang="en-US" sz="2400" b="0" i="0" u="none" strike="noStrike" cap="none" normalizeH="0" baseline="0" dirty="0" smtClean="0">
-                <a:ln>
-                  <a:noFill/>
-                </a:ln>
-                <a:solidFill>
-                  <a:schemeClr val="accent3"/>
-                </a:solidFill>
-                <a:effectLst/>
-                <a:latin typeface="Times New Roman" pitchFamily="18" charset="0"/>
-                <a:sym typeface="Wingdings" pitchFamily="2" charset="2"/>
-              </a:rPr>
-              <a:t>What happens if it is</a:t>
-            </a:r>
-            <a:r>
-              <a:rPr kumimoji="0" lang="en-US" sz="2400" b="0" i="0" u="none" strike="noStrike" cap="none" normalizeH="0" dirty="0" smtClean="0">
-                <a:ln>
-                  <a:noFill/>
-                </a:ln>
-                <a:solidFill>
-                  <a:schemeClr val="accent3"/>
-                </a:solidFill>
-                <a:effectLst/>
-                <a:latin typeface="Times New Roman" pitchFamily="18" charset="0"/>
-                <a:sym typeface="Wingdings" pitchFamily="2" charset="2"/>
-              </a:rPr>
-              <a:t> a bad day and all of your interrupts happen at the sam</a:t>
-            </a:r>
-            <a:r>
-              <a:rPr lang="en-US" dirty="0" smtClean="0">
-                <a:solidFill>
-                  <a:schemeClr val="accent3"/>
-                </a:solidFill>
-              </a:rPr>
-              <a:t>e time?</a:t>
-            </a:r>
-            <a:endParaRPr kumimoji="0" lang="en-US" sz="2400" b="0" i="0" u="none" strike="noStrike" cap="none" normalizeH="0" baseline="0" dirty="0" smtClean="0">
+            <a:endParaRPr kumimoji="0" lang="en-US" sz="1600" b="0" i="0" u="none" strike="noStrike" cap="none" normalizeH="0" baseline="0" smtClean="0">
               <a:ln>
                 <a:noFill/>
               </a:ln>
               <a:solidFill>
-                <a:schemeClr val="accent3"/>
+                <a:schemeClr val="tx1"/>
               </a:solidFill>
               <a:effectLst/>
-              <a:sym typeface="Wingdings" pitchFamily="2" charset="2"/>
+              <a:latin typeface="Arial" charset="0"/>
             </a:endParaRPr>
           </a:p>
         </p:txBody>
@@ -9677,6 +9915,1113 @@
     <p:extLst>
       <p:ext uri="{BB962C8B-B14F-4D97-AF65-F5344CB8AC3E}">
         <p14:creationId xmlns:p14="http://schemas.microsoft.com/office/powerpoint/2010/main" val="2776758092"/>
+      </p:ext>
+    </p:extLst>
+  </p:cSld>
+  <p:clrMapOvr>
+    <a:masterClrMapping/>
+  </p:clrMapOvr>
+  <p:transition spd="med"/>
+  <p:timing>
+    <p:tnLst>
+      <p:par>
+        <p:cTn id="1" dur="indefinite" restart="never" nodeType="tmRoot"/>
+      </p:par>
+    </p:tnLst>
+  </p:timing>
+</p:sld>
+</file>
+
+<file path=ppt/slides/slide16.xml><?xml version="1.0" encoding="utf-8"?>
+<p:sld xmlns:a="http://schemas.openxmlformats.org/drawingml/2006/main" xmlns:r="http://schemas.openxmlformats.org/officeDocument/2006/relationships" xmlns:p="http://schemas.openxmlformats.org/presentationml/2006/main">
+  <p:cSld>
+    <p:spTree>
+      <p:nvGrpSpPr>
+        <p:cNvPr id="1" name=""/>
+        <p:cNvGrpSpPr/>
+        <p:nvPr/>
+      </p:nvGrpSpPr>
+      <p:grpSpPr>
+        <a:xfrm>
+          <a:off x="0" y="0"/>
+          <a:ext cx="0" cy="0"/>
+          <a:chOff x="0" y="0"/>
+          <a:chExt cx="0" cy="0"/>
+        </a:xfrm>
+      </p:grpSpPr>
+      <p:sp>
+        <p:nvSpPr>
+          <p:cNvPr id="2" name="Title 1"/>
+          <p:cNvSpPr>
+            <a:spLocks noGrp="1"/>
+          </p:cNvSpPr>
+          <p:nvPr>
+            <p:ph type="title"/>
+          </p:nvPr>
+        </p:nvSpPr>
+        <p:spPr/>
+        <p:txBody>
+          <a:bodyPr/>
+          <a:lstStyle/>
+          <a:p>
+            <a:r>
+              <a:rPr lang="en-US" b="1" dirty="0" smtClean="0"/>
+              <a:t>Example </a:t>
+            </a:r>
+            <a:r>
+              <a:rPr lang="en-US" dirty="0" smtClean="0"/>
+              <a:t>Polling</a:t>
+            </a:r>
+            <a:endParaRPr lang="en-US" b="1" dirty="0"/>
+          </a:p>
+        </p:txBody>
+      </p:sp>
+      <p:sp>
+        <p:nvSpPr>
+          <p:cNvPr id="5" name="Content Placeholder 2"/>
+          <p:cNvSpPr>
+            <a:spLocks noGrp="1"/>
+          </p:cNvSpPr>
+          <p:nvPr>
+            <p:ph idx="1"/>
+          </p:nvPr>
+        </p:nvSpPr>
+        <p:spPr>
+          <a:xfrm>
+            <a:off x="417786" y="1458883"/>
+            <a:ext cx="8182304" cy="4792145"/>
+          </a:xfrm>
+          <a:solidFill>
+            <a:schemeClr val="bg1"/>
+          </a:solidFill>
+          <a:ln>
+            <a:solidFill>
+              <a:schemeClr val="tx1"/>
+            </a:solidFill>
+          </a:ln>
+        </p:spPr>
+        <p:txBody>
+          <a:bodyPr/>
+          <a:lstStyle/>
+          <a:p>
+            <a:pPr marL="0" marR="0" indent="0">
+              <a:spcBef>
+                <a:spcPts val="0"/>
+              </a:spcBef>
+              <a:spcAft>
+                <a:spcPts val="0"/>
+              </a:spcAft>
+              <a:buNone/>
+            </a:pPr>
+            <a:r>
+              <a:rPr lang="en-US" sz="1200" b="1" dirty="0" smtClean="0">
+                <a:solidFill>
+                  <a:srgbClr val="7F0055"/>
+                </a:solidFill>
+                <a:latin typeface="Consolas"/>
+                <a:ea typeface="Calibri"/>
+              </a:rPr>
+              <a:t>void</a:t>
+            </a:r>
+            <a:r>
+              <a:rPr lang="en-US" sz="1200" dirty="0" smtClean="0">
+                <a:solidFill>
+                  <a:srgbClr val="000000"/>
+                </a:solidFill>
+                <a:latin typeface="Consolas"/>
+                <a:ea typeface="Calibri"/>
+              </a:rPr>
+              <a:t> </a:t>
+            </a:r>
+            <a:r>
+              <a:rPr lang="en-US" sz="1200" b="1" dirty="0" smtClean="0">
+                <a:solidFill>
+                  <a:srgbClr val="000000"/>
+                </a:solidFill>
+                <a:latin typeface="Consolas"/>
+                <a:ea typeface="Calibri"/>
+              </a:rPr>
+              <a:t>main</a:t>
+            </a:r>
+            <a:r>
+              <a:rPr lang="en-US" sz="1200" dirty="0" smtClean="0">
+                <a:solidFill>
+                  <a:srgbClr val="000000"/>
+                </a:solidFill>
+                <a:latin typeface="Consolas"/>
+                <a:ea typeface="Calibri"/>
+              </a:rPr>
+              <a:t>(</a:t>
+            </a:r>
+            <a:r>
+              <a:rPr lang="en-US" sz="1200" b="1" dirty="0" smtClean="0">
+                <a:solidFill>
+                  <a:srgbClr val="7F0055"/>
+                </a:solidFill>
+                <a:latin typeface="Consolas"/>
+                <a:ea typeface="Calibri"/>
+              </a:rPr>
+              <a:t>void</a:t>
+            </a:r>
+            <a:r>
+              <a:rPr lang="en-US" sz="1200" dirty="0" smtClean="0">
+                <a:solidFill>
+                  <a:srgbClr val="000000"/>
+                </a:solidFill>
+                <a:latin typeface="Consolas"/>
+                <a:ea typeface="Calibri"/>
+              </a:rPr>
+              <a:t>) {</a:t>
+            </a:r>
+            <a:endParaRPr lang="en-US" sz="1200" dirty="0" smtClean="0">
+              <a:latin typeface="Calibri"/>
+              <a:ea typeface="Calibri"/>
+            </a:endParaRPr>
+          </a:p>
+          <a:p>
+            <a:pPr marL="0" indent="0">
+              <a:buNone/>
+            </a:pPr>
+            <a:r>
+              <a:rPr lang="en-US" sz="1200" dirty="0">
+                <a:solidFill>
+                  <a:srgbClr val="000000"/>
+                </a:solidFill>
+                <a:latin typeface="Consolas"/>
+              </a:rPr>
+              <a:t> </a:t>
+            </a:r>
+            <a:r>
+              <a:rPr lang="en-US" sz="1200" dirty="0" smtClean="0">
+                <a:solidFill>
+                  <a:srgbClr val="000000"/>
+                </a:solidFill>
+                <a:latin typeface="Consolas"/>
+              </a:rPr>
+              <a:t>   WDTCTL </a:t>
+            </a:r>
+            <a:r>
+              <a:rPr lang="en-US" sz="1200" dirty="0">
+                <a:solidFill>
+                  <a:srgbClr val="000000"/>
+                </a:solidFill>
+                <a:latin typeface="Consolas"/>
+              </a:rPr>
+              <a:t>= WDTPW | WDTHOLD</a:t>
+            </a:r>
+            <a:r>
+              <a:rPr lang="en-US" sz="1200" dirty="0" smtClean="0">
+                <a:solidFill>
+                  <a:srgbClr val="000000"/>
+                </a:solidFill>
+                <a:latin typeface="Consolas"/>
+              </a:rPr>
+              <a:t>;   </a:t>
+            </a:r>
+            <a:r>
+              <a:rPr lang="en-US" sz="1200" dirty="0" smtClean="0">
+                <a:solidFill>
+                  <a:srgbClr val="3F7F5F"/>
+                </a:solidFill>
+                <a:latin typeface="Consolas"/>
+              </a:rPr>
+              <a:t>// </a:t>
+            </a:r>
+            <a:r>
+              <a:rPr lang="en-US" sz="1200" dirty="0">
+                <a:solidFill>
+                  <a:srgbClr val="3F7F5F"/>
+                </a:solidFill>
+                <a:latin typeface="Consolas"/>
+              </a:rPr>
+              <a:t>Stop watchdog </a:t>
+            </a:r>
+            <a:r>
+              <a:rPr lang="en-US" sz="1200" dirty="0" smtClean="0">
+                <a:solidFill>
+                  <a:srgbClr val="3F7F5F"/>
+                </a:solidFill>
+                <a:latin typeface="Consolas"/>
+              </a:rPr>
+              <a:t>timer</a:t>
+            </a:r>
+            <a:endParaRPr lang="en-US" sz="1200" dirty="0">
+              <a:solidFill>
+                <a:srgbClr val="3F7F5F"/>
+              </a:solidFill>
+              <a:latin typeface="Consolas"/>
+            </a:endParaRPr>
+          </a:p>
+          <a:p>
+            <a:pPr marL="0" indent="0">
+              <a:buNone/>
+            </a:pPr>
+            <a:r>
+              <a:rPr lang="en-US" sz="1200" dirty="0">
+                <a:solidFill>
+                  <a:srgbClr val="000000"/>
+                </a:solidFill>
+                <a:latin typeface="Consolas"/>
+              </a:rPr>
+              <a:t>    BCSCTL1 = CALBC1_8MHZ;      </a:t>
+            </a:r>
+            <a:r>
+              <a:rPr lang="en-US" sz="1200" dirty="0">
+                <a:solidFill>
+                  <a:srgbClr val="3F7F5F"/>
+                </a:solidFill>
+                <a:latin typeface="Consolas"/>
+              </a:rPr>
+              <a:t>// Set SMCLK 8 MHz</a:t>
+            </a:r>
+          </a:p>
+          <a:p>
+            <a:pPr marL="0" indent="0">
+              <a:buNone/>
+            </a:pPr>
+            <a:r>
+              <a:rPr lang="en-US" sz="1200" dirty="0">
+                <a:solidFill>
+                  <a:srgbClr val="000000"/>
+                </a:solidFill>
+                <a:latin typeface="Consolas"/>
+              </a:rPr>
+              <a:t>    DCOCTL = CALDCO_8MHZ</a:t>
+            </a:r>
+            <a:r>
+              <a:rPr lang="en-US" sz="1200" dirty="0" smtClean="0">
+                <a:solidFill>
+                  <a:srgbClr val="000000"/>
+                </a:solidFill>
+                <a:latin typeface="Consolas"/>
+              </a:rPr>
+              <a:t>;</a:t>
+            </a:r>
+            <a:endParaRPr lang="en-US" sz="1200" dirty="0">
+              <a:latin typeface="Consolas"/>
+            </a:endParaRPr>
+          </a:p>
+          <a:p>
+            <a:pPr marL="0" indent="0">
+              <a:buNone/>
+            </a:pPr>
+            <a:r>
+              <a:rPr lang="en-US" sz="1200" dirty="0">
+                <a:solidFill>
+                  <a:srgbClr val="000000"/>
+                </a:solidFill>
+                <a:latin typeface="Consolas"/>
+              </a:rPr>
+              <a:t>    </a:t>
+            </a:r>
+            <a:r>
+              <a:rPr lang="en-US" sz="1200" dirty="0">
+                <a:solidFill>
+                  <a:srgbClr val="000000"/>
+                </a:solidFill>
+                <a:highlight>
+                  <a:srgbClr val="F0D8A8"/>
+                </a:highlight>
+                <a:latin typeface="Consolas"/>
+              </a:rPr>
+              <a:t>P1DIR = BIT6</a:t>
+            </a:r>
+            <a:r>
+              <a:rPr lang="en-US" sz="1200" dirty="0" smtClean="0">
+                <a:solidFill>
+                  <a:srgbClr val="000000"/>
+                </a:solidFill>
+                <a:highlight>
+                  <a:srgbClr val="F0D8A8"/>
+                </a:highlight>
+                <a:latin typeface="Consolas"/>
+              </a:rPr>
+              <a:t>;               </a:t>
+            </a:r>
+            <a:r>
+              <a:rPr lang="en-US" sz="1200" dirty="0" smtClean="0">
+                <a:solidFill>
+                  <a:srgbClr val="3F7F5F"/>
+                </a:solidFill>
+                <a:highlight>
+                  <a:srgbClr val="F0D8A8"/>
+                </a:highlight>
+                <a:latin typeface="Consolas"/>
+              </a:rPr>
+              <a:t>// </a:t>
+            </a:r>
+            <a:r>
+              <a:rPr lang="en-US" sz="1200" dirty="0">
+                <a:solidFill>
+                  <a:srgbClr val="3F7F5F"/>
+                </a:solidFill>
+                <a:highlight>
+                  <a:srgbClr val="F0D8A8"/>
+                </a:highlight>
+                <a:latin typeface="Consolas"/>
+              </a:rPr>
+              <a:t>Set the green LED as an output</a:t>
+            </a:r>
+          </a:p>
+          <a:p>
+            <a:pPr marL="0" indent="0">
+              <a:buNone/>
+            </a:pPr>
+            <a:r>
+              <a:rPr lang="en-US" sz="1200" dirty="0">
+                <a:solidFill>
+                  <a:srgbClr val="000000"/>
+                </a:solidFill>
+                <a:latin typeface="Consolas"/>
+              </a:rPr>
+              <a:t> </a:t>
+            </a:r>
+            <a:r>
+              <a:rPr lang="en-US" sz="1200" dirty="0" smtClean="0">
+                <a:solidFill>
+                  <a:srgbClr val="000000"/>
+                </a:solidFill>
+                <a:latin typeface="Consolas"/>
+              </a:rPr>
+              <a:t>   </a:t>
+            </a:r>
+            <a:r>
+              <a:rPr lang="en-US" sz="1200" dirty="0">
+                <a:solidFill>
+                  <a:srgbClr val="00B050"/>
+                </a:solidFill>
+                <a:latin typeface="Consolas"/>
+              </a:rPr>
+              <a:t>// ID_0 Divide by 1</a:t>
+            </a:r>
+          </a:p>
+          <a:p>
+            <a:pPr marL="0" indent="0">
+              <a:buNone/>
+            </a:pPr>
+            <a:r>
+              <a:rPr lang="en-US" sz="1200" dirty="0" smtClean="0">
+                <a:solidFill>
+                  <a:srgbClr val="00B050"/>
+                </a:solidFill>
+                <a:latin typeface="Consolas"/>
+              </a:rPr>
+              <a:t>    //    </a:t>
+            </a:r>
+            <a:r>
+              <a:rPr lang="en-US" sz="1200" dirty="0">
+                <a:solidFill>
+                  <a:srgbClr val="00B050"/>
+                </a:solidFill>
+                <a:latin typeface="Consolas"/>
+              </a:rPr>
+              <a:t>1 sec        1 </a:t>
+            </a:r>
+            <a:r>
+              <a:rPr lang="en-US" sz="1200" dirty="0" err="1">
+                <a:solidFill>
+                  <a:srgbClr val="00B050"/>
+                </a:solidFill>
+                <a:latin typeface="Consolas"/>
+              </a:rPr>
+              <a:t>clks</a:t>
+            </a:r>
+            <a:r>
+              <a:rPr lang="en-US" sz="1200" dirty="0">
+                <a:solidFill>
+                  <a:srgbClr val="00B050"/>
+                </a:solidFill>
+                <a:latin typeface="Consolas"/>
+              </a:rPr>
+              <a:t>      65535 </a:t>
+            </a:r>
+            <a:r>
+              <a:rPr lang="en-US" sz="1200" dirty="0" err="1" smtClean="0">
+                <a:solidFill>
+                  <a:srgbClr val="00B050"/>
+                </a:solidFill>
+                <a:latin typeface="Consolas"/>
+              </a:rPr>
+              <a:t>cnts</a:t>
+            </a:r>
+            <a:r>
+              <a:rPr lang="en-US" sz="1200" dirty="0" smtClean="0">
+                <a:solidFill>
+                  <a:srgbClr val="00B050"/>
+                </a:solidFill>
+                <a:latin typeface="Consolas"/>
+              </a:rPr>
+              <a:t>   </a:t>
+            </a:r>
+            <a:endParaRPr lang="en-US" sz="1200" dirty="0">
+              <a:solidFill>
+                <a:srgbClr val="00B050"/>
+              </a:solidFill>
+              <a:latin typeface="Consolas"/>
+            </a:endParaRPr>
+          </a:p>
+          <a:p>
+            <a:pPr marL="0" indent="0">
+              <a:buNone/>
+            </a:pPr>
+            <a:r>
+              <a:rPr lang="en-US" sz="1200" dirty="0" smtClean="0">
+                <a:solidFill>
+                  <a:srgbClr val="00B050"/>
+                </a:solidFill>
+                <a:latin typeface="Consolas"/>
+              </a:rPr>
+              <a:t>    // </a:t>
+            </a:r>
+            <a:r>
+              <a:rPr lang="en-US" sz="1200" dirty="0">
+                <a:solidFill>
+                  <a:srgbClr val="00B050"/>
+                </a:solidFill>
+                <a:latin typeface="Consolas"/>
+              </a:rPr>
+              <a:t>------------ * ------ * --------------- = 8.19 </a:t>
+            </a:r>
+            <a:r>
+              <a:rPr lang="en-US" sz="1200" dirty="0" err="1">
+                <a:solidFill>
+                  <a:srgbClr val="00B050"/>
+                </a:solidFill>
+                <a:latin typeface="Consolas"/>
+              </a:rPr>
+              <a:t>ms</a:t>
+            </a:r>
+            <a:endParaRPr lang="en-US" sz="1200" dirty="0">
+              <a:solidFill>
+                <a:srgbClr val="00B050"/>
+              </a:solidFill>
+              <a:latin typeface="Consolas"/>
+            </a:endParaRPr>
+          </a:p>
+          <a:p>
+            <a:pPr marL="0" indent="0">
+              <a:buNone/>
+            </a:pPr>
+            <a:r>
+              <a:rPr lang="en-US" sz="1200" dirty="0" smtClean="0">
+                <a:solidFill>
+                  <a:srgbClr val="00B050"/>
+                </a:solidFill>
+                <a:latin typeface="Consolas"/>
+              </a:rPr>
+              <a:t>    //  </a:t>
+            </a:r>
+            <a:r>
+              <a:rPr lang="en-US" sz="1200" dirty="0">
+                <a:solidFill>
+                  <a:srgbClr val="00B050"/>
+                </a:solidFill>
+                <a:latin typeface="Consolas"/>
+              </a:rPr>
+              <a:t>8 *10^6 </a:t>
+            </a:r>
+            <a:r>
+              <a:rPr lang="en-US" sz="1200" dirty="0" err="1">
+                <a:solidFill>
+                  <a:srgbClr val="00B050"/>
+                </a:solidFill>
+                <a:latin typeface="Consolas"/>
+              </a:rPr>
+              <a:t>clks</a:t>
+            </a:r>
+            <a:r>
+              <a:rPr lang="en-US" sz="1200" dirty="0">
+                <a:solidFill>
+                  <a:srgbClr val="00B050"/>
+                </a:solidFill>
+                <a:latin typeface="Consolas"/>
+              </a:rPr>
+              <a:t>   1 </a:t>
+            </a:r>
+            <a:r>
+              <a:rPr lang="en-US" sz="1200" dirty="0" err="1">
+                <a:solidFill>
+                  <a:srgbClr val="00B050"/>
+                </a:solidFill>
+                <a:latin typeface="Consolas"/>
+              </a:rPr>
+              <a:t>cnt</a:t>
+            </a:r>
+            <a:r>
+              <a:rPr lang="en-US" sz="1200" dirty="0">
+                <a:solidFill>
+                  <a:srgbClr val="00B050"/>
+                </a:solidFill>
+                <a:latin typeface="Consolas"/>
+              </a:rPr>
+              <a:t>    1 TAR roll </a:t>
+            </a:r>
+            <a:r>
+              <a:rPr lang="en-US" sz="1200" dirty="0" smtClean="0">
+                <a:solidFill>
+                  <a:srgbClr val="00B050"/>
+                </a:solidFill>
+                <a:latin typeface="Consolas"/>
+              </a:rPr>
+              <a:t>over</a:t>
+            </a:r>
+            <a:endParaRPr lang="en-US" sz="1200" dirty="0">
+              <a:solidFill>
+                <a:srgbClr val="00B050"/>
+              </a:solidFill>
+              <a:latin typeface="Consolas"/>
+            </a:endParaRPr>
+          </a:p>
+          <a:p>
+            <a:pPr marL="0" indent="0">
+              <a:buNone/>
+            </a:pPr>
+            <a:r>
+              <a:rPr lang="en-US" sz="1200" dirty="0" smtClean="0">
+                <a:solidFill>
+                  <a:srgbClr val="00B050"/>
+                </a:solidFill>
+                <a:latin typeface="Consolas"/>
+              </a:rPr>
+              <a:t>    // </a:t>
+            </a:r>
+            <a:r>
+              <a:rPr lang="en-US" sz="1200" dirty="0">
+                <a:solidFill>
+                  <a:srgbClr val="00B050"/>
+                </a:solidFill>
+                <a:latin typeface="Consolas"/>
+              </a:rPr>
+              <a:t>ID_3 Divide by 8</a:t>
+            </a:r>
+          </a:p>
+          <a:p>
+            <a:pPr marL="0" indent="0">
+              <a:buNone/>
+            </a:pPr>
+            <a:r>
+              <a:rPr lang="en-US" sz="1200" dirty="0" smtClean="0">
+                <a:solidFill>
+                  <a:srgbClr val="00B050"/>
+                </a:solidFill>
+                <a:latin typeface="Consolas"/>
+              </a:rPr>
+              <a:t>    //    </a:t>
+            </a:r>
+            <a:r>
+              <a:rPr lang="en-US" sz="1200" dirty="0">
+                <a:solidFill>
+                  <a:srgbClr val="00B050"/>
+                </a:solidFill>
+                <a:latin typeface="Consolas"/>
+              </a:rPr>
+              <a:t>1 sec        8 </a:t>
+            </a:r>
+            <a:r>
+              <a:rPr lang="en-US" sz="1200" dirty="0" err="1">
+                <a:solidFill>
+                  <a:srgbClr val="00B050"/>
+                </a:solidFill>
+                <a:latin typeface="Consolas"/>
+              </a:rPr>
+              <a:t>clks</a:t>
+            </a:r>
+            <a:r>
+              <a:rPr lang="en-US" sz="1200" dirty="0">
+                <a:solidFill>
+                  <a:srgbClr val="00B050"/>
+                </a:solidFill>
+                <a:latin typeface="Consolas"/>
+              </a:rPr>
+              <a:t>      65535 </a:t>
+            </a:r>
+            <a:r>
+              <a:rPr lang="en-US" sz="1200" dirty="0" err="1">
+                <a:solidFill>
+                  <a:srgbClr val="00B050"/>
+                </a:solidFill>
+                <a:latin typeface="Consolas"/>
+              </a:rPr>
+              <a:t>cnts</a:t>
+            </a:r>
+            <a:endParaRPr lang="en-US" sz="1200" dirty="0">
+              <a:solidFill>
+                <a:srgbClr val="00B050"/>
+              </a:solidFill>
+              <a:latin typeface="Consolas"/>
+            </a:endParaRPr>
+          </a:p>
+          <a:p>
+            <a:pPr marL="0" indent="0">
+              <a:buNone/>
+            </a:pPr>
+            <a:r>
+              <a:rPr lang="en-US" sz="1200" dirty="0" smtClean="0">
+                <a:solidFill>
+                  <a:srgbClr val="00B050"/>
+                </a:solidFill>
+                <a:latin typeface="Consolas"/>
+              </a:rPr>
+              <a:t>    // </a:t>
+            </a:r>
+            <a:r>
+              <a:rPr lang="en-US" sz="1200" dirty="0">
+                <a:solidFill>
+                  <a:srgbClr val="00B050"/>
+                </a:solidFill>
+                <a:latin typeface="Consolas"/>
+              </a:rPr>
+              <a:t>------------ * ------ * --------------- = 65.535 </a:t>
+            </a:r>
+            <a:r>
+              <a:rPr lang="en-US" sz="1200" dirty="0" err="1">
+                <a:solidFill>
+                  <a:srgbClr val="00B050"/>
+                </a:solidFill>
+                <a:latin typeface="Consolas"/>
+              </a:rPr>
+              <a:t>ms</a:t>
+            </a:r>
+            <a:endParaRPr lang="en-US" sz="1200" dirty="0">
+              <a:solidFill>
+                <a:srgbClr val="00B050"/>
+              </a:solidFill>
+              <a:latin typeface="Consolas"/>
+            </a:endParaRPr>
+          </a:p>
+          <a:p>
+            <a:pPr marL="0" indent="0">
+              <a:buNone/>
+            </a:pPr>
+            <a:r>
+              <a:rPr lang="en-US" sz="1200" dirty="0" smtClean="0">
+                <a:solidFill>
+                  <a:srgbClr val="00B050"/>
+                </a:solidFill>
+                <a:latin typeface="Consolas"/>
+              </a:rPr>
+              <a:t>    //  </a:t>
+            </a:r>
+            <a:r>
+              <a:rPr lang="en-US" sz="1200" dirty="0">
+                <a:solidFill>
+                  <a:srgbClr val="00B050"/>
+                </a:solidFill>
+                <a:latin typeface="Consolas"/>
+              </a:rPr>
+              <a:t>8 *10^6 </a:t>
+            </a:r>
+            <a:r>
+              <a:rPr lang="en-US" sz="1200" dirty="0" err="1">
+                <a:solidFill>
+                  <a:srgbClr val="00B050"/>
+                </a:solidFill>
+                <a:latin typeface="Consolas"/>
+              </a:rPr>
+              <a:t>clks</a:t>
+            </a:r>
+            <a:r>
+              <a:rPr lang="en-US" sz="1200" dirty="0">
+                <a:solidFill>
+                  <a:srgbClr val="00B050"/>
+                </a:solidFill>
+                <a:latin typeface="Consolas"/>
+              </a:rPr>
+              <a:t>   1 </a:t>
+            </a:r>
+            <a:r>
+              <a:rPr lang="en-US" sz="1200" dirty="0" err="1">
+                <a:solidFill>
+                  <a:srgbClr val="00B050"/>
+                </a:solidFill>
+                <a:latin typeface="Consolas"/>
+              </a:rPr>
+              <a:t>cnt</a:t>
+            </a:r>
+            <a:r>
+              <a:rPr lang="en-US" sz="1200" dirty="0">
+                <a:solidFill>
+                  <a:srgbClr val="00B050"/>
+                </a:solidFill>
+                <a:latin typeface="Consolas"/>
+              </a:rPr>
+              <a:t>    1 TAR roll over</a:t>
+            </a:r>
+            <a:endParaRPr lang="en-US" sz="1200" dirty="0" smtClean="0">
+              <a:solidFill>
+                <a:srgbClr val="00B050"/>
+              </a:solidFill>
+              <a:latin typeface="Consolas"/>
+            </a:endParaRPr>
+          </a:p>
+          <a:p>
+            <a:pPr marL="0" indent="0">
+              <a:buNone/>
+            </a:pPr>
+            <a:r>
+              <a:rPr lang="en-US" sz="1200" dirty="0">
+                <a:solidFill>
+                  <a:srgbClr val="000000"/>
+                </a:solidFill>
+                <a:latin typeface="Consolas"/>
+              </a:rPr>
+              <a:t> </a:t>
+            </a:r>
+            <a:r>
+              <a:rPr lang="en-US" sz="1200" dirty="0" smtClean="0">
+                <a:solidFill>
+                  <a:srgbClr val="000000"/>
+                </a:solidFill>
+                <a:latin typeface="Consolas"/>
+              </a:rPr>
+              <a:t>   TA0CCR0 </a:t>
+            </a:r>
+            <a:r>
+              <a:rPr lang="en-US" sz="1200" dirty="0">
+                <a:solidFill>
+                  <a:srgbClr val="000000"/>
+                </a:solidFill>
+                <a:latin typeface="Consolas"/>
+              </a:rPr>
+              <a:t>= </a:t>
+            </a:r>
+            <a:r>
+              <a:rPr lang="en-US" sz="1200" dirty="0" smtClean="0">
+                <a:solidFill>
+                  <a:srgbClr val="000000"/>
+                </a:solidFill>
+                <a:latin typeface="Consolas"/>
+              </a:rPr>
+              <a:t>0xFFFF;                    </a:t>
+            </a:r>
+            <a:r>
+              <a:rPr lang="en-US" sz="1200" dirty="0">
+                <a:solidFill>
+                  <a:srgbClr val="3F7F5F"/>
+                </a:solidFill>
+                <a:latin typeface="Consolas"/>
+              </a:rPr>
+              <a:t>// Set the interval</a:t>
+            </a:r>
+          </a:p>
+          <a:p>
+            <a:pPr marL="0" indent="0">
+              <a:buNone/>
+            </a:pPr>
+            <a:r>
+              <a:rPr lang="en-US" sz="1200" dirty="0">
+                <a:solidFill>
+                  <a:srgbClr val="000000"/>
+                </a:solidFill>
+                <a:latin typeface="Consolas"/>
+              </a:rPr>
+              <a:t>    </a:t>
+            </a:r>
+            <a:r>
+              <a:rPr lang="en-US" sz="1200" dirty="0" smtClean="0">
+                <a:solidFill>
+                  <a:srgbClr val="000000"/>
+                </a:solidFill>
+                <a:latin typeface="Consolas"/>
+              </a:rPr>
+              <a:t>TA0CTL </a:t>
+            </a:r>
+            <a:r>
+              <a:rPr lang="en-US" sz="1200" dirty="0">
+                <a:solidFill>
+                  <a:srgbClr val="000000"/>
+                </a:solidFill>
+                <a:latin typeface="Consolas"/>
+              </a:rPr>
+              <a:t>&amp;= ~TAIFG;                     </a:t>
+            </a:r>
+            <a:r>
+              <a:rPr lang="en-US" sz="1200" dirty="0">
+                <a:solidFill>
+                  <a:srgbClr val="3F7F5F"/>
+                </a:solidFill>
+                <a:latin typeface="Consolas"/>
+              </a:rPr>
+              <a:t>// Clear any rollover flag</a:t>
+            </a:r>
+            <a:endParaRPr lang="en-US" sz="1200" dirty="0">
+              <a:latin typeface="Consolas"/>
+            </a:endParaRPr>
+          </a:p>
+          <a:p>
+            <a:pPr marL="0" indent="0">
+              <a:buNone/>
+            </a:pPr>
+            <a:r>
+              <a:rPr lang="en-US" sz="1200" dirty="0">
+                <a:solidFill>
+                  <a:srgbClr val="000000"/>
+                </a:solidFill>
+                <a:latin typeface="Consolas"/>
+              </a:rPr>
+              <a:t>    </a:t>
+            </a:r>
+            <a:r>
+              <a:rPr lang="en-US" sz="1200" dirty="0" smtClean="0">
+                <a:solidFill>
+                  <a:srgbClr val="000000"/>
+                </a:solidFill>
+                <a:latin typeface="Consolas"/>
+              </a:rPr>
+              <a:t>TA0CTL </a:t>
+            </a:r>
+            <a:r>
+              <a:rPr lang="en-US" sz="1200" dirty="0">
+                <a:solidFill>
+                  <a:srgbClr val="000000"/>
+                </a:solidFill>
+                <a:latin typeface="Consolas"/>
+              </a:rPr>
+              <a:t>|= </a:t>
+            </a:r>
+            <a:r>
+              <a:rPr lang="en-US" sz="1200" dirty="0" smtClean="0">
+                <a:solidFill>
+                  <a:srgbClr val="000000"/>
+                </a:solidFill>
+                <a:latin typeface="Consolas"/>
+              </a:rPr>
+              <a:t>ID_3 </a:t>
+            </a:r>
+            <a:r>
+              <a:rPr lang="en-US" sz="1200" dirty="0">
+                <a:solidFill>
+                  <a:srgbClr val="000000"/>
+                </a:solidFill>
+                <a:latin typeface="Consolas"/>
+              </a:rPr>
+              <a:t>| TASSEL_2 | MC_1</a:t>
+            </a:r>
+            <a:r>
+              <a:rPr lang="en-US" sz="1200" dirty="0" smtClean="0">
+                <a:solidFill>
+                  <a:srgbClr val="000000"/>
+                </a:solidFill>
+                <a:latin typeface="Consolas"/>
+              </a:rPr>
+              <a:t>;     </a:t>
+            </a:r>
+            <a:r>
+              <a:rPr lang="en-US" sz="1200" dirty="0" smtClean="0">
+                <a:solidFill>
+                  <a:srgbClr val="3F7F5F"/>
+                </a:solidFill>
+                <a:latin typeface="Consolas"/>
+              </a:rPr>
+              <a:t>// </a:t>
+            </a:r>
+            <a:r>
+              <a:rPr lang="en-US" sz="1200" dirty="0">
+                <a:solidFill>
+                  <a:srgbClr val="3F7F5F"/>
+                </a:solidFill>
+                <a:latin typeface="Consolas"/>
+              </a:rPr>
+              <a:t>Important Timer </a:t>
+            </a:r>
+            <a:r>
+              <a:rPr lang="en-US" sz="1200" dirty="0" smtClean="0">
+                <a:solidFill>
+                  <a:srgbClr val="3F7F5F"/>
+                </a:solidFill>
+                <a:latin typeface="Consolas"/>
+              </a:rPr>
+              <a:t>stuff!</a:t>
+            </a:r>
+          </a:p>
+          <a:p>
+            <a:pPr marL="0" indent="0">
+              <a:buNone/>
+            </a:pPr>
+            <a:endParaRPr lang="en-US" sz="1200" b="1" dirty="0">
+              <a:solidFill>
+                <a:srgbClr val="3F7F5F"/>
+              </a:solidFill>
+              <a:latin typeface="Consolas"/>
+            </a:endParaRPr>
+          </a:p>
+          <a:p>
+            <a:pPr marL="0" indent="0">
+              <a:buNone/>
+            </a:pPr>
+            <a:r>
+              <a:rPr lang="en-US" sz="1200" b="1" dirty="0" smtClean="0">
+                <a:solidFill>
+                  <a:srgbClr val="7F0055"/>
+                </a:solidFill>
+                <a:latin typeface="Consolas"/>
+              </a:rPr>
+              <a:t>while</a:t>
+            </a:r>
+            <a:r>
+              <a:rPr lang="en-US" sz="1200" b="1" dirty="0" smtClean="0">
+                <a:solidFill>
+                  <a:srgbClr val="000000"/>
+                </a:solidFill>
+                <a:latin typeface="Consolas"/>
+              </a:rPr>
+              <a:t>(1) {</a:t>
+            </a:r>
+          </a:p>
+          <a:p>
+            <a:pPr marL="0" indent="0">
+              <a:buNone/>
+            </a:pPr>
+            <a:r>
+              <a:rPr lang="en-US" sz="1200" dirty="0" smtClean="0">
+                <a:solidFill>
+                  <a:srgbClr val="000000"/>
+                </a:solidFill>
+                <a:latin typeface="Consolas"/>
+              </a:rPr>
+              <a:t>    </a:t>
+            </a:r>
+            <a:r>
+              <a:rPr lang="en-US" sz="1200" b="1" dirty="0" smtClean="0">
+                <a:solidFill>
+                  <a:srgbClr val="7F0055"/>
+                </a:solidFill>
+                <a:latin typeface="Consolas"/>
+              </a:rPr>
+              <a:t>while</a:t>
+            </a:r>
+            <a:r>
+              <a:rPr lang="en-US" sz="1200" b="1" dirty="0" smtClean="0">
+                <a:solidFill>
+                  <a:srgbClr val="000000"/>
+                </a:solidFill>
+                <a:latin typeface="Consolas"/>
+              </a:rPr>
+              <a:t> ((TA0CTL &amp; TAIFG) == 0); </a:t>
+            </a:r>
+            <a:r>
+              <a:rPr lang="en-US" sz="1200" dirty="0" smtClean="0">
+                <a:solidFill>
+                  <a:srgbClr val="3F7F5F"/>
+                </a:solidFill>
+                <a:latin typeface="Consolas"/>
+              </a:rPr>
+              <a:t>// Polling timer flag? </a:t>
+            </a:r>
+            <a:endParaRPr lang="en-US" sz="1200" b="1" dirty="0" smtClean="0">
+              <a:solidFill>
+                <a:srgbClr val="FF0000"/>
+              </a:solidFill>
+              <a:latin typeface="Consolas"/>
+            </a:endParaRPr>
+          </a:p>
+          <a:p>
+            <a:pPr marL="0" indent="0">
+              <a:buNone/>
+            </a:pPr>
+            <a:r>
+              <a:rPr lang="en-US" sz="1200" dirty="0" smtClean="0">
+                <a:solidFill>
+                  <a:srgbClr val="000000"/>
+                </a:solidFill>
+                <a:latin typeface="Consolas"/>
+              </a:rPr>
+              <a:t>    TA0CTL &amp;= ~TAIFG;              </a:t>
+            </a:r>
+            <a:r>
+              <a:rPr lang="en-US" sz="1200" dirty="0" smtClean="0">
+                <a:solidFill>
+                  <a:srgbClr val="3F7F5F"/>
+                </a:solidFill>
+                <a:latin typeface="Consolas"/>
+              </a:rPr>
+              <a:t>// Clear rollover flag</a:t>
+            </a:r>
+            <a:endParaRPr lang="en-US" sz="1200" dirty="0" smtClean="0">
+              <a:solidFill>
+                <a:srgbClr val="000000"/>
+              </a:solidFill>
+              <a:latin typeface="Consolas"/>
+            </a:endParaRPr>
+          </a:p>
+          <a:p>
+            <a:pPr marL="0" indent="0">
+              <a:buNone/>
+            </a:pPr>
+            <a:r>
+              <a:rPr lang="en-US" sz="1200" dirty="0" smtClean="0">
+                <a:solidFill>
+                  <a:srgbClr val="000000"/>
+                </a:solidFill>
+                <a:latin typeface="Consolas"/>
+              </a:rPr>
+              <a:t>    P1OUT ^= BIT6;                </a:t>
+            </a:r>
+            <a:r>
+              <a:rPr lang="en-US" sz="1200" dirty="0" smtClean="0">
+                <a:solidFill>
+                  <a:srgbClr val="3F7F5F"/>
+                </a:solidFill>
+                <a:latin typeface="Consolas"/>
+              </a:rPr>
+              <a:t>// toggle LED</a:t>
+            </a:r>
+            <a:endParaRPr lang="en-US" sz="1200" dirty="0" smtClean="0">
+              <a:solidFill>
+                <a:srgbClr val="000000"/>
+              </a:solidFill>
+              <a:latin typeface="Consolas"/>
+            </a:endParaRPr>
+          </a:p>
+          <a:p>
+            <a:pPr marL="0" indent="0">
+              <a:buNone/>
+            </a:pPr>
+            <a:r>
+              <a:rPr lang="en-US" sz="1200" dirty="0" smtClean="0">
+                <a:solidFill>
+                  <a:srgbClr val="000000"/>
+                </a:solidFill>
+                <a:latin typeface="Consolas"/>
+              </a:rPr>
+              <a:t>    } </a:t>
+            </a:r>
+            <a:r>
+              <a:rPr lang="en-US" sz="1200" dirty="0" smtClean="0">
+                <a:solidFill>
+                  <a:srgbClr val="3F7F5F"/>
+                </a:solidFill>
+                <a:latin typeface="Consolas"/>
+              </a:rPr>
+              <a:t>// end infinite loop</a:t>
+            </a:r>
+          </a:p>
+          <a:p>
+            <a:pPr marL="0" indent="0">
+              <a:buNone/>
+            </a:pPr>
+            <a:r>
+              <a:rPr lang="en-US" sz="1200" dirty="0" smtClean="0">
+                <a:solidFill>
+                  <a:srgbClr val="000000"/>
+                </a:solidFill>
+                <a:latin typeface="Consolas"/>
+                <a:ea typeface="Calibri"/>
+              </a:rPr>
+              <a:t>}</a:t>
+            </a:r>
+            <a:endParaRPr lang="en-US" sz="1200" dirty="0">
+              <a:effectLst/>
+              <a:latin typeface="Calibri"/>
+              <a:ea typeface="Calibri"/>
+            </a:endParaRPr>
+          </a:p>
+        </p:txBody>
+      </p:sp>
+    </p:spTree>
+    <p:extLst>
+      <p:ext uri="{BB962C8B-B14F-4D97-AF65-F5344CB8AC3E}">
+        <p14:creationId xmlns:p14="http://schemas.microsoft.com/office/powerpoint/2010/main" val="3526928930"/>
       </p:ext>
     </p:extLst>
   </p:cSld>
@@ -9693,7 +11038,675 @@
 </p:sld>
 </file>
 
-<file path=ppt/slides/slide16.xml><?xml version="1.0" encoding="utf-8"?>
+<file path=ppt/slides/slide17.xml><?xml version="1.0" encoding="utf-8"?>
+<p:sld xmlns:a="http://schemas.openxmlformats.org/drawingml/2006/main" xmlns:r="http://schemas.openxmlformats.org/officeDocument/2006/relationships" xmlns:p="http://schemas.openxmlformats.org/presentationml/2006/main">
+  <p:cSld>
+    <p:spTree>
+      <p:nvGrpSpPr>
+        <p:cNvPr id="1" name=""/>
+        <p:cNvGrpSpPr/>
+        <p:nvPr/>
+      </p:nvGrpSpPr>
+      <p:grpSpPr>
+        <a:xfrm>
+          <a:off x="0" y="0"/>
+          <a:ext cx="0" cy="0"/>
+          <a:chOff x="0" y="0"/>
+          <a:chExt cx="0" cy="0"/>
+        </a:xfrm>
+      </p:grpSpPr>
+      <p:sp>
+        <p:nvSpPr>
+          <p:cNvPr id="2" name="Title 1"/>
+          <p:cNvSpPr>
+            <a:spLocks noGrp="1"/>
+          </p:cNvSpPr>
+          <p:nvPr>
+            <p:ph type="title"/>
+          </p:nvPr>
+        </p:nvSpPr>
+        <p:spPr/>
+        <p:txBody>
+          <a:bodyPr/>
+          <a:lstStyle/>
+          <a:p>
+            <a:r>
+              <a:rPr lang="en-US" b="1" dirty="0" smtClean="0"/>
+              <a:t>Example </a:t>
+            </a:r>
+            <a:r>
+              <a:rPr lang="en-US" dirty="0" smtClean="0"/>
+              <a:t>Interrupts</a:t>
+            </a:r>
+            <a:endParaRPr lang="en-US" b="1" dirty="0"/>
+          </a:p>
+        </p:txBody>
+      </p:sp>
+      <p:sp>
+        <p:nvSpPr>
+          <p:cNvPr id="5" name="Content Placeholder 2"/>
+          <p:cNvSpPr>
+            <a:spLocks noGrp="1"/>
+          </p:cNvSpPr>
+          <p:nvPr>
+            <p:ph idx="1"/>
+          </p:nvPr>
+        </p:nvSpPr>
+        <p:spPr>
+          <a:xfrm>
+            <a:off x="417786" y="1458883"/>
+            <a:ext cx="8182304" cy="4792145"/>
+          </a:xfrm>
+          <a:solidFill>
+            <a:schemeClr val="bg1"/>
+          </a:solidFill>
+          <a:ln>
+            <a:solidFill>
+              <a:schemeClr val="tx1"/>
+            </a:solidFill>
+          </a:ln>
+        </p:spPr>
+        <p:txBody>
+          <a:bodyPr/>
+          <a:lstStyle/>
+          <a:p>
+            <a:pPr marL="0" marR="0" indent="0">
+              <a:spcBef>
+                <a:spcPts val="0"/>
+              </a:spcBef>
+              <a:spcAft>
+                <a:spcPts val="0"/>
+              </a:spcAft>
+              <a:buNone/>
+            </a:pPr>
+            <a:r>
+              <a:rPr lang="en-US" sz="1600" dirty="0">
+                <a:latin typeface="Calibri"/>
+                <a:ea typeface="Calibri"/>
+              </a:rPr>
+              <a:t>void main(void) {</a:t>
+            </a:r>
+          </a:p>
+          <a:p>
+            <a:pPr marL="0" marR="0" indent="0">
+              <a:spcBef>
+                <a:spcPts val="0"/>
+              </a:spcBef>
+              <a:spcAft>
+                <a:spcPts val="0"/>
+              </a:spcAft>
+              <a:buNone/>
+            </a:pPr>
+            <a:r>
+              <a:rPr lang="en-US" sz="1600" dirty="0">
+                <a:latin typeface="Calibri"/>
+                <a:ea typeface="Calibri"/>
+              </a:rPr>
+              <a:t>    WDTCTL = WDTPW | WDTHOLD;	</a:t>
+            </a:r>
+            <a:r>
+              <a:rPr lang="en-US" sz="1600" dirty="0" smtClean="0">
+                <a:solidFill>
+                  <a:srgbClr val="00B050"/>
+                </a:solidFill>
+                <a:latin typeface="Calibri"/>
+                <a:ea typeface="Calibri"/>
+              </a:rPr>
+              <a:t>// </a:t>
+            </a:r>
+            <a:r>
+              <a:rPr lang="en-US" sz="1600" dirty="0">
+                <a:solidFill>
+                  <a:srgbClr val="00B050"/>
+                </a:solidFill>
+                <a:latin typeface="Calibri"/>
+                <a:ea typeface="Calibri"/>
+              </a:rPr>
+              <a:t>Stop watchdog timer</a:t>
+            </a:r>
+          </a:p>
+          <a:p>
+            <a:pPr marL="0" marR="0" indent="0">
+              <a:spcBef>
+                <a:spcPts val="0"/>
+              </a:spcBef>
+              <a:spcAft>
+                <a:spcPts val="0"/>
+              </a:spcAft>
+              <a:buNone/>
+            </a:pPr>
+            <a:endParaRPr lang="en-US" sz="1600" dirty="0">
+              <a:latin typeface="Calibri"/>
+              <a:ea typeface="Calibri"/>
+            </a:endParaRPr>
+          </a:p>
+          <a:p>
+            <a:pPr marL="0" marR="0" indent="0">
+              <a:spcBef>
+                <a:spcPts val="0"/>
+              </a:spcBef>
+              <a:spcAft>
+                <a:spcPts val="0"/>
+              </a:spcAft>
+              <a:buNone/>
+            </a:pPr>
+            <a:r>
+              <a:rPr lang="en-US" sz="1600" dirty="0" smtClean="0">
+                <a:latin typeface="Calibri"/>
+                <a:ea typeface="Calibri"/>
+              </a:rPr>
+              <a:t>    </a:t>
+            </a:r>
+            <a:r>
+              <a:rPr lang="en-US" sz="1600" dirty="0">
+                <a:latin typeface="Calibri"/>
+                <a:ea typeface="Calibri"/>
+              </a:rPr>
+              <a:t>P1DIR |= BIT6;			</a:t>
+            </a:r>
+            <a:r>
+              <a:rPr lang="en-US" sz="1600" dirty="0" smtClean="0">
+                <a:solidFill>
+                  <a:srgbClr val="00B050"/>
+                </a:solidFill>
+                <a:latin typeface="Calibri"/>
+                <a:ea typeface="Calibri"/>
+              </a:rPr>
+              <a:t>// </a:t>
+            </a:r>
+            <a:r>
+              <a:rPr lang="en-US" sz="1600" dirty="0">
+                <a:solidFill>
+                  <a:srgbClr val="00B050"/>
+                </a:solidFill>
+                <a:latin typeface="Calibri"/>
+                <a:ea typeface="Calibri"/>
+              </a:rPr>
+              <a:t>Set P1.6 (Green LED) as an </a:t>
+            </a:r>
+            <a:r>
+              <a:rPr lang="en-US" sz="1600" dirty="0" smtClean="0">
+                <a:solidFill>
+                  <a:srgbClr val="00B050"/>
+                </a:solidFill>
+                <a:latin typeface="Calibri"/>
+                <a:ea typeface="Calibri"/>
+              </a:rPr>
+              <a:t>output</a:t>
+            </a:r>
+            <a:endParaRPr lang="en-US" sz="1600" dirty="0">
+              <a:solidFill>
+                <a:srgbClr val="00B050"/>
+              </a:solidFill>
+              <a:latin typeface="Calibri"/>
+              <a:ea typeface="Calibri"/>
+            </a:endParaRPr>
+          </a:p>
+          <a:p>
+            <a:pPr marL="0" marR="0" indent="0">
+              <a:spcBef>
+                <a:spcPts val="0"/>
+              </a:spcBef>
+              <a:spcAft>
+                <a:spcPts val="0"/>
+              </a:spcAft>
+              <a:buNone/>
+            </a:pPr>
+            <a:r>
+              <a:rPr lang="en-US" sz="1600" dirty="0">
+                <a:latin typeface="Calibri"/>
+                <a:ea typeface="Calibri"/>
+              </a:rPr>
+              <a:t>    TA0CTL &amp;= ~TAIFG;			</a:t>
+            </a:r>
+            <a:r>
+              <a:rPr lang="en-US" sz="1600" dirty="0" smtClean="0">
+                <a:solidFill>
+                  <a:srgbClr val="00B050"/>
+                </a:solidFill>
+                <a:latin typeface="Calibri"/>
+                <a:ea typeface="Calibri"/>
+              </a:rPr>
+              <a:t>// </a:t>
+            </a:r>
+            <a:r>
+              <a:rPr lang="en-US" sz="1600" dirty="0">
+                <a:solidFill>
+                  <a:srgbClr val="00B050"/>
+                </a:solidFill>
+                <a:latin typeface="Calibri"/>
+                <a:ea typeface="Calibri"/>
+              </a:rPr>
+              <a:t>Turn off Timer A interrupt flag</a:t>
+            </a:r>
+          </a:p>
+          <a:p>
+            <a:pPr marL="0" marR="0" indent="0">
+              <a:spcBef>
+                <a:spcPts val="0"/>
+              </a:spcBef>
+              <a:spcAft>
+                <a:spcPts val="0"/>
+              </a:spcAft>
+              <a:buNone/>
+            </a:pPr>
+            <a:r>
+              <a:rPr lang="en-US" sz="1600" dirty="0">
+                <a:latin typeface="Calibri"/>
+                <a:ea typeface="Calibri"/>
+              </a:rPr>
+              <a:t>    TA0CTL |= ID_3 | TASSEL_2 | MC_1 | TAIE;</a:t>
+            </a:r>
+          </a:p>
+          <a:p>
+            <a:pPr marL="0" marR="0" indent="0">
+              <a:spcBef>
+                <a:spcPts val="0"/>
+              </a:spcBef>
+              <a:spcAft>
+                <a:spcPts val="0"/>
+              </a:spcAft>
+              <a:buNone/>
+            </a:pPr>
+            <a:r>
+              <a:rPr lang="en-US" sz="1600" dirty="0">
+                <a:latin typeface="Calibri"/>
+                <a:ea typeface="Calibri"/>
+              </a:rPr>
+              <a:t>    				</a:t>
+            </a:r>
+            <a:r>
+              <a:rPr lang="en-US" sz="1600" dirty="0" smtClean="0">
+                <a:solidFill>
+                  <a:srgbClr val="00B050"/>
+                </a:solidFill>
+                <a:latin typeface="Calibri"/>
+                <a:ea typeface="Calibri"/>
+              </a:rPr>
+              <a:t>// </a:t>
+            </a:r>
+            <a:r>
+              <a:rPr lang="en-US" sz="1600" dirty="0">
+                <a:solidFill>
+                  <a:srgbClr val="00B050"/>
+                </a:solidFill>
+                <a:latin typeface="Calibri"/>
+                <a:ea typeface="Calibri"/>
+              </a:rPr>
+              <a:t>Setting all our bits count up to TA0CCR0</a:t>
+            </a:r>
+          </a:p>
+          <a:p>
+            <a:pPr marL="0" marR="0" indent="0">
+              <a:spcBef>
+                <a:spcPts val="0"/>
+              </a:spcBef>
+              <a:spcAft>
+                <a:spcPts val="0"/>
+              </a:spcAft>
+              <a:buNone/>
+            </a:pPr>
+            <a:r>
+              <a:rPr lang="en-US" sz="1600" dirty="0">
+                <a:latin typeface="Calibri"/>
+                <a:ea typeface="Calibri"/>
+              </a:rPr>
+              <a:t>    TA0CCR0 = 0xFFFF;			</a:t>
+            </a:r>
+            <a:r>
+              <a:rPr lang="en-US" sz="1600" dirty="0" smtClean="0">
+                <a:solidFill>
+                  <a:srgbClr val="00B050"/>
+                </a:solidFill>
+                <a:latin typeface="Calibri"/>
+                <a:ea typeface="Calibri"/>
+              </a:rPr>
+              <a:t>// </a:t>
+            </a:r>
+            <a:r>
+              <a:rPr lang="en-US" sz="1600" dirty="0">
+                <a:solidFill>
+                  <a:srgbClr val="00B050"/>
+                </a:solidFill>
+                <a:latin typeface="Calibri"/>
+                <a:ea typeface="Calibri"/>
+              </a:rPr>
+              <a:t>Set Timer A 0 TA0CCR0 value</a:t>
+            </a:r>
+          </a:p>
+          <a:p>
+            <a:pPr marL="0" marR="0" indent="0">
+              <a:spcBef>
+                <a:spcPts val="0"/>
+              </a:spcBef>
+              <a:spcAft>
+                <a:spcPts val="0"/>
+              </a:spcAft>
+              <a:buNone/>
+            </a:pPr>
+            <a:r>
+              <a:rPr lang="en-US" sz="1600" dirty="0">
+                <a:latin typeface="Calibri"/>
+                <a:ea typeface="Calibri"/>
+              </a:rPr>
+              <a:t>    __</a:t>
+            </a:r>
+            <a:r>
+              <a:rPr lang="en-US" sz="1600" dirty="0" err="1">
+                <a:latin typeface="Calibri"/>
+                <a:ea typeface="Calibri"/>
+              </a:rPr>
+              <a:t>enable_interrupt</a:t>
+            </a:r>
+            <a:r>
+              <a:rPr lang="en-US" sz="1600" dirty="0">
+                <a:latin typeface="Calibri"/>
+                <a:ea typeface="Calibri"/>
+              </a:rPr>
+              <a:t>();		</a:t>
+            </a:r>
+            <a:r>
+              <a:rPr lang="en-US" sz="1600" dirty="0" smtClean="0">
+                <a:solidFill>
+                  <a:srgbClr val="00B050"/>
+                </a:solidFill>
+                <a:latin typeface="Calibri"/>
+                <a:ea typeface="Calibri"/>
+              </a:rPr>
+              <a:t>// </a:t>
+            </a:r>
+            <a:r>
+              <a:rPr lang="en-US" sz="1600" dirty="0">
+                <a:solidFill>
+                  <a:srgbClr val="00B050"/>
+                </a:solidFill>
+                <a:latin typeface="Calibri"/>
+                <a:ea typeface="Calibri"/>
+              </a:rPr>
+              <a:t>Enable Interrupts and then write function</a:t>
+            </a:r>
+          </a:p>
+          <a:p>
+            <a:pPr marL="0" marR="0" indent="0">
+              <a:spcBef>
+                <a:spcPts val="0"/>
+              </a:spcBef>
+              <a:spcAft>
+                <a:spcPts val="0"/>
+              </a:spcAft>
+              <a:buNone/>
+            </a:pPr>
+            <a:endParaRPr lang="en-US" sz="1600" dirty="0">
+              <a:latin typeface="Calibri"/>
+              <a:ea typeface="Calibri"/>
+            </a:endParaRPr>
+          </a:p>
+          <a:p>
+            <a:pPr marL="0" marR="0" indent="0">
+              <a:spcBef>
+                <a:spcPts val="0"/>
+              </a:spcBef>
+              <a:spcAft>
+                <a:spcPts val="0"/>
+              </a:spcAft>
+              <a:buNone/>
+            </a:pPr>
+            <a:r>
+              <a:rPr lang="en-US" sz="1600" dirty="0">
+                <a:latin typeface="Calibri"/>
+                <a:ea typeface="Calibri"/>
+              </a:rPr>
+              <a:t>    while (1);			</a:t>
+            </a:r>
+            <a:r>
+              <a:rPr lang="en-US" sz="1600" dirty="0" smtClean="0">
+                <a:solidFill>
+                  <a:srgbClr val="00B050"/>
+                </a:solidFill>
+                <a:latin typeface="Calibri"/>
+                <a:ea typeface="Calibri"/>
+              </a:rPr>
+              <a:t>// </a:t>
+            </a:r>
+            <a:r>
+              <a:rPr lang="en-US" sz="1600" dirty="0" err="1">
+                <a:solidFill>
+                  <a:srgbClr val="00B050"/>
+                </a:solidFill>
+                <a:latin typeface="Calibri"/>
+                <a:ea typeface="Calibri"/>
+              </a:rPr>
+              <a:t>cpu</a:t>
+            </a:r>
+            <a:r>
+              <a:rPr lang="en-US" sz="1600" dirty="0">
+                <a:solidFill>
+                  <a:srgbClr val="00B050"/>
+                </a:solidFill>
+                <a:latin typeface="Calibri"/>
+                <a:ea typeface="Calibri"/>
+              </a:rPr>
+              <a:t> </a:t>
+            </a:r>
+            <a:r>
+              <a:rPr lang="en-US" sz="1600" dirty="0" smtClean="0">
+                <a:solidFill>
+                  <a:srgbClr val="00B050"/>
+                </a:solidFill>
+                <a:latin typeface="Calibri"/>
+                <a:ea typeface="Calibri"/>
+              </a:rPr>
+              <a:t>trap</a:t>
+            </a:r>
+            <a:endParaRPr lang="en-US" sz="1600" dirty="0">
+              <a:latin typeface="Calibri"/>
+              <a:ea typeface="Calibri"/>
+            </a:endParaRPr>
+          </a:p>
+          <a:p>
+            <a:pPr marL="0" marR="0" indent="0">
+              <a:spcBef>
+                <a:spcPts val="0"/>
+              </a:spcBef>
+              <a:spcAft>
+                <a:spcPts val="0"/>
+              </a:spcAft>
+              <a:buNone/>
+            </a:pPr>
+            <a:r>
+              <a:rPr lang="en-US" sz="1600" dirty="0">
+                <a:latin typeface="Calibri"/>
+                <a:ea typeface="Calibri"/>
+              </a:rPr>
+              <a:t>}</a:t>
+            </a:r>
+          </a:p>
+          <a:p>
+            <a:pPr marL="0" marR="0" indent="0">
+              <a:spcBef>
+                <a:spcPts val="0"/>
+              </a:spcBef>
+              <a:spcAft>
+                <a:spcPts val="0"/>
+              </a:spcAft>
+              <a:buNone/>
+            </a:pPr>
+            <a:endParaRPr lang="en-US" sz="1600" dirty="0">
+              <a:latin typeface="Calibri"/>
+              <a:ea typeface="Calibri"/>
+            </a:endParaRPr>
+          </a:p>
+          <a:p>
+            <a:pPr marL="0" marR="0" indent="0">
+              <a:spcBef>
+                <a:spcPts val="0"/>
+              </a:spcBef>
+              <a:spcAft>
+                <a:spcPts val="0"/>
+              </a:spcAft>
+              <a:buNone/>
+            </a:pPr>
+            <a:r>
+              <a:rPr lang="en-US" sz="1600" dirty="0">
+                <a:latin typeface="Calibri"/>
+                <a:ea typeface="Calibri"/>
+              </a:rPr>
+              <a:t>#pragma vector = TIMER0_A1_VECTOR</a:t>
+            </a:r>
+          </a:p>
+          <a:p>
+            <a:pPr marL="0" marR="0" indent="0">
+              <a:spcBef>
+                <a:spcPts val="0"/>
+              </a:spcBef>
+              <a:spcAft>
+                <a:spcPts val="0"/>
+              </a:spcAft>
+              <a:buNone/>
+            </a:pPr>
+            <a:r>
+              <a:rPr lang="en-US" sz="1600" dirty="0">
+                <a:latin typeface="Calibri"/>
+                <a:ea typeface="Calibri"/>
+              </a:rPr>
+              <a:t>__interrupt void </a:t>
+            </a:r>
+            <a:r>
+              <a:rPr lang="en-US" sz="1600" dirty="0" err="1">
+                <a:latin typeface="Calibri"/>
+                <a:ea typeface="Calibri"/>
+              </a:rPr>
+              <a:t>timerOverFlow</a:t>
+            </a:r>
+            <a:r>
+              <a:rPr lang="en-US" sz="1600" dirty="0">
+                <a:latin typeface="Calibri"/>
+                <a:ea typeface="Calibri"/>
+              </a:rPr>
+              <a:t> (void){</a:t>
+            </a:r>
+          </a:p>
+          <a:p>
+            <a:pPr marL="0" marR="0" indent="0">
+              <a:spcBef>
+                <a:spcPts val="0"/>
+              </a:spcBef>
+              <a:spcAft>
+                <a:spcPts val="0"/>
+              </a:spcAft>
+              <a:buNone/>
+            </a:pPr>
+            <a:r>
+              <a:rPr lang="en-US" sz="1600" dirty="0">
+                <a:latin typeface="Calibri"/>
+                <a:ea typeface="Calibri"/>
+              </a:rPr>
+              <a:t>	P1OUT ^= BIT6;		</a:t>
+            </a:r>
+            <a:r>
+              <a:rPr lang="en-US" sz="1600" dirty="0" smtClean="0">
+                <a:solidFill>
+                  <a:srgbClr val="00B050"/>
+                </a:solidFill>
+                <a:latin typeface="Calibri"/>
+                <a:ea typeface="Calibri"/>
+              </a:rPr>
+              <a:t>// </a:t>
+            </a:r>
+            <a:r>
+              <a:rPr lang="en-US" sz="1600" dirty="0">
+                <a:solidFill>
+                  <a:srgbClr val="00B050"/>
+                </a:solidFill>
+                <a:latin typeface="Calibri"/>
+                <a:ea typeface="Calibri"/>
+              </a:rPr>
+              <a:t>XOR Toggles our green LED on/off after timer</a:t>
+            </a:r>
+          </a:p>
+          <a:p>
+            <a:pPr marL="0" marR="0" indent="0">
+              <a:spcBef>
+                <a:spcPts val="0"/>
+              </a:spcBef>
+              <a:spcAft>
+                <a:spcPts val="0"/>
+              </a:spcAft>
+              <a:buNone/>
+            </a:pPr>
+            <a:r>
+              <a:rPr lang="en-US" sz="1600" dirty="0">
+                <a:latin typeface="Calibri"/>
+                <a:ea typeface="Calibri"/>
+              </a:rPr>
+              <a:t>	TA0CTL &amp;= ~TAIFG;		</a:t>
+            </a:r>
+            <a:r>
+              <a:rPr lang="en-US" sz="1600" dirty="0" smtClean="0">
+                <a:solidFill>
+                  <a:srgbClr val="00B050"/>
+                </a:solidFill>
+                <a:latin typeface="Calibri"/>
+                <a:ea typeface="Calibri"/>
+              </a:rPr>
+              <a:t>// </a:t>
+            </a:r>
+            <a:r>
+              <a:rPr lang="en-US" sz="1600" dirty="0">
+                <a:solidFill>
+                  <a:srgbClr val="00B050"/>
+                </a:solidFill>
+                <a:latin typeface="Calibri"/>
+                <a:ea typeface="Calibri"/>
+              </a:rPr>
+              <a:t>Clears the interrupt flag to return</a:t>
+            </a:r>
+          </a:p>
+          <a:p>
+            <a:pPr marL="0" marR="0" indent="0">
+              <a:spcBef>
+                <a:spcPts val="0"/>
+              </a:spcBef>
+              <a:spcAft>
+                <a:spcPts val="0"/>
+              </a:spcAft>
+              <a:buNone/>
+            </a:pPr>
+            <a:r>
+              <a:rPr lang="en-US" sz="1600" dirty="0" smtClean="0">
+                <a:latin typeface="Calibri"/>
+                <a:ea typeface="Calibri"/>
+              </a:rPr>
+              <a:t>}</a:t>
+            </a:r>
+            <a:endParaRPr lang="en-US" sz="1600" dirty="0">
+              <a:latin typeface="Calibri"/>
+              <a:ea typeface="Calibri"/>
+            </a:endParaRPr>
+          </a:p>
+        </p:txBody>
+      </p:sp>
+    </p:spTree>
+    <p:extLst>
+      <p:ext uri="{BB962C8B-B14F-4D97-AF65-F5344CB8AC3E}">
+        <p14:creationId xmlns:p14="http://schemas.microsoft.com/office/powerpoint/2010/main" val="3000438256"/>
+      </p:ext>
+    </p:extLst>
+  </p:cSld>
+  <p:clrMapOvr>
+    <a:masterClrMapping/>
+  </p:clrMapOvr>
+  <p:timing>
+    <p:tnLst>
+      <p:par>
+        <p:cTn id="1" dur="indefinite" restart="never" nodeType="tmRoot"/>
+      </p:par>
+    </p:tnLst>
+  </p:timing>
+</p:sld>
+</file>
+
+<file path=ppt/slides/slide18.xml><?xml version="1.0" encoding="utf-8"?>
 <p:sld xmlns:a="http://schemas.openxmlformats.org/drawingml/2006/main" xmlns:r="http://schemas.openxmlformats.org/officeDocument/2006/relationships" xmlns:p="http://schemas.openxmlformats.org/presentationml/2006/main">
   <p:cSld>
     <p:spTree>
@@ -10384,923 +12397,7 @@
 </p:sld>
 </file>
 
-<file path=ppt/slides/slide17.xml><?xml version="1.0" encoding="utf-8"?>
-<p:sld xmlns:a="http://schemas.openxmlformats.org/drawingml/2006/main" xmlns:r="http://schemas.openxmlformats.org/officeDocument/2006/relationships" xmlns:p="http://schemas.openxmlformats.org/presentationml/2006/main">
-  <p:cSld>
-    <p:spTree>
-      <p:nvGrpSpPr>
-        <p:cNvPr id="1" name=""/>
-        <p:cNvGrpSpPr/>
-        <p:nvPr/>
-      </p:nvGrpSpPr>
-      <p:grpSpPr>
-        <a:xfrm>
-          <a:off x="0" y="0"/>
-          <a:ext cx="0" cy="0"/>
-          <a:chOff x="0" y="0"/>
-          <a:chExt cx="0" cy="0"/>
-        </a:xfrm>
-      </p:grpSpPr>
-      <p:sp>
-        <p:nvSpPr>
-          <p:cNvPr id="2" name="Title 1"/>
-          <p:cNvSpPr>
-            <a:spLocks noGrp="1"/>
-          </p:cNvSpPr>
-          <p:nvPr>
-            <p:ph type="title"/>
-          </p:nvPr>
-        </p:nvSpPr>
-        <p:spPr/>
-        <p:txBody>
-          <a:bodyPr/>
-          <a:lstStyle/>
-          <a:p>
-            <a:r>
-              <a:rPr lang="en-US" b="1" dirty="0" smtClean="0"/>
-              <a:t>Example Code</a:t>
-            </a:r>
-            <a:endParaRPr lang="en-US" b="1" dirty="0"/>
-          </a:p>
-        </p:txBody>
-      </p:sp>
-      <p:sp>
-        <p:nvSpPr>
-          <p:cNvPr id="5" name="Content Placeholder 2"/>
-          <p:cNvSpPr>
-            <a:spLocks noGrp="1"/>
-          </p:cNvSpPr>
-          <p:nvPr>
-            <p:ph idx="1"/>
-          </p:nvPr>
-        </p:nvSpPr>
-        <p:spPr>
-          <a:xfrm>
-            <a:off x="417786" y="1458883"/>
-            <a:ext cx="8182304" cy="4792145"/>
-          </a:xfrm>
-          <a:solidFill>
-            <a:schemeClr val="bg1"/>
-          </a:solidFill>
-          <a:ln>
-            <a:solidFill>
-              <a:schemeClr val="tx1"/>
-            </a:solidFill>
-          </a:ln>
-        </p:spPr>
-        <p:txBody>
-          <a:bodyPr/>
-          <a:lstStyle/>
-          <a:p>
-            <a:pPr marL="0" indent="0">
-              <a:buNone/>
-            </a:pPr>
-            <a:r>
-              <a:rPr lang="en-US" sz="1200" b="1" dirty="0" smtClean="0">
-                <a:latin typeface="Courier New" pitchFamily="49" charset="0"/>
-                <a:cs typeface="Courier New" pitchFamily="49" charset="0"/>
-              </a:rPr>
-              <a:t>           </a:t>
-            </a:r>
-            <a:r>
-              <a:rPr lang="en-US" sz="1200" b="1" u="sng" dirty="0" err="1" smtClean="0">
-                <a:latin typeface="Courier New" pitchFamily="49" charset="0"/>
-                <a:cs typeface="Courier New" pitchFamily="49" charset="0"/>
-              </a:rPr>
-              <a:t>Main.c</a:t>
-            </a:r>
-            <a:endParaRPr lang="en-US" sz="1200" b="1" dirty="0" smtClean="0">
-              <a:latin typeface="Courier New" pitchFamily="49" charset="0"/>
-              <a:cs typeface="Courier New" pitchFamily="49" charset="0"/>
-            </a:endParaRPr>
-          </a:p>
-          <a:p>
-            <a:pPr marL="0" marR="0" indent="0">
-              <a:spcBef>
-                <a:spcPts val="0"/>
-              </a:spcBef>
-              <a:spcAft>
-                <a:spcPts val="0"/>
-              </a:spcAft>
-              <a:buNone/>
-            </a:pPr>
-            <a:r>
-              <a:rPr lang="en-US" sz="1200" b="1" dirty="0" smtClean="0">
-                <a:solidFill>
-                  <a:srgbClr val="7F0055"/>
-                </a:solidFill>
-                <a:latin typeface="Consolas"/>
-                <a:ea typeface="Calibri"/>
-              </a:rPr>
-              <a:t>#</a:t>
-            </a:r>
-            <a:r>
-              <a:rPr lang="en-US" sz="1200" b="1" dirty="0">
-                <a:solidFill>
-                  <a:srgbClr val="7F0055"/>
-                </a:solidFill>
-                <a:latin typeface="Consolas"/>
-                <a:ea typeface="Calibri"/>
-              </a:rPr>
-              <a:t>include</a:t>
-            </a:r>
-            <a:r>
-              <a:rPr lang="en-US" sz="1200" dirty="0">
-                <a:solidFill>
-                  <a:srgbClr val="000000"/>
-                </a:solidFill>
-                <a:latin typeface="Consolas"/>
-                <a:ea typeface="Calibri"/>
-              </a:rPr>
-              <a:t> </a:t>
-            </a:r>
-            <a:r>
-              <a:rPr lang="en-US" sz="1200" dirty="0">
-                <a:solidFill>
-                  <a:srgbClr val="2A00FF"/>
-                </a:solidFill>
-                <a:latin typeface="Consolas"/>
-                <a:ea typeface="Calibri"/>
-              </a:rPr>
-              <a:t>&lt;msp430g2553.h&gt;</a:t>
-            </a:r>
-            <a:endParaRPr lang="en-US" sz="1200" dirty="0">
-              <a:latin typeface="Calibri"/>
-              <a:ea typeface="Calibri"/>
-            </a:endParaRPr>
-          </a:p>
-          <a:p>
-            <a:pPr marL="0" marR="0" indent="0">
-              <a:spcBef>
-                <a:spcPts val="0"/>
-              </a:spcBef>
-              <a:spcAft>
-                <a:spcPts val="0"/>
-              </a:spcAft>
-              <a:buNone/>
-            </a:pPr>
-            <a:r>
-              <a:rPr lang="en-US" sz="1200" dirty="0">
-                <a:latin typeface="Consolas"/>
-                <a:ea typeface="Calibri"/>
-              </a:rPr>
-              <a:t> </a:t>
-            </a:r>
-            <a:endParaRPr lang="en-US" sz="1200" dirty="0">
-              <a:latin typeface="Calibri"/>
-              <a:ea typeface="Calibri"/>
-            </a:endParaRPr>
-          </a:p>
-          <a:p>
-            <a:pPr marL="0" marR="0" indent="0">
-              <a:spcBef>
-                <a:spcPts val="0"/>
-              </a:spcBef>
-              <a:spcAft>
-                <a:spcPts val="0"/>
-              </a:spcAft>
-              <a:buNone/>
-            </a:pPr>
-            <a:r>
-              <a:rPr lang="en-US" sz="1200" b="1" dirty="0" smtClean="0">
-                <a:solidFill>
-                  <a:srgbClr val="7F0055"/>
-                </a:solidFill>
-                <a:latin typeface="Consolas"/>
-                <a:ea typeface="Calibri"/>
-              </a:rPr>
-              <a:t>void</a:t>
-            </a:r>
-            <a:r>
-              <a:rPr lang="en-US" sz="1200" dirty="0" smtClean="0">
-                <a:solidFill>
-                  <a:srgbClr val="000000"/>
-                </a:solidFill>
-                <a:latin typeface="Consolas"/>
-                <a:ea typeface="Calibri"/>
-              </a:rPr>
-              <a:t> </a:t>
-            </a:r>
-            <a:r>
-              <a:rPr lang="en-US" sz="1200" b="1" dirty="0" smtClean="0">
-                <a:solidFill>
-                  <a:srgbClr val="000000"/>
-                </a:solidFill>
-                <a:latin typeface="Consolas"/>
-                <a:ea typeface="Calibri"/>
-              </a:rPr>
-              <a:t>main</a:t>
-            </a:r>
-            <a:r>
-              <a:rPr lang="en-US" sz="1200" dirty="0" smtClean="0">
-                <a:solidFill>
-                  <a:srgbClr val="000000"/>
-                </a:solidFill>
-                <a:latin typeface="Consolas"/>
-                <a:ea typeface="Calibri"/>
-              </a:rPr>
-              <a:t>(</a:t>
-            </a:r>
-            <a:r>
-              <a:rPr lang="en-US" sz="1200" b="1" dirty="0" smtClean="0">
-                <a:solidFill>
-                  <a:srgbClr val="7F0055"/>
-                </a:solidFill>
-                <a:latin typeface="Consolas"/>
-                <a:ea typeface="Calibri"/>
-              </a:rPr>
-              <a:t>void</a:t>
-            </a:r>
-            <a:r>
-              <a:rPr lang="en-US" sz="1200" dirty="0" smtClean="0">
-                <a:solidFill>
-                  <a:srgbClr val="000000"/>
-                </a:solidFill>
-                <a:latin typeface="Consolas"/>
-                <a:ea typeface="Calibri"/>
-              </a:rPr>
-              <a:t>) {</a:t>
-            </a:r>
-            <a:endParaRPr lang="en-US" sz="1200" dirty="0" smtClean="0">
-              <a:latin typeface="Calibri"/>
-              <a:ea typeface="Calibri"/>
-            </a:endParaRPr>
-          </a:p>
-          <a:p>
-            <a:pPr marL="0" indent="0">
-              <a:buNone/>
-            </a:pPr>
-            <a:r>
-              <a:rPr lang="en-US" sz="1200" dirty="0">
-                <a:solidFill>
-                  <a:srgbClr val="000000"/>
-                </a:solidFill>
-                <a:latin typeface="Consolas"/>
-              </a:rPr>
-              <a:t> </a:t>
-            </a:r>
-            <a:r>
-              <a:rPr lang="en-US" sz="1200" dirty="0" smtClean="0">
-                <a:solidFill>
-                  <a:srgbClr val="000000"/>
-                </a:solidFill>
-                <a:latin typeface="Consolas"/>
-              </a:rPr>
-              <a:t>   WDTCTL </a:t>
-            </a:r>
-            <a:r>
-              <a:rPr lang="en-US" sz="1200" dirty="0">
-                <a:solidFill>
-                  <a:srgbClr val="000000"/>
-                </a:solidFill>
-                <a:latin typeface="Consolas"/>
-              </a:rPr>
-              <a:t>= WDTPW | WDTHOLD</a:t>
-            </a:r>
-            <a:r>
-              <a:rPr lang="en-US" sz="1200" dirty="0" smtClean="0">
-                <a:solidFill>
-                  <a:srgbClr val="000000"/>
-                </a:solidFill>
-                <a:latin typeface="Consolas"/>
-              </a:rPr>
-              <a:t>;   </a:t>
-            </a:r>
-            <a:r>
-              <a:rPr lang="en-US" sz="1200" dirty="0" smtClean="0">
-                <a:solidFill>
-                  <a:srgbClr val="3F7F5F"/>
-                </a:solidFill>
-                <a:latin typeface="Consolas"/>
-              </a:rPr>
-              <a:t>// </a:t>
-            </a:r>
-            <a:r>
-              <a:rPr lang="en-US" sz="1200" dirty="0">
-                <a:solidFill>
-                  <a:srgbClr val="3F7F5F"/>
-                </a:solidFill>
-                <a:latin typeface="Consolas"/>
-              </a:rPr>
-              <a:t>Stop watchdog </a:t>
-            </a:r>
-            <a:r>
-              <a:rPr lang="en-US" sz="1200" dirty="0" smtClean="0">
-                <a:solidFill>
-                  <a:srgbClr val="3F7F5F"/>
-                </a:solidFill>
-                <a:latin typeface="Consolas"/>
-              </a:rPr>
-              <a:t>timer</a:t>
-            </a:r>
-          </a:p>
-          <a:p>
-            <a:pPr marL="0" indent="0">
-              <a:buNone/>
-            </a:pPr>
-            <a:endParaRPr lang="en-US" sz="1200" dirty="0">
-              <a:solidFill>
-                <a:srgbClr val="3F7F5F"/>
-              </a:solidFill>
-              <a:latin typeface="Consolas"/>
-            </a:endParaRPr>
-          </a:p>
-          <a:p>
-            <a:pPr marL="0" indent="0">
-              <a:buNone/>
-            </a:pPr>
-            <a:r>
-              <a:rPr lang="en-US" sz="1200" dirty="0">
-                <a:solidFill>
-                  <a:srgbClr val="000000"/>
-                </a:solidFill>
-                <a:latin typeface="Consolas"/>
-              </a:rPr>
-              <a:t>    BCSCTL1 = CALBC1_8MHZ;      </a:t>
-            </a:r>
-            <a:r>
-              <a:rPr lang="en-US" sz="1200" dirty="0">
-                <a:solidFill>
-                  <a:srgbClr val="3F7F5F"/>
-                </a:solidFill>
-                <a:latin typeface="Consolas"/>
-              </a:rPr>
-              <a:t>// Set SMCLK 8 MHz</a:t>
-            </a:r>
-          </a:p>
-          <a:p>
-            <a:pPr marL="0" indent="0">
-              <a:buNone/>
-            </a:pPr>
-            <a:r>
-              <a:rPr lang="en-US" sz="1200" dirty="0">
-                <a:solidFill>
-                  <a:srgbClr val="000000"/>
-                </a:solidFill>
-                <a:latin typeface="Consolas"/>
-              </a:rPr>
-              <a:t>    DCOCTL = CALDCO_8MHZ;</a:t>
-            </a:r>
-          </a:p>
-          <a:p>
-            <a:pPr marL="0" indent="0">
-              <a:buNone/>
-            </a:pPr>
-            <a:endParaRPr lang="en-US" sz="1200" dirty="0">
-              <a:latin typeface="Consolas"/>
-            </a:endParaRPr>
-          </a:p>
-          <a:p>
-            <a:pPr marL="0" indent="0">
-              <a:buNone/>
-            </a:pPr>
-            <a:r>
-              <a:rPr lang="en-US" sz="1200" dirty="0">
-                <a:solidFill>
-                  <a:srgbClr val="000000"/>
-                </a:solidFill>
-                <a:latin typeface="Consolas"/>
-              </a:rPr>
-              <a:t>    </a:t>
-            </a:r>
-            <a:r>
-              <a:rPr lang="en-US" sz="1200" dirty="0">
-                <a:solidFill>
-                  <a:srgbClr val="000000"/>
-                </a:solidFill>
-                <a:highlight>
-                  <a:srgbClr val="F0D8A8"/>
-                </a:highlight>
-                <a:latin typeface="Consolas"/>
-              </a:rPr>
-              <a:t>P1DIR = BIT6</a:t>
-            </a:r>
-            <a:r>
-              <a:rPr lang="en-US" sz="1200" dirty="0" smtClean="0">
-                <a:solidFill>
-                  <a:srgbClr val="000000"/>
-                </a:solidFill>
-                <a:highlight>
-                  <a:srgbClr val="F0D8A8"/>
-                </a:highlight>
-                <a:latin typeface="Consolas"/>
-              </a:rPr>
-              <a:t>;               </a:t>
-            </a:r>
-            <a:r>
-              <a:rPr lang="en-US" sz="1200" dirty="0" smtClean="0">
-                <a:solidFill>
-                  <a:srgbClr val="3F7F5F"/>
-                </a:solidFill>
-                <a:highlight>
-                  <a:srgbClr val="F0D8A8"/>
-                </a:highlight>
-                <a:latin typeface="Consolas"/>
-              </a:rPr>
-              <a:t>// </a:t>
-            </a:r>
-            <a:r>
-              <a:rPr lang="en-US" sz="1200" dirty="0">
-                <a:solidFill>
-                  <a:srgbClr val="3F7F5F"/>
-                </a:solidFill>
-                <a:highlight>
-                  <a:srgbClr val="F0D8A8"/>
-                </a:highlight>
-                <a:latin typeface="Consolas"/>
-              </a:rPr>
-              <a:t>Set the green LED as an output</a:t>
-            </a:r>
-          </a:p>
-          <a:p>
-            <a:pPr marL="0" indent="0">
-              <a:buNone/>
-            </a:pPr>
-            <a:r>
-              <a:rPr lang="en-US" sz="1200" dirty="0">
-                <a:solidFill>
-                  <a:srgbClr val="000000"/>
-                </a:solidFill>
-                <a:latin typeface="Consolas"/>
-              </a:rPr>
-              <a:t> </a:t>
-            </a:r>
-            <a:r>
-              <a:rPr lang="en-US" sz="1200" dirty="0" smtClean="0">
-                <a:solidFill>
-                  <a:srgbClr val="000000"/>
-                </a:solidFill>
-                <a:latin typeface="Consolas"/>
-              </a:rPr>
-              <a:t>   </a:t>
-            </a:r>
-          </a:p>
-          <a:p>
-            <a:pPr marL="0" indent="0">
-              <a:buNone/>
-            </a:pPr>
-            <a:r>
-              <a:rPr lang="en-US" sz="1200" dirty="0">
-                <a:solidFill>
-                  <a:srgbClr val="000000"/>
-                </a:solidFill>
-                <a:latin typeface="Consolas"/>
-              </a:rPr>
-              <a:t> </a:t>
-            </a:r>
-            <a:r>
-              <a:rPr lang="en-US" sz="1200" dirty="0" smtClean="0">
-                <a:solidFill>
-                  <a:srgbClr val="000000"/>
-                </a:solidFill>
-                <a:latin typeface="Consolas"/>
-              </a:rPr>
-              <a:t>   TA0CCR0 </a:t>
-            </a:r>
-            <a:r>
-              <a:rPr lang="en-US" sz="1200" dirty="0">
-                <a:solidFill>
-                  <a:srgbClr val="000000"/>
-                </a:solidFill>
-                <a:latin typeface="Consolas"/>
-              </a:rPr>
-              <a:t>= 256 - 1;                    </a:t>
-            </a:r>
-            <a:r>
-              <a:rPr lang="en-US" sz="1200" dirty="0">
-                <a:solidFill>
-                  <a:srgbClr val="3F7F5F"/>
-                </a:solidFill>
-                <a:latin typeface="Consolas"/>
-              </a:rPr>
-              <a:t>// Set the interval</a:t>
-            </a:r>
-          </a:p>
-          <a:p>
-            <a:pPr marL="0" indent="0">
-              <a:buNone/>
-            </a:pPr>
-            <a:r>
-              <a:rPr lang="en-US" sz="1200" dirty="0">
-                <a:solidFill>
-                  <a:srgbClr val="000000"/>
-                </a:solidFill>
-                <a:latin typeface="Consolas"/>
-              </a:rPr>
-              <a:t>    </a:t>
-            </a:r>
-            <a:r>
-              <a:rPr lang="en-US" sz="1200" dirty="0" smtClean="0">
-                <a:solidFill>
-                  <a:srgbClr val="000000"/>
-                </a:solidFill>
-                <a:latin typeface="Consolas"/>
-              </a:rPr>
-              <a:t>TA0CTL </a:t>
-            </a:r>
-            <a:r>
-              <a:rPr lang="en-US" sz="1200" dirty="0">
-                <a:solidFill>
-                  <a:srgbClr val="000000"/>
-                </a:solidFill>
-                <a:latin typeface="Consolas"/>
-              </a:rPr>
-              <a:t>&amp;= ~TAIFG;                     </a:t>
-            </a:r>
-            <a:r>
-              <a:rPr lang="en-US" sz="1200" dirty="0">
-                <a:solidFill>
-                  <a:srgbClr val="3F7F5F"/>
-                </a:solidFill>
-                <a:latin typeface="Consolas"/>
-              </a:rPr>
-              <a:t>// Clear any rollover flag</a:t>
-            </a:r>
-            <a:endParaRPr lang="en-US" sz="1200" dirty="0">
-              <a:latin typeface="Consolas"/>
-            </a:endParaRPr>
-          </a:p>
-          <a:p>
-            <a:pPr marL="0" indent="0">
-              <a:buNone/>
-            </a:pPr>
-            <a:r>
-              <a:rPr lang="en-US" sz="1200" dirty="0">
-                <a:solidFill>
-                  <a:srgbClr val="000000"/>
-                </a:solidFill>
-                <a:latin typeface="Consolas"/>
-              </a:rPr>
-              <a:t>    </a:t>
-            </a:r>
-            <a:r>
-              <a:rPr lang="en-US" sz="1200" dirty="0" smtClean="0">
-                <a:solidFill>
-                  <a:srgbClr val="000000"/>
-                </a:solidFill>
-                <a:latin typeface="Consolas"/>
-              </a:rPr>
-              <a:t>TA0CTL </a:t>
-            </a:r>
-            <a:r>
-              <a:rPr lang="en-US" sz="1200" dirty="0">
-                <a:solidFill>
-                  <a:srgbClr val="000000"/>
-                </a:solidFill>
-                <a:latin typeface="Consolas"/>
-              </a:rPr>
-              <a:t>|= ID_0 | TASSEL_2 | MC_1</a:t>
-            </a:r>
-            <a:r>
-              <a:rPr lang="en-US" sz="1200" dirty="0" smtClean="0">
-                <a:solidFill>
-                  <a:srgbClr val="000000"/>
-                </a:solidFill>
-                <a:latin typeface="Consolas"/>
-              </a:rPr>
-              <a:t>;     </a:t>
-            </a:r>
-            <a:r>
-              <a:rPr lang="en-US" sz="1200" dirty="0" smtClean="0">
-                <a:solidFill>
-                  <a:srgbClr val="3F7F5F"/>
-                </a:solidFill>
-                <a:latin typeface="Consolas"/>
-              </a:rPr>
-              <a:t>// </a:t>
-            </a:r>
-            <a:r>
-              <a:rPr lang="en-US" sz="1200" dirty="0">
-                <a:solidFill>
-                  <a:srgbClr val="3F7F5F"/>
-                </a:solidFill>
-                <a:latin typeface="Consolas"/>
-              </a:rPr>
-              <a:t>Important Timer </a:t>
-            </a:r>
-            <a:r>
-              <a:rPr lang="en-US" sz="1200" dirty="0" smtClean="0">
-                <a:solidFill>
-                  <a:srgbClr val="3F7F5F"/>
-                </a:solidFill>
-                <a:latin typeface="Consolas"/>
-              </a:rPr>
-              <a:t>stuff!</a:t>
-            </a:r>
-          </a:p>
-          <a:p>
-            <a:pPr marL="0" indent="0">
-              <a:buNone/>
-            </a:pPr>
-            <a:endParaRPr lang="en-US" sz="1200" b="1" dirty="0">
-              <a:solidFill>
-                <a:srgbClr val="3F7F5F"/>
-              </a:solidFill>
-              <a:latin typeface="Consolas"/>
-            </a:endParaRPr>
-          </a:p>
-          <a:p>
-            <a:pPr marL="0" indent="0">
-              <a:buNone/>
-            </a:pPr>
-            <a:r>
-              <a:rPr lang="en-US" sz="1200" b="1" dirty="0" smtClean="0">
-                <a:solidFill>
-                  <a:srgbClr val="7F0055"/>
-                </a:solidFill>
-                <a:latin typeface="Consolas"/>
-              </a:rPr>
-              <a:t>while</a:t>
-            </a:r>
-            <a:r>
-              <a:rPr lang="en-US" sz="1200" b="1" dirty="0" smtClean="0">
-                <a:solidFill>
-                  <a:srgbClr val="000000"/>
-                </a:solidFill>
-                <a:latin typeface="Consolas"/>
-              </a:rPr>
-              <a:t>(1</a:t>
-            </a:r>
-            <a:r>
-              <a:rPr lang="en-US" sz="1200" b="1" dirty="0">
-                <a:solidFill>
-                  <a:srgbClr val="000000"/>
-                </a:solidFill>
-                <a:latin typeface="Consolas"/>
-              </a:rPr>
-              <a:t>) {</a:t>
-            </a:r>
-          </a:p>
-          <a:p>
-            <a:pPr marL="0" indent="0">
-              <a:buNone/>
-            </a:pPr>
-            <a:r>
-              <a:rPr lang="en-US" sz="1200" dirty="0">
-                <a:solidFill>
-                  <a:srgbClr val="000000"/>
-                </a:solidFill>
-                <a:latin typeface="Consolas"/>
-              </a:rPr>
-              <a:t>    </a:t>
-            </a:r>
-            <a:r>
-              <a:rPr lang="en-US" sz="1200" b="1" dirty="0">
-                <a:solidFill>
-                  <a:srgbClr val="7F0055"/>
-                </a:solidFill>
-                <a:latin typeface="Consolas"/>
-              </a:rPr>
-              <a:t>while</a:t>
-            </a:r>
-            <a:r>
-              <a:rPr lang="en-US" sz="1200" b="1" dirty="0">
-                <a:solidFill>
-                  <a:srgbClr val="000000"/>
-                </a:solidFill>
-                <a:latin typeface="Consolas"/>
-              </a:rPr>
-              <a:t> ((</a:t>
-            </a:r>
-            <a:r>
-              <a:rPr lang="en-US" sz="1200" b="1" dirty="0" smtClean="0">
-                <a:solidFill>
-                  <a:srgbClr val="000000"/>
-                </a:solidFill>
-                <a:latin typeface="Consolas"/>
-              </a:rPr>
-              <a:t>TA0CTL </a:t>
-            </a:r>
-            <a:r>
-              <a:rPr lang="en-US" sz="1200" b="1" dirty="0">
-                <a:solidFill>
-                  <a:srgbClr val="000000"/>
-                </a:solidFill>
-                <a:latin typeface="Consolas"/>
-              </a:rPr>
-              <a:t>&amp; TAIFG) == 0</a:t>
-            </a:r>
-            <a:r>
-              <a:rPr lang="en-US" sz="1200" b="1" dirty="0" smtClean="0">
-                <a:solidFill>
-                  <a:srgbClr val="000000"/>
-                </a:solidFill>
-                <a:latin typeface="Consolas"/>
-              </a:rPr>
-              <a:t>); </a:t>
-            </a:r>
-            <a:r>
-              <a:rPr lang="en-US" sz="1200" dirty="0">
-                <a:solidFill>
-                  <a:srgbClr val="3F7F5F"/>
-                </a:solidFill>
-                <a:latin typeface="Consolas"/>
-              </a:rPr>
-              <a:t>// </a:t>
-            </a:r>
-            <a:r>
-              <a:rPr lang="en-US" sz="1200" dirty="0" smtClean="0">
-                <a:solidFill>
-                  <a:srgbClr val="3F7F5F"/>
-                </a:solidFill>
-                <a:latin typeface="Consolas"/>
-              </a:rPr>
-              <a:t>Polling timer flag? </a:t>
-            </a:r>
-            <a:endParaRPr lang="en-US" sz="1200" b="1" dirty="0">
-              <a:solidFill>
-                <a:srgbClr val="FF0000"/>
-              </a:solidFill>
-              <a:latin typeface="Consolas"/>
-            </a:endParaRPr>
-          </a:p>
-          <a:p>
-            <a:pPr marL="0" indent="0">
-              <a:buNone/>
-            </a:pPr>
-            <a:r>
-              <a:rPr lang="en-US" sz="1200" dirty="0">
-                <a:solidFill>
-                  <a:srgbClr val="000000"/>
-                </a:solidFill>
-                <a:latin typeface="Consolas"/>
-              </a:rPr>
-              <a:t>    </a:t>
-            </a:r>
-            <a:r>
-              <a:rPr lang="en-US" sz="1200" dirty="0" smtClean="0">
-                <a:solidFill>
-                  <a:srgbClr val="000000"/>
-                </a:solidFill>
-                <a:latin typeface="Consolas"/>
-              </a:rPr>
-              <a:t>TA0CTL </a:t>
-            </a:r>
-            <a:r>
-              <a:rPr lang="en-US" sz="1200" dirty="0">
-                <a:solidFill>
-                  <a:srgbClr val="000000"/>
-                </a:solidFill>
-                <a:latin typeface="Consolas"/>
-              </a:rPr>
-              <a:t>&amp;= ~TAIFG</a:t>
-            </a:r>
-            <a:r>
-              <a:rPr lang="en-US" sz="1200" dirty="0" smtClean="0">
-                <a:solidFill>
-                  <a:srgbClr val="000000"/>
-                </a:solidFill>
-                <a:latin typeface="Consolas"/>
-              </a:rPr>
-              <a:t>;              </a:t>
-            </a:r>
-            <a:r>
-              <a:rPr lang="en-US" sz="1200" dirty="0" smtClean="0">
-                <a:solidFill>
-                  <a:srgbClr val="3F7F5F"/>
-                </a:solidFill>
-                <a:latin typeface="Consolas"/>
-              </a:rPr>
-              <a:t>// </a:t>
-            </a:r>
-            <a:r>
-              <a:rPr lang="en-US" sz="1200" dirty="0">
-                <a:solidFill>
-                  <a:srgbClr val="3F7F5F"/>
-                </a:solidFill>
-                <a:latin typeface="Consolas"/>
-              </a:rPr>
-              <a:t>Clear </a:t>
-            </a:r>
-            <a:r>
-              <a:rPr lang="en-US" sz="1200" dirty="0" smtClean="0">
-                <a:solidFill>
-                  <a:srgbClr val="3F7F5F"/>
-                </a:solidFill>
-                <a:latin typeface="Consolas"/>
-              </a:rPr>
-              <a:t>rollover flag</a:t>
-            </a:r>
-            <a:endParaRPr lang="en-US" sz="1200" dirty="0">
-              <a:solidFill>
-                <a:srgbClr val="000000"/>
-              </a:solidFill>
-              <a:latin typeface="Consolas"/>
-            </a:endParaRPr>
-          </a:p>
-          <a:p>
-            <a:pPr marL="0" indent="0">
-              <a:buNone/>
-            </a:pPr>
-            <a:r>
-              <a:rPr lang="en-US" sz="1200" dirty="0">
-                <a:solidFill>
-                  <a:srgbClr val="000000"/>
-                </a:solidFill>
-                <a:latin typeface="Consolas"/>
-              </a:rPr>
-              <a:t>    P1OUT ^= BIT6</a:t>
-            </a:r>
-            <a:r>
-              <a:rPr lang="en-US" sz="1200" dirty="0" smtClean="0">
-                <a:solidFill>
-                  <a:srgbClr val="000000"/>
-                </a:solidFill>
-                <a:latin typeface="Consolas"/>
-              </a:rPr>
-              <a:t>;                </a:t>
-            </a:r>
-            <a:r>
-              <a:rPr lang="en-US" sz="1200" dirty="0" smtClean="0">
-                <a:solidFill>
-                  <a:srgbClr val="3F7F5F"/>
-                </a:solidFill>
-                <a:latin typeface="Consolas"/>
-              </a:rPr>
-              <a:t>// toggle LED</a:t>
-            </a:r>
-            <a:endParaRPr lang="en-US" sz="1200" dirty="0">
-              <a:solidFill>
-                <a:srgbClr val="000000"/>
-              </a:solidFill>
-              <a:latin typeface="Consolas"/>
-            </a:endParaRPr>
-          </a:p>
-          <a:p>
-            <a:pPr marL="0" indent="0">
-              <a:buNone/>
-            </a:pPr>
-            <a:r>
-              <a:rPr lang="en-US" sz="1200" dirty="0">
-                <a:solidFill>
-                  <a:srgbClr val="000000"/>
-                </a:solidFill>
-                <a:latin typeface="Consolas"/>
-              </a:rPr>
-              <a:t>    } </a:t>
-            </a:r>
-            <a:r>
-              <a:rPr lang="en-US" sz="1200" dirty="0">
-                <a:solidFill>
-                  <a:srgbClr val="3F7F5F"/>
-                </a:solidFill>
-                <a:latin typeface="Consolas"/>
-              </a:rPr>
-              <a:t>// end infinite </a:t>
-            </a:r>
-            <a:r>
-              <a:rPr lang="en-US" sz="1200" dirty="0" smtClean="0">
-                <a:solidFill>
-                  <a:srgbClr val="3F7F5F"/>
-                </a:solidFill>
-                <a:latin typeface="Consolas"/>
-              </a:rPr>
-              <a:t>loop</a:t>
-            </a:r>
-          </a:p>
-          <a:p>
-            <a:pPr marL="0" indent="0">
-              <a:buNone/>
-            </a:pPr>
-            <a:r>
-              <a:rPr lang="en-US" sz="1200" dirty="0" smtClean="0">
-                <a:solidFill>
-                  <a:srgbClr val="000000"/>
-                </a:solidFill>
-                <a:latin typeface="Consolas"/>
-                <a:ea typeface="Calibri"/>
-              </a:rPr>
-              <a:t>}</a:t>
-            </a:r>
-            <a:endParaRPr lang="en-US" sz="1200" dirty="0">
-              <a:effectLst/>
-              <a:latin typeface="Calibri"/>
-              <a:ea typeface="Calibri"/>
-            </a:endParaRPr>
-          </a:p>
-        </p:txBody>
-      </p:sp>
-    </p:spTree>
-    <p:extLst>
-      <p:ext uri="{BB962C8B-B14F-4D97-AF65-F5344CB8AC3E}">
-        <p14:creationId xmlns:p14="http://schemas.microsoft.com/office/powerpoint/2010/main" val="3526928930"/>
-      </p:ext>
-    </p:extLst>
-  </p:cSld>
-  <p:clrMapOvr>
-    <a:masterClrMapping/>
-  </p:clrMapOvr>
-  <p:timing>
-    <p:tnLst>
-      <p:par>
-        <p:cTn id="1" dur="indefinite" restart="never" nodeType="tmRoot"/>
-      </p:par>
-    </p:tnLst>
-  </p:timing>
-</p:sld>
-</file>
-
-<file path=ppt/slides/slide18.xml><?xml version="1.0" encoding="utf-8"?>
+<file path=ppt/slides/slide19.xml><?xml version="1.0" encoding="utf-8"?>
 <p:sld xmlns:a="http://schemas.openxmlformats.org/drawingml/2006/main" xmlns:r="http://schemas.openxmlformats.org/officeDocument/2006/relationships" xmlns:p="http://schemas.openxmlformats.org/presentationml/2006/main">
   <p:cSld>
     <p:spTree>
@@ -11825,7 +12922,284 @@
 </p:sld>
 </file>
 
-<file path=ppt/slides/slide19.xml><?xml version="1.0" encoding="utf-8"?>
+<file path=ppt/slides/slide2.xml><?xml version="1.0" encoding="utf-8"?>
+<p:sld xmlns:a="http://schemas.openxmlformats.org/drawingml/2006/main" xmlns:r="http://schemas.openxmlformats.org/officeDocument/2006/relationships" xmlns:p="http://schemas.openxmlformats.org/presentationml/2006/main">
+  <p:cSld>
+    <p:spTree>
+      <p:nvGrpSpPr>
+        <p:cNvPr id="1" name=""/>
+        <p:cNvGrpSpPr/>
+        <p:nvPr/>
+      </p:nvGrpSpPr>
+      <p:grpSpPr>
+        <a:xfrm>
+          <a:off x="0" y="0"/>
+          <a:ext cx="0" cy="0"/>
+          <a:chOff x="0" y="0"/>
+          <a:chExt cx="0" cy="0"/>
+        </a:xfrm>
+      </p:grpSpPr>
+      <p:sp>
+        <p:nvSpPr>
+          <p:cNvPr id="2" name="Title 1"/>
+          <p:cNvSpPr>
+            <a:spLocks noGrp="1"/>
+          </p:cNvSpPr>
+          <p:nvPr>
+            <p:ph type="title"/>
+          </p:nvPr>
+        </p:nvSpPr>
+        <p:spPr/>
+        <p:txBody>
+          <a:bodyPr/>
+          <a:lstStyle/>
+          <a:p>
+            <a:r>
+              <a:rPr lang="en-US" dirty="0" smtClean="0"/>
+              <a:t>Overview</a:t>
+            </a:r>
+            <a:endParaRPr lang="en-US" dirty="0"/>
+          </a:p>
+        </p:txBody>
+      </p:sp>
+      <p:sp>
+        <p:nvSpPr>
+          <p:cNvPr id="3" name="Subtitle 2"/>
+          <p:cNvSpPr>
+            <a:spLocks noGrp="1"/>
+          </p:cNvSpPr>
+          <p:nvPr>
+            <p:ph idx="1"/>
+          </p:nvPr>
+        </p:nvSpPr>
+        <p:spPr/>
+        <p:txBody>
+          <a:bodyPr/>
+          <a:lstStyle/>
+          <a:p>
+            <a:pPr algn="l"/>
+            <a:r>
+              <a:rPr lang="en-US" sz="2800" b="1" dirty="0" smtClean="0"/>
+              <a:t>Lesson Outline</a:t>
+            </a:r>
+            <a:endParaRPr lang="en-US" sz="2800" b="1" dirty="0" smtClean="0">
+              <a:solidFill>
+                <a:srgbClr val="0070C0"/>
+              </a:solidFill>
+            </a:endParaRPr>
+          </a:p>
+          <a:p>
+            <a:pPr lvl="1"/>
+            <a:r>
+              <a:rPr lang="en-US" dirty="0" smtClean="0"/>
+              <a:t>Timers</a:t>
+            </a:r>
+          </a:p>
+          <a:p>
+            <a:pPr lvl="2"/>
+            <a:r>
+              <a:rPr lang="en-US" sz="1800" dirty="0" err="1" smtClean="0"/>
+              <a:t>Timer_A</a:t>
+            </a:r>
+            <a:r>
+              <a:rPr lang="en-US" sz="1800" dirty="0" smtClean="0"/>
+              <a:t> and </a:t>
+            </a:r>
+            <a:r>
+              <a:rPr lang="en-US" sz="1800" dirty="0" err="1" smtClean="0"/>
+              <a:t>Timer_B</a:t>
+            </a:r>
+            <a:r>
+              <a:rPr lang="en-US" sz="1800" dirty="0" smtClean="0"/>
+              <a:t> are input/output ports that can be used to capture external signal events and generate signals for external devices</a:t>
+            </a:r>
+          </a:p>
+        </p:txBody>
+      </p:sp>
+      <p:pic>
+        <p:nvPicPr>
+          <p:cNvPr id="4" name="Picture 2" descr="Image result for pwm signal motor controller"/>
+          <p:cNvPicPr>
+            <a:picLocks noChangeAspect="1" noChangeArrowheads="1"/>
+          </p:cNvPicPr>
+          <p:nvPr/>
+        </p:nvPicPr>
+        <p:blipFill rotWithShape="1">
+          <a:blip r:embed="rId2">
+            <a:extLst>
+              <a:ext uri="{28A0092B-C50C-407E-A947-70E740481C1C}">
+                <a14:useLocalDpi xmlns:a14="http://schemas.microsoft.com/office/drawing/2010/main" val="0"/>
+              </a:ext>
+            </a:extLst>
+          </a:blip>
+          <a:srcRect t="9371" b="20956"/>
+          <a:stretch/>
+        </p:blipFill>
+        <p:spPr bwMode="auto">
+          <a:xfrm>
+            <a:off x="2458172" y="3294993"/>
+            <a:ext cx="6076950" cy="3105807"/>
+          </a:xfrm>
+          <a:prstGeom prst="rect">
+            <a:avLst/>
+          </a:prstGeom>
+          <a:noFill/>
+          <a:extLst>
+            <a:ext uri="{909E8E84-426E-40DD-AFC4-6F175D3DCCD1}">
+              <a14:hiddenFill xmlns:a14="http://schemas.microsoft.com/office/drawing/2010/main">
+                <a:solidFill>
+                  <a:srgbClr val="FFFFFF"/>
+                </a:solidFill>
+              </a14:hiddenFill>
+            </a:ext>
+          </a:extLst>
+        </p:spPr>
+      </p:pic>
+      <p:sp>
+        <p:nvSpPr>
+          <p:cNvPr id="5" name="TextBox 4"/>
+          <p:cNvSpPr txBox="1"/>
+          <p:nvPr/>
+        </p:nvSpPr>
+        <p:spPr>
+          <a:xfrm>
+            <a:off x="4477393" y="3112113"/>
+            <a:ext cx="1510350" cy="461665"/>
+          </a:xfrm>
+          <a:prstGeom prst="rect">
+            <a:avLst/>
+          </a:prstGeom>
+          <a:noFill/>
+        </p:spPr>
+        <p:txBody>
+          <a:bodyPr wrap="none" rtlCol="0">
+            <a:spAutoFit/>
+          </a:bodyPr>
+          <a:lstStyle/>
+          <a:p>
+            <a:r>
+              <a:rPr lang="en-US" dirty="0" smtClean="0"/>
+              <a:t>RC Servos</a:t>
+            </a:r>
+            <a:endParaRPr lang="en-US" dirty="0"/>
+          </a:p>
+        </p:txBody>
+      </p:sp>
+      <p:sp>
+        <p:nvSpPr>
+          <p:cNvPr id="6" name="Left Brace 5"/>
+          <p:cNvSpPr/>
+          <p:nvPr/>
+        </p:nvSpPr>
+        <p:spPr bwMode="auto">
+          <a:xfrm>
+            <a:off x="1767134" y="3765698"/>
+            <a:ext cx="599090" cy="2349062"/>
+          </a:xfrm>
+          <a:prstGeom prst="leftBrace">
+            <a:avLst/>
+          </a:prstGeom>
+          <a:noFill/>
+          <a:ln w="12700" cap="flat" cmpd="sng" algn="ctr">
+            <a:solidFill>
+              <a:schemeClr val="tx1"/>
+            </a:solidFill>
+            <a:prstDash val="solid"/>
+            <a:round/>
+            <a:headEnd type="none" w="med" len="med"/>
+            <a:tailEnd type="none" w="med" len="med"/>
+          </a:ln>
+          <a:effectLst/>
+        </p:spPr>
+        <p:txBody>
+          <a:bodyPr vert="horz" wrap="square" lIns="91440" tIns="45720" rIns="91440" bIns="45720" numCol="1" rtlCol="0" anchor="t" anchorCtr="0" compatLnSpc="1">
+            <a:prstTxWarp prst="textNoShape">
+              <a:avLst/>
+            </a:prstTxWarp>
+          </a:bodyPr>
+          <a:lstStyle/>
+          <a:p>
+            <a:pPr marL="0" marR="0" indent="0" algn="ctr" defTabSz="914400" rtl="0" eaLnBrk="0" fontAlgn="base" latinLnBrk="0" hangingPunct="0">
+              <a:lnSpc>
+                <a:spcPct val="100000"/>
+              </a:lnSpc>
+              <a:spcBef>
+                <a:spcPct val="0"/>
+              </a:spcBef>
+              <a:spcAft>
+                <a:spcPct val="0"/>
+              </a:spcAft>
+              <a:buClrTx/>
+              <a:buSzTx/>
+              <a:buFontTx/>
+              <a:buNone/>
+              <a:tabLst/>
+            </a:pPr>
+            <a:endParaRPr kumimoji="0" lang="en-US" sz="1600" b="0" i="0" u="none" strike="noStrike" cap="none" normalizeH="0" baseline="0" smtClean="0">
+              <a:ln>
+                <a:noFill/>
+              </a:ln>
+              <a:solidFill>
+                <a:schemeClr val="tx1"/>
+              </a:solidFill>
+              <a:effectLst/>
+              <a:latin typeface="Arial" charset="0"/>
+            </a:endParaRPr>
+          </a:p>
+        </p:txBody>
+      </p:sp>
+      <p:sp>
+        <p:nvSpPr>
+          <p:cNvPr id="7" name="TextBox 6"/>
+          <p:cNvSpPr txBox="1"/>
+          <p:nvPr/>
+        </p:nvSpPr>
+        <p:spPr>
+          <a:xfrm>
+            <a:off x="103035" y="4478564"/>
+            <a:ext cx="1725765" cy="923330"/>
+          </a:xfrm>
+          <a:prstGeom prst="rect">
+            <a:avLst/>
+          </a:prstGeom>
+          <a:noFill/>
+        </p:spPr>
+        <p:txBody>
+          <a:bodyPr wrap="square" rtlCol="0">
+            <a:spAutoFit/>
+          </a:bodyPr>
+          <a:lstStyle/>
+          <a:p>
+            <a:r>
+              <a:rPr lang="en-US" sz="1800" dirty="0" smtClean="0"/>
+              <a:t>Using the timer, we can generate this signal easily</a:t>
+            </a:r>
+            <a:endParaRPr lang="en-US" sz="1800" dirty="0"/>
+          </a:p>
+        </p:txBody>
+      </p:sp>
+    </p:spTree>
+    <p:extLst>
+      <p:ext uri="{BB962C8B-B14F-4D97-AF65-F5344CB8AC3E}">
+        <p14:creationId xmlns:p14="http://schemas.microsoft.com/office/powerpoint/2010/main" val="4001633631"/>
+      </p:ext>
+    </p:extLst>
+  </p:cSld>
+  <p:clrMapOvr>
+    <a:masterClrMapping/>
+  </p:clrMapOvr>
+  <p:transition spd="med"/>
+  <p:timing>
+    <p:tnLst>
+      <p:par>
+        <p:cTn id="1" dur="indefinite" restart="never" nodeType="tmRoot"/>
+      </p:par>
+    </p:tnLst>
+  </p:timing>
+</p:sld>
+</file>
+
+<file path=ppt/slides/slide20.xml><?xml version="1.0" encoding="utf-8"?>
 <p:sld xmlns:a="http://schemas.openxmlformats.org/drawingml/2006/main" xmlns:r="http://schemas.openxmlformats.org/officeDocument/2006/relationships" xmlns:p="http://schemas.openxmlformats.org/presentationml/2006/main">
   <p:cSld>
     <p:spTree>
@@ -12523,284 +13897,7 @@
 </p:sld>
 </file>
 
-<file path=ppt/slides/slide2.xml><?xml version="1.0" encoding="utf-8"?>
-<p:sld xmlns:a="http://schemas.openxmlformats.org/drawingml/2006/main" xmlns:r="http://schemas.openxmlformats.org/officeDocument/2006/relationships" xmlns:p="http://schemas.openxmlformats.org/presentationml/2006/main">
-  <p:cSld>
-    <p:spTree>
-      <p:nvGrpSpPr>
-        <p:cNvPr id="1" name=""/>
-        <p:cNvGrpSpPr/>
-        <p:nvPr/>
-      </p:nvGrpSpPr>
-      <p:grpSpPr>
-        <a:xfrm>
-          <a:off x="0" y="0"/>
-          <a:ext cx="0" cy="0"/>
-          <a:chOff x="0" y="0"/>
-          <a:chExt cx="0" cy="0"/>
-        </a:xfrm>
-      </p:grpSpPr>
-      <p:sp>
-        <p:nvSpPr>
-          <p:cNvPr id="2" name="Title 1"/>
-          <p:cNvSpPr>
-            <a:spLocks noGrp="1"/>
-          </p:cNvSpPr>
-          <p:nvPr>
-            <p:ph type="title"/>
-          </p:nvPr>
-        </p:nvSpPr>
-        <p:spPr/>
-        <p:txBody>
-          <a:bodyPr/>
-          <a:lstStyle/>
-          <a:p>
-            <a:r>
-              <a:rPr lang="en-US" dirty="0" smtClean="0"/>
-              <a:t>Overview</a:t>
-            </a:r>
-            <a:endParaRPr lang="en-US" dirty="0"/>
-          </a:p>
-        </p:txBody>
-      </p:sp>
-      <p:sp>
-        <p:nvSpPr>
-          <p:cNvPr id="3" name="Subtitle 2"/>
-          <p:cNvSpPr>
-            <a:spLocks noGrp="1"/>
-          </p:cNvSpPr>
-          <p:nvPr>
-            <p:ph idx="1"/>
-          </p:nvPr>
-        </p:nvSpPr>
-        <p:spPr/>
-        <p:txBody>
-          <a:bodyPr/>
-          <a:lstStyle/>
-          <a:p>
-            <a:pPr algn="l"/>
-            <a:r>
-              <a:rPr lang="en-US" sz="2800" b="1" dirty="0" smtClean="0"/>
-              <a:t>Lesson Outline</a:t>
-            </a:r>
-            <a:endParaRPr lang="en-US" sz="2800" b="1" dirty="0" smtClean="0">
-              <a:solidFill>
-                <a:srgbClr val="0070C0"/>
-              </a:solidFill>
-            </a:endParaRPr>
-          </a:p>
-          <a:p>
-            <a:pPr lvl="1"/>
-            <a:r>
-              <a:rPr lang="en-US" dirty="0" smtClean="0"/>
-              <a:t>Timers</a:t>
-            </a:r>
-          </a:p>
-          <a:p>
-            <a:pPr lvl="2"/>
-            <a:r>
-              <a:rPr lang="en-US" sz="1800" dirty="0" err="1" smtClean="0"/>
-              <a:t>Timer_A</a:t>
-            </a:r>
-            <a:r>
-              <a:rPr lang="en-US" sz="1800" dirty="0" smtClean="0"/>
-              <a:t> and </a:t>
-            </a:r>
-            <a:r>
-              <a:rPr lang="en-US" sz="1800" dirty="0" err="1" smtClean="0"/>
-              <a:t>Timer_B</a:t>
-            </a:r>
-            <a:r>
-              <a:rPr lang="en-US" sz="1800" dirty="0" smtClean="0"/>
-              <a:t> are input/output ports that can be used to capture external signal events and generate signals for external devices</a:t>
-            </a:r>
-          </a:p>
-        </p:txBody>
-      </p:sp>
-      <p:pic>
-        <p:nvPicPr>
-          <p:cNvPr id="4" name="Picture 2" descr="Image result for pwm signal motor controller"/>
-          <p:cNvPicPr>
-            <a:picLocks noChangeAspect="1" noChangeArrowheads="1"/>
-          </p:cNvPicPr>
-          <p:nvPr/>
-        </p:nvPicPr>
-        <p:blipFill rotWithShape="1">
-          <a:blip r:embed="rId2">
-            <a:extLst>
-              <a:ext uri="{28A0092B-C50C-407E-A947-70E740481C1C}">
-                <a14:useLocalDpi xmlns:a14="http://schemas.microsoft.com/office/drawing/2010/main" val="0"/>
-              </a:ext>
-            </a:extLst>
-          </a:blip>
-          <a:srcRect t="9371" b="20956"/>
-          <a:stretch/>
-        </p:blipFill>
-        <p:spPr bwMode="auto">
-          <a:xfrm>
-            <a:off x="2458172" y="3294993"/>
-            <a:ext cx="6076950" cy="3105807"/>
-          </a:xfrm>
-          <a:prstGeom prst="rect">
-            <a:avLst/>
-          </a:prstGeom>
-          <a:noFill/>
-          <a:extLst>
-            <a:ext uri="{909E8E84-426E-40DD-AFC4-6F175D3DCCD1}">
-              <a14:hiddenFill xmlns:a14="http://schemas.microsoft.com/office/drawing/2010/main">
-                <a:solidFill>
-                  <a:srgbClr val="FFFFFF"/>
-                </a:solidFill>
-              </a14:hiddenFill>
-            </a:ext>
-          </a:extLst>
-        </p:spPr>
-      </p:pic>
-      <p:sp>
-        <p:nvSpPr>
-          <p:cNvPr id="5" name="TextBox 4"/>
-          <p:cNvSpPr txBox="1"/>
-          <p:nvPr/>
-        </p:nvSpPr>
-        <p:spPr>
-          <a:xfrm>
-            <a:off x="4477393" y="3112113"/>
-            <a:ext cx="1510350" cy="461665"/>
-          </a:xfrm>
-          <a:prstGeom prst="rect">
-            <a:avLst/>
-          </a:prstGeom>
-          <a:noFill/>
-        </p:spPr>
-        <p:txBody>
-          <a:bodyPr wrap="none" rtlCol="0">
-            <a:spAutoFit/>
-          </a:bodyPr>
-          <a:lstStyle/>
-          <a:p>
-            <a:r>
-              <a:rPr lang="en-US" dirty="0" smtClean="0"/>
-              <a:t>RC Servos</a:t>
-            </a:r>
-            <a:endParaRPr lang="en-US" dirty="0"/>
-          </a:p>
-        </p:txBody>
-      </p:sp>
-      <p:sp>
-        <p:nvSpPr>
-          <p:cNvPr id="6" name="Left Brace 5"/>
-          <p:cNvSpPr/>
-          <p:nvPr/>
-        </p:nvSpPr>
-        <p:spPr bwMode="auto">
-          <a:xfrm>
-            <a:off x="1767134" y="3765698"/>
-            <a:ext cx="599090" cy="2349062"/>
-          </a:xfrm>
-          <a:prstGeom prst="leftBrace">
-            <a:avLst/>
-          </a:prstGeom>
-          <a:noFill/>
-          <a:ln w="12700" cap="flat" cmpd="sng" algn="ctr">
-            <a:solidFill>
-              <a:schemeClr val="tx1"/>
-            </a:solidFill>
-            <a:prstDash val="solid"/>
-            <a:round/>
-            <a:headEnd type="none" w="med" len="med"/>
-            <a:tailEnd type="none" w="med" len="med"/>
-          </a:ln>
-          <a:effectLst/>
-        </p:spPr>
-        <p:txBody>
-          <a:bodyPr vert="horz" wrap="square" lIns="91440" tIns="45720" rIns="91440" bIns="45720" numCol="1" rtlCol="0" anchor="t" anchorCtr="0" compatLnSpc="1">
-            <a:prstTxWarp prst="textNoShape">
-              <a:avLst/>
-            </a:prstTxWarp>
-          </a:bodyPr>
-          <a:lstStyle/>
-          <a:p>
-            <a:pPr marL="0" marR="0" indent="0" algn="ctr" defTabSz="914400" rtl="0" eaLnBrk="0" fontAlgn="base" latinLnBrk="0" hangingPunct="0">
-              <a:lnSpc>
-                <a:spcPct val="100000"/>
-              </a:lnSpc>
-              <a:spcBef>
-                <a:spcPct val="0"/>
-              </a:spcBef>
-              <a:spcAft>
-                <a:spcPct val="0"/>
-              </a:spcAft>
-              <a:buClrTx/>
-              <a:buSzTx/>
-              <a:buFontTx/>
-              <a:buNone/>
-              <a:tabLst/>
-            </a:pPr>
-            <a:endParaRPr kumimoji="0" lang="en-US" sz="1600" b="0" i="0" u="none" strike="noStrike" cap="none" normalizeH="0" baseline="0" smtClean="0">
-              <a:ln>
-                <a:noFill/>
-              </a:ln>
-              <a:solidFill>
-                <a:schemeClr val="tx1"/>
-              </a:solidFill>
-              <a:effectLst/>
-              <a:latin typeface="Arial" charset="0"/>
-            </a:endParaRPr>
-          </a:p>
-        </p:txBody>
-      </p:sp>
-      <p:sp>
-        <p:nvSpPr>
-          <p:cNvPr id="7" name="TextBox 6"/>
-          <p:cNvSpPr txBox="1"/>
-          <p:nvPr/>
-        </p:nvSpPr>
-        <p:spPr>
-          <a:xfrm>
-            <a:off x="103035" y="4478564"/>
-            <a:ext cx="1725765" cy="923330"/>
-          </a:xfrm>
-          <a:prstGeom prst="rect">
-            <a:avLst/>
-          </a:prstGeom>
-          <a:noFill/>
-        </p:spPr>
-        <p:txBody>
-          <a:bodyPr wrap="square" rtlCol="0">
-            <a:spAutoFit/>
-          </a:bodyPr>
-          <a:lstStyle/>
-          <a:p>
-            <a:r>
-              <a:rPr lang="en-US" sz="1800" dirty="0" smtClean="0"/>
-              <a:t>Using the timer, we can generate this signal easily</a:t>
-            </a:r>
-            <a:endParaRPr lang="en-US" sz="1800" dirty="0"/>
-          </a:p>
-        </p:txBody>
-      </p:sp>
-    </p:spTree>
-    <p:extLst>
-      <p:ext uri="{BB962C8B-B14F-4D97-AF65-F5344CB8AC3E}">
-        <p14:creationId xmlns:p14="http://schemas.microsoft.com/office/powerpoint/2010/main" val="4001633631"/>
-      </p:ext>
-    </p:extLst>
-  </p:cSld>
-  <p:clrMapOvr>
-    <a:masterClrMapping/>
-  </p:clrMapOvr>
-  <p:transition spd="med"/>
-  <p:timing>
-    <p:tnLst>
-      <p:par>
-        <p:cTn id="1" dur="indefinite" restart="never" nodeType="tmRoot"/>
-      </p:par>
-    </p:tnLst>
-  </p:timing>
-</p:sld>
-</file>
-
-<file path=ppt/slides/slide20.xml><?xml version="1.0" encoding="utf-8"?>
+<file path=ppt/slides/slide21.xml><?xml version="1.0" encoding="utf-8"?>
 <p:sld xmlns:a="http://schemas.openxmlformats.org/drawingml/2006/main" xmlns:r="http://schemas.openxmlformats.org/officeDocument/2006/relationships" xmlns:p="http://schemas.openxmlformats.org/presentationml/2006/main">
   <p:cSld>
     <p:spTree>
@@ -13410,7 +14507,7 @@
 </p:sld>
 </file>
 
-<file path=ppt/slides/slide21.xml><?xml version="1.0" encoding="utf-8"?>
+<file path=ppt/slides/slide22.xml><?xml version="1.0" encoding="utf-8"?>
 <p:sld xmlns:a="http://schemas.openxmlformats.org/drawingml/2006/main" xmlns:r="http://schemas.openxmlformats.org/officeDocument/2006/relationships" xmlns:p="http://schemas.openxmlformats.org/presentationml/2006/main">
   <p:cSld>
     <p:spTree>
@@ -14152,7 +15249,7 @@
 </p:sld>
 </file>
 
-<file path=ppt/slides/slide22.xml><?xml version="1.0" encoding="utf-8"?>
+<file path=ppt/slides/slide23.xml><?xml version="1.0" encoding="utf-8"?>
 <p:sld xmlns:a="http://schemas.openxmlformats.org/drawingml/2006/main" xmlns:r="http://schemas.openxmlformats.org/officeDocument/2006/relationships" xmlns:p="http://schemas.openxmlformats.org/presentationml/2006/main">
   <p:cSld>
     <p:spTree>
@@ -14712,7 +15809,7 @@
 </p:sld>
 </file>
 
-<file path=ppt/slides/slide23.xml><?xml version="1.0" encoding="utf-8"?>
+<file path=ppt/slides/slide24.xml><?xml version="1.0" encoding="utf-8"?>
 <p:sld xmlns:a="http://schemas.openxmlformats.org/drawingml/2006/main" xmlns:r="http://schemas.openxmlformats.org/officeDocument/2006/relationships" xmlns:p="http://schemas.openxmlformats.org/presentationml/2006/main">
   <p:cSld>
     <p:spTree>
@@ -15463,7 +16560,7 @@
 </p:sld>
 </file>
 
-<file path=ppt/slides/slide24.xml><?xml version="1.0" encoding="utf-8"?>
+<file path=ppt/slides/slide25.xml><?xml version="1.0" encoding="utf-8"?>
 <p:sld xmlns:a="http://schemas.openxmlformats.org/drawingml/2006/main" xmlns:r="http://schemas.openxmlformats.org/officeDocument/2006/relationships" xmlns:p="http://schemas.openxmlformats.org/presentationml/2006/main">
   <p:cSld>
     <p:spTree>
@@ -16030,7 +17127,7 @@
 </p:sld>
 </file>
 
-<file path=ppt/slides/slide25.xml><?xml version="1.0" encoding="utf-8"?>
+<file path=ppt/slides/slide26.xml><?xml version="1.0" encoding="utf-8"?>
 <p:sld xmlns:a="http://schemas.openxmlformats.org/drawingml/2006/main" xmlns:r="http://schemas.openxmlformats.org/officeDocument/2006/relationships" xmlns:p="http://schemas.openxmlformats.org/presentationml/2006/main">
   <p:cSld>
     <p:spTree>
@@ -16833,7 +17930,7 @@
 </p:sld>
 </file>
 
-<file path=ppt/slides/slide26.xml><?xml version="1.0" encoding="utf-8"?>
+<file path=ppt/slides/slide27.xml><?xml version="1.0" encoding="utf-8"?>
 <p:sld xmlns:a="http://schemas.openxmlformats.org/drawingml/2006/main" xmlns:r="http://schemas.openxmlformats.org/officeDocument/2006/relationships" xmlns:p="http://schemas.openxmlformats.org/presentationml/2006/main">
   <p:cSld>
     <p:spTree>
@@ -17428,7 +18525,7 @@
 </p:sld>
 </file>
 
-<file path=ppt/slides/slide27.xml><?xml version="1.0" encoding="utf-8"?>
+<file path=ppt/slides/slide28.xml><?xml version="1.0" encoding="utf-8"?>
 <p:sld xmlns:a="http://schemas.openxmlformats.org/drawingml/2006/main" xmlns:r="http://schemas.openxmlformats.org/officeDocument/2006/relationships" xmlns:p="http://schemas.openxmlformats.org/presentationml/2006/main">
   <p:cSld>
     <p:spTree>
@@ -18232,7 +19329,7 @@
 </p:sld>
 </file>
 
-<file path=ppt/slides/slide28.xml><?xml version="1.0" encoding="utf-8"?>
+<file path=ppt/slides/slide29.xml><?xml version="1.0" encoding="utf-8"?>
 <p:sld xmlns:a="http://schemas.openxmlformats.org/drawingml/2006/main" xmlns:r="http://schemas.openxmlformats.org/officeDocument/2006/relationships" xmlns:p="http://schemas.openxmlformats.org/presentationml/2006/main">
   <p:cSld>
     <p:spTree>
@@ -18722,795 +19819,6 @@
     <p:extLst>
       <p:ext uri="{BB962C8B-B14F-4D97-AF65-F5344CB8AC3E}">
         <p14:creationId xmlns:p14="http://schemas.microsoft.com/office/powerpoint/2010/main" val="1289189800"/>
-      </p:ext>
-    </p:extLst>
-  </p:cSld>
-  <p:clrMapOvr>
-    <a:masterClrMapping/>
-  </p:clrMapOvr>
-  <p:timing>
-    <p:tnLst>
-      <p:par>
-        <p:cTn id="1" dur="indefinite" restart="never" nodeType="tmRoot"/>
-      </p:par>
-    </p:tnLst>
-  </p:timing>
-</p:sld>
-</file>
-
-<file path=ppt/slides/slide29.xml><?xml version="1.0" encoding="utf-8"?>
-<p:sld xmlns:a="http://schemas.openxmlformats.org/drawingml/2006/main" xmlns:r="http://schemas.openxmlformats.org/officeDocument/2006/relationships" xmlns:p="http://schemas.openxmlformats.org/presentationml/2006/main">
-  <p:cSld>
-    <p:spTree>
-      <p:nvGrpSpPr>
-        <p:cNvPr id="1" name=""/>
-        <p:cNvGrpSpPr/>
-        <p:nvPr/>
-      </p:nvGrpSpPr>
-      <p:grpSpPr>
-        <a:xfrm>
-          <a:off x="0" y="0"/>
-          <a:ext cx="0" cy="0"/>
-          <a:chOff x="0" y="0"/>
-          <a:chExt cx="0" cy="0"/>
-        </a:xfrm>
-      </p:grpSpPr>
-      <p:sp>
-        <p:nvSpPr>
-          <p:cNvPr id="2" name="Title 1"/>
-          <p:cNvSpPr>
-            <a:spLocks noGrp="1"/>
-          </p:cNvSpPr>
-          <p:nvPr>
-            <p:ph type="title"/>
-          </p:nvPr>
-        </p:nvSpPr>
-        <p:spPr/>
-        <p:txBody>
-          <a:bodyPr/>
-          <a:lstStyle/>
-          <a:p>
-            <a:r>
-              <a:rPr lang="en-US" b="1" dirty="0" smtClean="0"/>
-              <a:t>In-Class Worksheet</a:t>
-            </a:r>
-            <a:endParaRPr lang="en-US" b="1" dirty="0"/>
-          </a:p>
-        </p:txBody>
-      </p:sp>
-      <p:sp>
-        <p:nvSpPr>
-          <p:cNvPr id="3" name="Content Placeholder 2"/>
-          <p:cNvSpPr>
-            <a:spLocks noGrp="1"/>
-          </p:cNvSpPr>
-          <p:nvPr>
-            <p:ph idx="1"/>
-          </p:nvPr>
-        </p:nvSpPr>
-        <p:spPr>
-          <a:xfrm>
-            <a:off x="348338" y="1552904"/>
-            <a:ext cx="8509911" cy="2987566"/>
-          </a:xfrm>
-        </p:spPr>
-        <p:txBody>
-          <a:bodyPr>
-            <a:normAutofit fontScale="85000" lnSpcReduction="10000"/>
-          </a:bodyPr>
-          <a:lstStyle/>
-          <a:p>
-            <a:pPr marL="0" indent="0">
-              <a:buNone/>
-            </a:pPr>
-            <a:r>
-              <a:rPr lang="en-US" sz="2000" dirty="0" smtClean="0"/>
-              <a:t>To reduce confusion, let’s call </a:t>
-            </a:r>
-            <a:r>
-              <a:rPr lang="en-US" sz="2000" dirty="0"/>
-              <a:t>the output of the mux associated with the </a:t>
-            </a:r>
-            <a:r>
-              <a:rPr lang="en-US" sz="2000" dirty="0" err="1"/>
-              <a:t>TASSELx</a:t>
-            </a:r>
-            <a:r>
-              <a:rPr lang="en-US" sz="2000" dirty="0"/>
-              <a:t> signal </a:t>
-            </a:r>
-            <a:r>
-              <a:rPr lang="en-US" sz="2000" b="1" dirty="0"/>
-              <a:t>clks</a:t>
-            </a:r>
-            <a:r>
-              <a:rPr lang="en-US" sz="2000" dirty="0"/>
-              <a:t>. Call the signal coming out of the </a:t>
-            </a:r>
-            <a:r>
-              <a:rPr lang="en-US" sz="2000" dirty="0" err="1"/>
-              <a:t>IDx</a:t>
-            </a:r>
-            <a:r>
-              <a:rPr lang="en-US" sz="2000" dirty="0"/>
-              <a:t> clock divider </a:t>
-            </a:r>
-            <a:r>
-              <a:rPr lang="en-US" sz="2000" b="1" dirty="0" err="1"/>
-              <a:t>cnts</a:t>
-            </a:r>
-            <a:r>
-              <a:rPr lang="en-US" sz="2000" b="1" dirty="0" smtClean="0"/>
-              <a:t>.</a:t>
-            </a:r>
-          </a:p>
-          <a:p>
-            <a:endParaRPr lang="en-US" sz="2000" b="1" dirty="0" smtClean="0">
-              <a:solidFill>
-                <a:schemeClr val="accent2"/>
-              </a:solidFill>
-            </a:endParaRPr>
-          </a:p>
-          <a:p>
-            <a:pPr>
-              <a:spcBef>
-                <a:spcPts val="0"/>
-              </a:spcBef>
-              <a:spcAft>
-                <a:spcPts val="1000"/>
-              </a:spcAft>
-              <a:tabLst>
-                <a:tab pos="285750" algn="l"/>
-              </a:tabLst>
-            </a:pPr>
-            <a:r>
-              <a:rPr lang="en-US" sz="2400" dirty="0" smtClean="0">
-                <a:solidFill>
-                  <a:schemeClr val="accent2"/>
-                </a:solidFill>
-                <a:latin typeface="Helvetica"/>
-                <a:ea typeface="Times New Roman"/>
-                <a:cs typeface="Times New Roman"/>
-              </a:rPr>
-              <a:t>Given </a:t>
-            </a:r>
-            <a:r>
-              <a:rPr lang="en-US" sz="2400" dirty="0">
-                <a:solidFill>
-                  <a:schemeClr val="accent2"/>
-                </a:solidFill>
-                <a:latin typeface="Helvetica"/>
-                <a:ea typeface="Times New Roman"/>
-                <a:cs typeface="Times New Roman"/>
-              </a:rPr>
-              <a:t>an TAR=0, a 8Mhz clock, TASSEL_2, ID_0, </a:t>
-            </a:r>
-            <a:r>
-              <a:rPr lang="en-US" sz="2400" dirty="0" smtClean="0">
-                <a:solidFill>
-                  <a:schemeClr val="accent2"/>
-                </a:solidFill>
-                <a:latin typeface="Helvetica"/>
-                <a:ea typeface="Times New Roman"/>
-                <a:cs typeface="Times New Roman"/>
-              </a:rPr>
-              <a:t>MC_1 </a:t>
-            </a:r>
-            <a:r>
-              <a:rPr lang="en-US" sz="2400" dirty="0">
-                <a:solidFill>
-                  <a:schemeClr val="accent2"/>
-                </a:solidFill>
-                <a:latin typeface="Helvetica"/>
-                <a:ea typeface="Times New Roman"/>
-                <a:cs typeface="Times New Roman"/>
-              </a:rPr>
-              <a:t>and TACCR0=2^16-1, how long will it take to roll over TAR</a:t>
-            </a:r>
-            <a:r>
-              <a:rPr lang="en-US" sz="2400" dirty="0" smtClean="0">
-                <a:solidFill>
-                  <a:schemeClr val="accent2"/>
-                </a:solidFill>
-                <a:latin typeface="Helvetica"/>
-                <a:ea typeface="Times New Roman"/>
-                <a:cs typeface="Times New Roman"/>
-              </a:rPr>
-              <a:t>?</a:t>
-            </a:r>
-            <a:endParaRPr lang="en-US" sz="2400" dirty="0">
-              <a:solidFill>
-                <a:schemeClr val="accent2"/>
-              </a:solidFill>
-              <a:latin typeface="Helvetica"/>
-              <a:ea typeface="Times New Roman"/>
-              <a:cs typeface="Times New Roman"/>
-            </a:endParaRPr>
-          </a:p>
-          <a:p>
-            <a:pPr>
-              <a:spcBef>
-                <a:spcPts val="0"/>
-              </a:spcBef>
-              <a:spcAft>
-                <a:spcPts val="1000"/>
-              </a:spcAft>
-              <a:tabLst>
-                <a:tab pos="285750" algn="l"/>
-              </a:tabLst>
-            </a:pPr>
-            <a:r>
-              <a:rPr lang="en-US" sz="2400" dirty="0" smtClean="0">
-                <a:solidFill>
-                  <a:schemeClr val="accent2"/>
-                </a:solidFill>
-                <a:latin typeface="Helvetica"/>
-                <a:ea typeface="Times New Roman"/>
-                <a:cs typeface="Times New Roman"/>
-              </a:rPr>
-              <a:t>Do </a:t>
-            </a:r>
-            <a:r>
-              <a:rPr lang="en-US" sz="2400" dirty="0">
-                <a:solidFill>
-                  <a:schemeClr val="accent2"/>
-                </a:solidFill>
-                <a:latin typeface="Helvetica"/>
-                <a:ea typeface="Times New Roman"/>
-                <a:cs typeface="Times New Roman"/>
-              </a:rPr>
-              <a:t>the previous problem, except with </a:t>
-            </a:r>
-            <a:r>
-              <a:rPr lang="en-US" sz="2400" dirty="0" smtClean="0">
-                <a:solidFill>
-                  <a:schemeClr val="accent2"/>
-                </a:solidFill>
-                <a:latin typeface="Helvetica"/>
-                <a:ea typeface="Times New Roman"/>
-                <a:cs typeface="Times New Roman"/>
-              </a:rPr>
-              <a:t>ID_2.</a:t>
-            </a:r>
-            <a:endParaRPr lang="en-US" sz="1600" dirty="0" smtClean="0">
-              <a:solidFill>
-                <a:srgbClr val="333333"/>
-              </a:solidFill>
-              <a:latin typeface="Consolas"/>
-              <a:ea typeface="Times New Roman"/>
-              <a:cs typeface="Times New Roman"/>
-            </a:endParaRPr>
-          </a:p>
-          <a:p>
-            <a:pPr marL="400050" lvl="1" indent="0" latinLnBrk="1">
-              <a:lnSpc>
-                <a:spcPts val="1500"/>
-              </a:lnSpc>
-              <a:spcBef>
-                <a:spcPts val="0"/>
-              </a:spcBef>
-              <a:spcAft>
-                <a:spcPts val="750"/>
-              </a:spcAft>
-              <a:buNone/>
-              <a:tabLst>
-                <a:tab pos="581660" algn="l"/>
-                <a:tab pos="1163320" algn="l"/>
-                <a:tab pos="1744980" algn="l"/>
-                <a:tab pos="2326640" algn="l"/>
-                <a:tab pos="2908300" algn="l"/>
-                <a:tab pos="3489960" algn="l"/>
-                <a:tab pos="4071620" algn="l"/>
-                <a:tab pos="4653280" algn="l"/>
-                <a:tab pos="5234940" algn="l"/>
-                <a:tab pos="5816600" algn="l"/>
-                <a:tab pos="6398260" algn="l"/>
-                <a:tab pos="6979920" algn="l"/>
-                <a:tab pos="7561580" algn="l"/>
-                <a:tab pos="8143240" algn="l"/>
-                <a:tab pos="8724900" algn="l"/>
-                <a:tab pos="9306560" algn="l"/>
-              </a:tabLst>
-            </a:pPr>
-            <a:r>
-              <a:rPr lang="en-US" sz="1600" dirty="0">
-                <a:solidFill>
-                  <a:srgbClr val="333333"/>
-                </a:solidFill>
-                <a:latin typeface="Consolas"/>
-                <a:ea typeface="Times New Roman"/>
-                <a:cs typeface="Times New Roman"/>
-              </a:rPr>
-              <a:t> 1 </a:t>
-            </a:r>
-            <a:r>
-              <a:rPr lang="en-US" sz="1600" dirty="0" err="1" smtClean="0">
-                <a:solidFill>
-                  <a:srgbClr val="333333"/>
-                </a:solidFill>
-                <a:latin typeface="Consolas"/>
-                <a:ea typeface="Times New Roman"/>
-                <a:cs typeface="Times New Roman"/>
-              </a:rPr>
-              <a:t>usec</a:t>
-            </a:r>
-            <a:r>
-              <a:rPr lang="en-US" sz="1600" dirty="0" smtClean="0">
-                <a:solidFill>
-                  <a:srgbClr val="333333"/>
-                </a:solidFill>
-                <a:latin typeface="Consolas"/>
-                <a:ea typeface="Times New Roman"/>
-                <a:cs typeface="Times New Roman"/>
-              </a:rPr>
-              <a:t>          4 </a:t>
-            </a:r>
-            <a:r>
-              <a:rPr lang="en-US" sz="1600" dirty="0" err="1">
-                <a:solidFill>
-                  <a:srgbClr val="333333"/>
-                </a:solidFill>
-                <a:latin typeface="Consolas"/>
-                <a:ea typeface="Times New Roman"/>
-                <a:cs typeface="Times New Roman"/>
-              </a:rPr>
-              <a:t>clks</a:t>
-            </a:r>
-            <a:r>
-              <a:rPr lang="en-US" sz="1600" dirty="0">
-                <a:solidFill>
-                  <a:srgbClr val="333333"/>
-                </a:solidFill>
-                <a:latin typeface="Consolas"/>
-                <a:ea typeface="Times New Roman"/>
-                <a:cs typeface="Times New Roman"/>
-              </a:rPr>
-              <a:t> </a:t>
-            </a:r>
-            <a:r>
-              <a:rPr lang="en-US" sz="1600" dirty="0" smtClean="0">
-                <a:solidFill>
-                  <a:srgbClr val="333333"/>
-                </a:solidFill>
-                <a:latin typeface="Consolas"/>
-                <a:ea typeface="Times New Roman"/>
-                <a:cs typeface="Times New Roman"/>
-              </a:rPr>
-              <a:t>    2^</a:t>
-            </a:r>
-            <a:r>
-              <a:rPr lang="en-US" sz="1600" baseline="30000" dirty="0" smtClean="0">
-                <a:solidFill>
-                  <a:srgbClr val="333333"/>
-                </a:solidFill>
-                <a:latin typeface="Consolas"/>
-                <a:ea typeface="Times New Roman"/>
-                <a:cs typeface="Times New Roman"/>
-              </a:rPr>
-              <a:t>16</a:t>
-            </a:r>
-            <a:r>
-              <a:rPr lang="en-US" sz="1600" dirty="0" smtClean="0">
-                <a:solidFill>
-                  <a:srgbClr val="333333"/>
-                </a:solidFill>
-                <a:latin typeface="Consolas"/>
-                <a:ea typeface="Times New Roman"/>
-                <a:cs typeface="Times New Roman"/>
-              </a:rPr>
-              <a:t> </a:t>
-            </a:r>
-            <a:r>
-              <a:rPr lang="en-US" sz="1600" dirty="0" err="1" smtClean="0">
-                <a:solidFill>
-                  <a:srgbClr val="333333"/>
-                </a:solidFill>
-                <a:latin typeface="Consolas"/>
-                <a:ea typeface="Times New Roman"/>
-                <a:cs typeface="Times New Roman"/>
-              </a:rPr>
-              <a:t>cnts</a:t>
-            </a:r>
-            <a:endParaRPr lang="en-US" sz="1600" dirty="0">
-              <a:solidFill>
-                <a:srgbClr val="333333"/>
-              </a:solidFill>
-              <a:latin typeface="Consolas"/>
-              <a:ea typeface="Times New Roman"/>
-              <a:cs typeface="Times New Roman"/>
-            </a:endParaRPr>
-          </a:p>
-          <a:p>
-            <a:pPr marL="400050" lvl="1" indent="0" latinLnBrk="1">
-              <a:lnSpc>
-                <a:spcPts val="1500"/>
-              </a:lnSpc>
-              <a:spcBef>
-                <a:spcPts val="0"/>
-              </a:spcBef>
-              <a:spcAft>
-                <a:spcPts val="750"/>
-              </a:spcAft>
-              <a:buNone/>
-              <a:tabLst>
-                <a:tab pos="581660" algn="l"/>
-                <a:tab pos="1163320" algn="l"/>
-                <a:tab pos="1744980" algn="l"/>
-                <a:tab pos="2326640" algn="l"/>
-                <a:tab pos="2908300" algn="l"/>
-                <a:tab pos="3489960" algn="l"/>
-                <a:tab pos="4071620" algn="l"/>
-                <a:tab pos="4653280" algn="l"/>
-                <a:tab pos="5234940" algn="l"/>
-                <a:tab pos="5816600" algn="l"/>
-                <a:tab pos="6398260" algn="l"/>
-                <a:tab pos="6979920" algn="l"/>
-                <a:tab pos="7561580" algn="l"/>
-                <a:tab pos="8143240" algn="l"/>
-                <a:tab pos="8724900" algn="l"/>
-                <a:tab pos="9306560" algn="l"/>
-              </a:tabLst>
-            </a:pPr>
-            <a:r>
-              <a:rPr lang="en-US" sz="1600" dirty="0">
-                <a:solidFill>
-                  <a:srgbClr val="333333"/>
-                </a:solidFill>
-                <a:latin typeface="Consolas"/>
-                <a:ea typeface="Times New Roman"/>
-                <a:cs typeface="Times New Roman"/>
-              </a:rPr>
-              <a:t> ------------ * ------ * --------------- = </a:t>
-            </a:r>
-            <a:r>
-              <a:rPr lang="en-US" sz="1600" dirty="0" smtClean="0">
-                <a:solidFill>
-                  <a:srgbClr val="333333"/>
-                </a:solidFill>
-                <a:latin typeface="Consolas"/>
-                <a:ea typeface="Times New Roman"/>
-                <a:cs typeface="Times New Roman"/>
-              </a:rPr>
-              <a:t>32.77 </a:t>
-            </a:r>
-            <a:r>
-              <a:rPr lang="en-US" sz="1600" dirty="0" err="1" smtClean="0">
-                <a:solidFill>
-                  <a:srgbClr val="333333"/>
-                </a:solidFill>
-                <a:latin typeface="Consolas"/>
-                <a:ea typeface="Times New Roman"/>
-                <a:cs typeface="Times New Roman"/>
-              </a:rPr>
-              <a:t>msec</a:t>
-            </a:r>
-            <a:endParaRPr lang="en-US" sz="1600" dirty="0">
-              <a:solidFill>
-                <a:srgbClr val="333333"/>
-              </a:solidFill>
-              <a:latin typeface="Consolas"/>
-              <a:ea typeface="Times New Roman"/>
-              <a:cs typeface="Times New Roman"/>
-            </a:endParaRPr>
-          </a:p>
-          <a:p>
-            <a:pPr marL="400050" lvl="1" indent="0" latinLnBrk="1">
-              <a:lnSpc>
-                <a:spcPts val="1500"/>
-              </a:lnSpc>
-              <a:spcBef>
-                <a:spcPts val="0"/>
-              </a:spcBef>
-              <a:spcAft>
-                <a:spcPts val="750"/>
-              </a:spcAft>
-              <a:buNone/>
-              <a:tabLst>
-                <a:tab pos="581660" algn="l"/>
-                <a:tab pos="1163320" algn="l"/>
-                <a:tab pos="1744980" algn="l"/>
-                <a:tab pos="2326640" algn="l"/>
-                <a:tab pos="2908300" algn="l"/>
-                <a:tab pos="3489960" algn="l"/>
-                <a:tab pos="4071620" algn="l"/>
-                <a:tab pos="4653280" algn="l"/>
-                <a:tab pos="5234940" algn="l"/>
-                <a:tab pos="5816600" algn="l"/>
-                <a:tab pos="6398260" algn="l"/>
-                <a:tab pos="6979920" algn="l"/>
-                <a:tab pos="7561580" algn="l"/>
-                <a:tab pos="8143240" algn="l"/>
-                <a:tab pos="8724900" algn="l"/>
-                <a:tab pos="9306560" algn="l"/>
-              </a:tabLst>
-            </a:pPr>
-            <a:r>
-              <a:rPr lang="en-US" sz="1600" dirty="0">
-                <a:solidFill>
-                  <a:srgbClr val="333333"/>
-                </a:solidFill>
-                <a:latin typeface="Consolas"/>
-                <a:ea typeface="Times New Roman"/>
-                <a:cs typeface="Times New Roman"/>
-              </a:rPr>
-              <a:t> </a:t>
-            </a:r>
-            <a:r>
-              <a:rPr lang="en-US" sz="1600" dirty="0" smtClean="0">
-                <a:solidFill>
-                  <a:srgbClr val="333333"/>
-                </a:solidFill>
-                <a:latin typeface="Consolas"/>
-                <a:ea typeface="Times New Roman"/>
-                <a:cs typeface="Times New Roman"/>
-              </a:rPr>
-              <a:t>      8  </a:t>
-            </a:r>
-            <a:r>
-              <a:rPr lang="en-US" sz="1600" dirty="0">
-                <a:solidFill>
-                  <a:srgbClr val="333333"/>
-                </a:solidFill>
-                <a:latin typeface="Consolas"/>
-                <a:ea typeface="Times New Roman"/>
-                <a:cs typeface="Times New Roman"/>
-              </a:rPr>
-              <a:t>clks   1 </a:t>
-            </a:r>
-            <a:r>
-              <a:rPr lang="en-US" sz="1600" dirty="0" err="1">
-                <a:solidFill>
-                  <a:srgbClr val="333333"/>
-                </a:solidFill>
-                <a:latin typeface="Consolas"/>
-                <a:ea typeface="Times New Roman"/>
-                <a:cs typeface="Times New Roman"/>
-              </a:rPr>
-              <a:t>cnt</a:t>
-            </a:r>
-            <a:r>
-              <a:rPr lang="en-US" sz="1600" dirty="0">
-                <a:solidFill>
-                  <a:srgbClr val="333333"/>
-                </a:solidFill>
-                <a:latin typeface="Consolas"/>
-                <a:ea typeface="Times New Roman"/>
-                <a:cs typeface="Times New Roman"/>
-              </a:rPr>
-              <a:t>    1 TAR roll over</a:t>
-            </a:r>
-            <a:endParaRPr lang="en-US" sz="2000" b="1" dirty="0" smtClean="0"/>
-          </a:p>
-          <a:p>
-            <a:pPr lvl="1"/>
-            <a:endParaRPr lang="en-US" sz="1600" dirty="0" smtClean="0">
-              <a:solidFill>
-                <a:schemeClr val="accent2"/>
-              </a:solidFill>
-            </a:endParaRPr>
-          </a:p>
-        </p:txBody>
-      </p:sp>
-      <p:pic>
-        <p:nvPicPr>
-          <p:cNvPr id="4" name="Picture 2"/>
-          <p:cNvPicPr>
-            <a:picLocks noChangeAspect="1" noChangeArrowheads="1"/>
-          </p:cNvPicPr>
-          <p:nvPr/>
-        </p:nvPicPr>
-        <p:blipFill rotWithShape="1">
-          <a:blip r:embed="rId2">
-            <a:extLst>
-              <a:ext uri="{28A0092B-C50C-407E-A947-70E740481C1C}">
-                <a14:useLocalDpi xmlns:a14="http://schemas.microsoft.com/office/drawing/2010/main" val="0"/>
-              </a:ext>
-            </a:extLst>
-          </a:blip>
-          <a:srcRect b="75016"/>
-          <a:stretch/>
-        </p:blipFill>
-        <p:spPr bwMode="auto">
-          <a:xfrm>
-            <a:off x="1495426" y="4663116"/>
-            <a:ext cx="6134068" cy="1553655"/>
-          </a:xfrm>
-          <a:prstGeom prst="rect">
-            <a:avLst/>
-          </a:prstGeom>
-          <a:noFill/>
-          <a:ln>
-            <a:noFill/>
-          </a:ln>
-          <a:extLst>
-            <a:ext uri="{909E8E84-426E-40DD-AFC4-6F175D3DCCD1}">
-              <a14:hiddenFill xmlns:a14="http://schemas.microsoft.com/office/drawing/2010/main">
-                <a:solidFill>
-                  <a:schemeClr val="accent1"/>
-                </a:solidFill>
-              </a14:hiddenFill>
-            </a:ext>
-            <a:ext uri="{91240B29-F687-4F45-9708-019B960494DF}">
-              <a14:hiddenLine xmlns:a14="http://schemas.microsoft.com/office/drawing/2010/main" w="9525">
-                <a:solidFill>
-                  <a:schemeClr val="tx1"/>
-                </a:solidFill>
-                <a:miter lim="800000"/>
-                <a:headEnd/>
-                <a:tailEnd/>
-              </a14:hiddenLine>
-            </a:ext>
-          </a:extLst>
-        </p:spPr>
-      </p:pic>
-      <p:grpSp>
-        <p:nvGrpSpPr>
-          <p:cNvPr id="5" name="Group 4"/>
-          <p:cNvGrpSpPr/>
-          <p:nvPr/>
-        </p:nvGrpSpPr>
-        <p:grpSpPr>
-          <a:xfrm>
-            <a:off x="2626518" y="5528741"/>
-            <a:ext cx="728664" cy="918864"/>
-            <a:chOff x="2626518" y="1504950"/>
-            <a:chExt cx="728664" cy="918864"/>
-          </a:xfrm>
-        </p:grpSpPr>
-        <p:cxnSp>
-          <p:nvCxnSpPr>
-            <p:cNvPr id="6" name="Straight Arrow Connector 5"/>
-            <p:cNvCxnSpPr>
-              <a:stCxn id="7" idx="0"/>
-            </p:cNvCxnSpPr>
-            <p:nvPr/>
-          </p:nvCxnSpPr>
-          <p:spPr bwMode="auto">
-            <a:xfrm flipV="1">
-              <a:off x="2990850" y="1504950"/>
-              <a:ext cx="0" cy="457199"/>
-            </a:xfrm>
-            <a:prstGeom prst="straightConnector1">
-              <a:avLst/>
-            </a:prstGeom>
-            <a:noFill/>
-            <a:ln w="25400" cap="flat" cmpd="sng" algn="ctr">
-              <a:solidFill>
-                <a:srgbClr val="FF0000"/>
-              </a:solidFill>
-              <a:prstDash val="solid"/>
-              <a:round/>
-              <a:headEnd type="none" w="med" len="med"/>
-              <a:tailEnd type="triangle"/>
-            </a:ln>
-            <a:effectLst/>
-          </p:spPr>
-        </p:cxnSp>
-        <p:sp>
-          <p:nvSpPr>
-            <p:cNvPr id="7" name="TextBox 6"/>
-            <p:cNvSpPr txBox="1"/>
-            <p:nvPr/>
-          </p:nvSpPr>
-          <p:spPr>
-            <a:xfrm>
-              <a:off x="2626518" y="1962149"/>
-              <a:ext cx="728664" cy="461665"/>
-            </a:xfrm>
-            <a:prstGeom prst="rect">
-              <a:avLst/>
-            </a:prstGeom>
-            <a:noFill/>
-          </p:spPr>
-          <p:txBody>
-            <a:bodyPr wrap="square" rtlCol="0">
-              <a:spAutoFit/>
-            </a:bodyPr>
-            <a:lstStyle/>
-            <a:p>
-              <a:r>
-                <a:rPr lang="en-US" dirty="0" err="1" smtClean="0">
-                  <a:solidFill>
-                    <a:srgbClr val="FF0000"/>
-                  </a:solidFill>
-                </a:rPr>
-                <a:t>clks</a:t>
-              </a:r>
-              <a:endParaRPr lang="en-US" dirty="0">
-                <a:solidFill>
-                  <a:srgbClr val="FF0000"/>
-                </a:solidFill>
-              </a:endParaRPr>
-            </a:p>
-          </p:txBody>
-        </p:sp>
-      </p:grpSp>
-      <p:grpSp>
-        <p:nvGrpSpPr>
-          <p:cNvPr id="8" name="Group 7"/>
-          <p:cNvGrpSpPr/>
-          <p:nvPr/>
-        </p:nvGrpSpPr>
-        <p:grpSpPr>
-          <a:xfrm>
-            <a:off x="3407568" y="5528741"/>
-            <a:ext cx="728664" cy="918864"/>
-            <a:chOff x="2626518" y="1504950"/>
-            <a:chExt cx="728664" cy="918864"/>
-          </a:xfrm>
-        </p:grpSpPr>
-        <p:cxnSp>
-          <p:nvCxnSpPr>
-            <p:cNvPr id="9" name="Straight Arrow Connector 8"/>
-            <p:cNvCxnSpPr>
-              <a:stCxn id="10" idx="0"/>
-            </p:cNvCxnSpPr>
-            <p:nvPr/>
-          </p:nvCxnSpPr>
-          <p:spPr bwMode="auto">
-            <a:xfrm flipH="1" flipV="1">
-              <a:off x="2990849" y="1504950"/>
-              <a:ext cx="1" cy="457199"/>
-            </a:xfrm>
-            <a:prstGeom prst="straightConnector1">
-              <a:avLst/>
-            </a:prstGeom>
-            <a:noFill/>
-            <a:ln w="25400" cap="flat" cmpd="sng" algn="ctr">
-              <a:solidFill>
-                <a:srgbClr val="FF0000"/>
-              </a:solidFill>
-              <a:prstDash val="solid"/>
-              <a:round/>
-              <a:headEnd type="none" w="med" len="med"/>
-              <a:tailEnd type="triangle"/>
-            </a:ln>
-            <a:effectLst/>
-          </p:spPr>
-        </p:cxnSp>
-        <p:sp>
-          <p:nvSpPr>
-            <p:cNvPr id="10" name="TextBox 9"/>
-            <p:cNvSpPr txBox="1"/>
-            <p:nvPr/>
-          </p:nvSpPr>
-          <p:spPr>
-            <a:xfrm>
-              <a:off x="2626518" y="1962149"/>
-              <a:ext cx="728664" cy="461665"/>
-            </a:xfrm>
-            <a:prstGeom prst="rect">
-              <a:avLst/>
-            </a:prstGeom>
-            <a:noFill/>
-          </p:spPr>
-          <p:txBody>
-            <a:bodyPr wrap="square" rtlCol="0">
-              <a:spAutoFit/>
-            </a:bodyPr>
-            <a:lstStyle/>
-            <a:p>
-              <a:r>
-                <a:rPr lang="en-US" dirty="0" err="1" smtClean="0">
-                  <a:solidFill>
-                    <a:srgbClr val="FF0000"/>
-                  </a:solidFill>
-                </a:rPr>
-                <a:t>cnts</a:t>
-              </a:r>
-              <a:endParaRPr lang="en-US" dirty="0">
-                <a:solidFill>
-                  <a:srgbClr val="FF0000"/>
-                </a:solidFill>
-              </a:endParaRPr>
-            </a:p>
-          </p:txBody>
-        </p:sp>
-      </p:grpSp>
-    </p:spTree>
-    <p:extLst>
-      <p:ext uri="{BB962C8B-B14F-4D97-AF65-F5344CB8AC3E}">
-        <p14:creationId xmlns:p14="http://schemas.microsoft.com/office/powerpoint/2010/main" val="106702968"/>
       </p:ext>
     </p:extLst>
   </p:cSld>
@@ -20709,6 +21017,795 @@
         </p:nvSpPr>
         <p:spPr>
           <a:xfrm>
+            <a:off x="348338" y="1552904"/>
+            <a:ext cx="8509911" cy="2987566"/>
+          </a:xfrm>
+        </p:spPr>
+        <p:txBody>
+          <a:bodyPr>
+            <a:normAutofit fontScale="85000" lnSpcReduction="10000"/>
+          </a:bodyPr>
+          <a:lstStyle/>
+          <a:p>
+            <a:pPr marL="0" indent="0">
+              <a:buNone/>
+            </a:pPr>
+            <a:r>
+              <a:rPr lang="en-US" sz="2000" dirty="0" smtClean="0"/>
+              <a:t>To reduce confusion, let’s call </a:t>
+            </a:r>
+            <a:r>
+              <a:rPr lang="en-US" sz="2000" dirty="0"/>
+              <a:t>the output of the mux associated with the </a:t>
+            </a:r>
+            <a:r>
+              <a:rPr lang="en-US" sz="2000" dirty="0" err="1"/>
+              <a:t>TASSELx</a:t>
+            </a:r>
+            <a:r>
+              <a:rPr lang="en-US" sz="2000" dirty="0"/>
+              <a:t> signal </a:t>
+            </a:r>
+            <a:r>
+              <a:rPr lang="en-US" sz="2000" b="1" dirty="0"/>
+              <a:t>clks</a:t>
+            </a:r>
+            <a:r>
+              <a:rPr lang="en-US" sz="2000" dirty="0"/>
+              <a:t>. Call the signal coming out of the </a:t>
+            </a:r>
+            <a:r>
+              <a:rPr lang="en-US" sz="2000" dirty="0" err="1"/>
+              <a:t>IDx</a:t>
+            </a:r>
+            <a:r>
+              <a:rPr lang="en-US" sz="2000" dirty="0"/>
+              <a:t> clock divider </a:t>
+            </a:r>
+            <a:r>
+              <a:rPr lang="en-US" sz="2000" b="1" dirty="0" err="1"/>
+              <a:t>cnts</a:t>
+            </a:r>
+            <a:r>
+              <a:rPr lang="en-US" sz="2000" b="1" dirty="0" smtClean="0"/>
+              <a:t>.</a:t>
+            </a:r>
+          </a:p>
+          <a:p>
+            <a:endParaRPr lang="en-US" sz="2000" b="1" dirty="0" smtClean="0">
+              <a:solidFill>
+                <a:schemeClr val="accent2"/>
+              </a:solidFill>
+            </a:endParaRPr>
+          </a:p>
+          <a:p>
+            <a:pPr>
+              <a:spcBef>
+                <a:spcPts val="0"/>
+              </a:spcBef>
+              <a:spcAft>
+                <a:spcPts val="1000"/>
+              </a:spcAft>
+              <a:tabLst>
+                <a:tab pos="285750" algn="l"/>
+              </a:tabLst>
+            </a:pPr>
+            <a:r>
+              <a:rPr lang="en-US" sz="2400" dirty="0" smtClean="0">
+                <a:solidFill>
+                  <a:schemeClr val="accent2"/>
+                </a:solidFill>
+                <a:latin typeface="Helvetica"/>
+                <a:ea typeface="Times New Roman"/>
+                <a:cs typeface="Times New Roman"/>
+              </a:rPr>
+              <a:t>Given </a:t>
+            </a:r>
+            <a:r>
+              <a:rPr lang="en-US" sz="2400" dirty="0">
+                <a:solidFill>
+                  <a:schemeClr val="accent2"/>
+                </a:solidFill>
+                <a:latin typeface="Helvetica"/>
+                <a:ea typeface="Times New Roman"/>
+                <a:cs typeface="Times New Roman"/>
+              </a:rPr>
+              <a:t>an TAR=0, a 8Mhz clock, TASSEL_2, ID_0, </a:t>
+            </a:r>
+            <a:r>
+              <a:rPr lang="en-US" sz="2400" dirty="0" smtClean="0">
+                <a:solidFill>
+                  <a:schemeClr val="accent2"/>
+                </a:solidFill>
+                <a:latin typeface="Helvetica"/>
+                <a:ea typeface="Times New Roman"/>
+                <a:cs typeface="Times New Roman"/>
+              </a:rPr>
+              <a:t>MC_1 </a:t>
+            </a:r>
+            <a:r>
+              <a:rPr lang="en-US" sz="2400" dirty="0">
+                <a:solidFill>
+                  <a:schemeClr val="accent2"/>
+                </a:solidFill>
+                <a:latin typeface="Helvetica"/>
+                <a:ea typeface="Times New Roman"/>
+                <a:cs typeface="Times New Roman"/>
+              </a:rPr>
+              <a:t>and TACCR0=2^16-1, how long will it take to roll over TAR</a:t>
+            </a:r>
+            <a:r>
+              <a:rPr lang="en-US" sz="2400" dirty="0" smtClean="0">
+                <a:solidFill>
+                  <a:schemeClr val="accent2"/>
+                </a:solidFill>
+                <a:latin typeface="Helvetica"/>
+                <a:ea typeface="Times New Roman"/>
+                <a:cs typeface="Times New Roman"/>
+              </a:rPr>
+              <a:t>?</a:t>
+            </a:r>
+            <a:endParaRPr lang="en-US" sz="2400" dirty="0">
+              <a:solidFill>
+                <a:schemeClr val="accent2"/>
+              </a:solidFill>
+              <a:latin typeface="Helvetica"/>
+              <a:ea typeface="Times New Roman"/>
+              <a:cs typeface="Times New Roman"/>
+            </a:endParaRPr>
+          </a:p>
+          <a:p>
+            <a:pPr>
+              <a:spcBef>
+                <a:spcPts val="0"/>
+              </a:spcBef>
+              <a:spcAft>
+                <a:spcPts val="1000"/>
+              </a:spcAft>
+              <a:tabLst>
+                <a:tab pos="285750" algn="l"/>
+              </a:tabLst>
+            </a:pPr>
+            <a:r>
+              <a:rPr lang="en-US" sz="2400" dirty="0" smtClean="0">
+                <a:solidFill>
+                  <a:schemeClr val="accent2"/>
+                </a:solidFill>
+                <a:latin typeface="Helvetica"/>
+                <a:ea typeface="Times New Roman"/>
+                <a:cs typeface="Times New Roman"/>
+              </a:rPr>
+              <a:t>Do </a:t>
+            </a:r>
+            <a:r>
+              <a:rPr lang="en-US" sz="2400" dirty="0">
+                <a:solidFill>
+                  <a:schemeClr val="accent2"/>
+                </a:solidFill>
+                <a:latin typeface="Helvetica"/>
+                <a:ea typeface="Times New Roman"/>
+                <a:cs typeface="Times New Roman"/>
+              </a:rPr>
+              <a:t>the previous problem, except with </a:t>
+            </a:r>
+            <a:r>
+              <a:rPr lang="en-US" sz="2400" dirty="0" smtClean="0">
+                <a:solidFill>
+                  <a:schemeClr val="accent2"/>
+                </a:solidFill>
+                <a:latin typeface="Helvetica"/>
+                <a:ea typeface="Times New Roman"/>
+                <a:cs typeface="Times New Roman"/>
+              </a:rPr>
+              <a:t>ID_2.</a:t>
+            </a:r>
+            <a:endParaRPr lang="en-US" sz="1600" dirty="0" smtClean="0">
+              <a:solidFill>
+                <a:srgbClr val="333333"/>
+              </a:solidFill>
+              <a:latin typeface="Consolas"/>
+              <a:ea typeface="Times New Roman"/>
+              <a:cs typeface="Times New Roman"/>
+            </a:endParaRPr>
+          </a:p>
+          <a:p>
+            <a:pPr marL="400050" lvl="1" indent="0" latinLnBrk="1">
+              <a:lnSpc>
+                <a:spcPts val="1500"/>
+              </a:lnSpc>
+              <a:spcBef>
+                <a:spcPts val="0"/>
+              </a:spcBef>
+              <a:spcAft>
+                <a:spcPts val="750"/>
+              </a:spcAft>
+              <a:buNone/>
+              <a:tabLst>
+                <a:tab pos="581660" algn="l"/>
+                <a:tab pos="1163320" algn="l"/>
+                <a:tab pos="1744980" algn="l"/>
+                <a:tab pos="2326640" algn="l"/>
+                <a:tab pos="2908300" algn="l"/>
+                <a:tab pos="3489960" algn="l"/>
+                <a:tab pos="4071620" algn="l"/>
+                <a:tab pos="4653280" algn="l"/>
+                <a:tab pos="5234940" algn="l"/>
+                <a:tab pos="5816600" algn="l"/>
+                <a:tab pos="6398260" algn="l"/>
+                <a:tab pos="6979920" algn="l"/>
+                <a:tab pos="7561580" algn="l"/>
+                <a:tab pos="8143240" algn="l"/>
+                <a:tab pos="8724900" algn="l"/>
+                <a:tab pos="9306560" algn="l"/>
+              </a:tabLst>
+            </a:pPr>
+            <a:r>
+              <a:rPr lang="en-US" sz="1600" dirty="0">
+                <a:solidFill>
+                  <a:srgbClr val="333333"/>
+                </a:solidFill>
+                <a:latin typeface="Consolas"/>
+                <a:ea typeface="Times New Roman"/>
+                <a:cs typeface="Times New Roman"/>
+              </a:rPr>
+              <a:t> 1 </a:t>
+            </a:r>
+            <a:r>
+              <a:rPr lang="en-US" sz="1600" dirty="0" err="1" smtClean="0">
+                <a:solidFill>
+                  <a:srgbClr val="333333"/>
+                </a:solidFill>
+                <a:latin typeface="Consolas"/>
+                <a:ea typeface="Times New Roman"/>
+                <a:cs typeface="Times New Roman"/>
+              </a:rPr>
+              <a:t>usec</a:t>
+            </a:r>
+            <a:r>
+              <a:rPr lang="en-US" sz="1600" dirty="0" smtClean="0">
+                <a:solidFill>
+                  <a:srgbClr val="333333"/>
+                </a:solidFill>
+                <a:latin typeface="Consolas"/>
+                <a:ea typeface="Times New Roman"/>
+                <a:cs typeface="Times New Roman"/>
+              </a:rPr>
+              <a:t>          4 </a:t>
+            </a:r>
+            <a:r>
+              <a:rPr lang="en-US" sz="1600" dirty="0" err="1">
+                <a:solidFill>
+                  <a:srgbClr val="333333"/>
+                </a:solidFill>
+                <a:latin typeface="Consolas"/>
+                <a:ea typeface="Times New Roman"/>
+                <a:cs typeface="Times New Roman"/>
+              </a:rPr>
+              <a:t>clks</a:t>
+            </a:r>
+            <a:r>
+              <a:rPr lang="en-US" sz="1600" dirty="0">
+                <a:solidFill>
+                  <a:srgbClr val="333333"/>
+                </a:solidFill>
+                <a:latin typeface="Consolas"/>
+                <a:ea typeface="Times New Roman"/>
+                <a:cs typeface="Times New Roman"/>
+              </a:rPr>
+              <a:t> </a:t>
+            </a:r>
+            <a:r>
+              <a:rPr lang="en-US" sz="1600" dirty="0" smtClean="0">
+                <a:solidFill>
+                  <a:srgbClr val="333333"/>
+                </a:solidFill>
+                <a:latin typeface="Consolas"/>
+                <a:ea typeface="Times New Roman"/>
+                <a:cs typeface="Times New Roman"/>
+              </a:rPr>
+              <a:t>    2^</a:t>
+            </a:r>
+            <a:r>
+              <a:rPr lang="en-US" sz="1600" baseline="30000" dirty="0" smtClean="0">
+                <a:solidFill>
+                  <a:srgbClr val="333333"/>
+                </a:solidFill>
+                <a:latin typeface="Consolas"/>
+                <a:ea typeface="Times New Roman"/>
+                <a:cs typeface="Times New Roman"/>
+              </a:rPr>
+              <a:t>16</a:t>
+            </a:r>
+            <a:r>
+              <a:rPr lang="en-US" sz="1600" dirty="0" smtClean="0">
+                <a:solidFill>
+                  <a:srgbClr val="333333"/>
+                </a:solidFill>
+                <a:latin typeface="Consolas"/>
+                <a:ea typeface="Times New Roman"/>
+                <a:cs typeface="Times New Roman"/>
+              </a:rPr>
+              <a:t> </a:t>
+            </a:r>
+            <a:r>
+              <a:rPr lang="en-US" sz="1600" dirty="0" err="1" smtClean="0">
+                <a:solidFill>
+                  <a:srgbClr val="333333"/>
+                </a:solidFill>
+                <a:latin typeface="Consolas"/>
+                <a:ea typeface="Times New Roman"/>
+                <a:cs typeface="Times New Roman"/>
+              </a:rPr>
+              <a:t>cnts</a:t>
+            </a:r>
+            <a:endParaRPr lang="en-US" sz="1600" dirty="0">
+              <a:solidFill>
+                <a:srgbClr val="333333"/>
+              </a:solidFill>
+              <a:latin typeface="Consolas"/>
+              <a:ea typeface="Times New Roman"/>
+              <a:cs typeface="Times New Roman"/>
+            </a:endParaRPr>
+          </a:p>
+          <a:p>
+            <a:pPr marL="400050" lvl="1" indent="0" latinLnBrk="1">
+              <a:lnSpc>
+                <a:spcPts val="1500"/>
+              </a:lnSpc>
+              <a:spcBef>
+                <a:spcPts val="0"/>
+              </a:spcBef>
+              <a:spcAft>
+                <a:spcPts val="750"/>
+              </a:spcAft>
+              <a:buNone/>
+              <a:tabLst>
+                <a:tab pos="581660" algn="l"/>
+                <a:tab pos="1163320" algn="l"/>
+                <a:tab pos="1744980" algn="l"/>
+                <a:tab pos="2326640" algn="l"/>
+                <a:tab pos="2908300" algn="l"/>
+                <a:tab pos="3489960" algn="l"/>
+                <a:tab pos="4071620" algn="l"/>
+                <a:tab pos="4653280" algn="l"/>
+                <a:tab pos="5234940" algn="l"/>
+                <a:tab pos="5816600" algn="l"/>
+                <a:tab pos="6398260" algn="l"/>
+                <a:tab pos="6979920" algn="l"/>
+                <a:tab pos="7561580" algn="l"/>
+                <a:tab pos="8143240" algn="l"/>
+                <a:tab pos="8724900" algn="l"/>
+                <a:tab pos="9306560" algn="l"/>
+              </a:tabLst>
+            </a:pPr>
+            <a:r>
+              <a:rPr lang="en-US" sz="1600" dirty="0">
+                <a:solidFill>
+                  <a:srgbClr val="333333"/>
+                </a:solidFill>
+                <a:latin typeface="Consolas"/>
+                <a:ea typeface="Times New Roman"/>
+                <a:cs typeface="Times New Roman"/>
+              </a:rPr>
+              <a:t> ------------ * ------ * --------------- = </a:t>
+            </a:r>
+            <a:r>
+              <a:rPr lang="en-US" sz="1600" dirty="0" smtClean="0">
+                <a:solidFill>
+                  <a:srgbClr val="333333"/>
+                </a:solidFill>
+                <a:latin typeface="Consolas"/>
+                <a:ea typeface="Times New Roman"/>
+                <a:cs typeface="Times New Roman"/>
+              </a:rPr>
+              <a:t>32.77 </a:t>
+            </a:r>
+            <a:r>
+              <a:rPr lang="en-US" sz="1600" dirty="0" err="1" smtClean="0">
+                <a:solidFill>
+                  <a:srgbClr val="333333"/>
+                </a:solidFill>
+                <a:latin typeface="Consolas"/>
+                <a:ea typeface="Times New Roman"/>
+                <a:cs typeface="Times New Roman"/>
+              </a:rPr>
+              <a:t>msec</a:t>
+            </a:r>
+            <a:endParaRPr lang="en-US" sz="1600" dirty="0">
+              <a:solidFill>
+                <a:srgbClr val="333333"/>
+              </a:solidFill>
+              <a:latin typeface="Consolas"/>
+              <a:ea typeface="Times New Roman"/>
+              <a:cs typeface="Times New Roman"/>
+            </a:endParaRPr>
+          </a:p>
+          <a:p>
+            <a:pPr marL="400050" lvl="1" indent="0" latinLnBrk="1">
+              <a:lnSpc>
+                <a:spcPts val="1500"/>
+              </a:lnSpc>
+              <a:spcBef>
+                <a:spcPts val="0"/>
+              </a:spcBef>
+              <a:spcAft>
+                <a:spcPts val="750"/>
+              </a:spcAft>
+              <a:buNone/>
+              <a:tabLst>
+                <a:tab pos="581660" algn="l"/>
+                <a:tab pos="1163320" algn="l"/>
+                <a:tab pos="1744980" algn="l"/>
+                <a:tab pos="2326640" algn="l"/>
+                <a:tab pos="2908300" algn="l"/>
+                <a:tab pos="3489960" algn="l"/>
+                <a:tab pos="4071620" algn="l"/>
+                <a:tab pos="4653280" algn="l"/>
+                <a:tab pos="5234940" algn="l"/>
+                <a:tab pos="5816600" algn="l"/>
+                <a:tab pos="6398260" algn="l"/>
+                <a:tab pos="6979920" algn="l"/>
+                <a:tab pos="7561580" algn="l"/>
+                <a:tab pos="8143240" algn="l"/>
+                <a:tab pos="8724900" algn="l"/>
+                <a:tab pos="9306560" algn="l"/>
+              </a:tabLst>
+            </a:pPr>
+            <a:r>
+              <a:rPr lang="en-US" sz="1600" dirty="0">
+                <a:solidFill>
+                  <a:srgbClr val="333333"/>
+                </a:solidFill>
+                <a:latin typeface="Consolas"/>
+                <a:ea typeface="Times New Roman"/>
+                <a:cs typeface="Times New Roman"/>
+              </a:rPr>
+              <a:t> </a:t>
+            </a:r>
+            <a:r>
+              <a:rPr lang="en-US" sz="1600" dirty="0" smtClean="0">
+                <a:solidFill>
+                  <a:srgbClr val="333333"/>
+                </a:solidFill>
+                <a:latin typeface="Consolas"/>
+                <a:ea typeface="Times New Roman"/>
+                <a:cs typeface="Times New Roman"/>
+              </a:rPr>
+              <a:t>      8  </a:t>
+            </a:r>
+            <a:r>
+              <a:rPr lang="en-US" sz="1600" dirty="0">
+                <a:solidFill>
+                  <a:srgbClr val="333333"/>
+                </a:solidFill>
+                <a:latin typeface="Consolas"/>
+                <a:ea typeface="Times New Roman"/>
+                <a:cs typeface="Times New Roman"/>
+              </a:rPr>
+              <a:t>clks   1 </a:t>
+            </a:r>
+            <a:r>
+              <a:rPr lang="en-US" sz="1600" dirty="0" err="1">
+                <a:solidFill>
+                  <a:srgbClr val="333333"/>
+                </a:solidFill>
+                <a:latin typeface="Consolas"/>
+                <a:ea typeface="Times New Roman"/>
+                <a:cs typeface="Times New Roman"/>
+              </a:rPr>
+              <a:t>cnt</a:t>
+            </a:r>
+            <a:r>
+              <a:rPr lang="en-US" sz="1600" dirty="0">
+                <a:solidFill>
+                  <a:srgbClr val="333333"/>
+                </a:solidFill>
+                <a:latin typeface="Consolas"/>
+                <a:ea typeface="Times New Roman"/>
+                <a:cs typeface="Times New Roman"/>
+              </a:rPr>
+              <a:t>    1 TAR roll over</a:t>
+            </a:r>
+            <a:endParaRPr lang="en-US" sz="2000" b="1" dirty="0" smtClean="0"/>
+          </a:p>
+          <a:p>
+            <a:pPr lvl="1"/>
+            <a:endParaRPr lang="en-US" sz="1600" dirty="0" smtClean="0">
+              <a:solidFill>
+                <a:schemeClr val="accent2"/>
+              </a:solidFill>
+            </a:endParaRPr>
+          </a:p>
+        </p:txBody>
+      </p:sp>
+      <p:pic>
+        <p:nvPicPr>
+          <p:cNvPr id="4" name="Picture 2"/>
+          <p:cNvPicPr>
+            <a:picLocks noChangeAspect="1" noChangeArrowheads="1"/>
+          </p:cNvPicPr>
+          <p:nvPr/>
+        </p:nvPicPr>
+        <p:blipFill rotWithShape="1">
+          <a:blip r:embed="rId2">
+            <a:extLst>
+              <a:ext uri="{28A0092B-C50C-407E-A947-70E740481C1C}">
+                <a14:useLocalDpi xmlns:a14="http://schemas.microsoft.com/office/drawing/2010/main" val="0"/>
+              </a:ext>
+            </a:extLst>
+          </a:blip>
+          <a:srcRect b="75016"/>
+          <a:stretch/>
+        </p:blipFill>
+        <p:spPr bwMode="auto">
+          <a:xfrm>
+            <a:off x="1495426" y="4663116"/>
+            <a:ext cx="6134068" cy="1553655"/>
+          </a:xfrm>
+          <a:prstGeom prst="rect">
+            <a:avLst/>
+          </a:prstGeom>
+          <a:noFill/>
+          <a:ln>
+            <a:noFill/>
+          </a:ln>
+          <a:extLst>
+            <a:ext uri="{909E8E84-426E-40DD-AFC4-6F175D3DCCD1}">
+              <a14:hiddenFill xmlns:a14="http://schemas.microsoft.com/office/drawing/2010/main">
+                <a:solidFill>
+                  <a:schemeClr val="accent1"/>
+                </a:solidFill>
+              </a14:hiddenFill>
+            </a:ext>
+            <a:ext uri="{91240B29-F687-4F45-9708-019B960494DF}">
+              <a14:hiddenLine xmlns:a14="http://schemas.microsoft.com/office/drawing/2010/main" w="9525">
+                <a:solidFill>
+                  <a:schemeClr val="tx1"/>
+                </a:solidFill>
+                <a:miter lim="800000"/>
+                <a:headEnd/>
+                <a:tailEnd/>
+              </a14:hiddenLine>
+            </a:ext>
+          </a:extLst>
+        </p:spPr>
+      </p:pic>
+      <p:grpSp>
+        <p:nvGrpSpPr>
+          <p:cNvPr id="5" name="Group 4"/>
+          <p:cNvGrpSpPr/>
+          <p:nvPr/>
+        </p:nvGrpSpPr>
+        <p:grpSpPr>
+          <a:xfrm>
+            <a:off x="2626518" y="5528741"/>
+            <a:ext cx="728664" cy="918864"/>
+            <a:chOff x="2626518" y="1504950"/>
+            <a:chExt cx="728664" cy="918864"/>
+          </a:xfrm>
+        </p:grpSpPr>
+        <p:cxnSp>
+          <p:nvCxnSpPr>
+            <p:cNvPr id="6" name="Straight Arrow Connector 5"/>
+            <p:cNvCxnSpPr>
+              <a:stCxn id="7" idx="0"/>
+            </p:cNvCxnSpPr>
+            <p:nvPr/>
+          </p:nvCxnSpPr>
+          <p:spPr bwMode="auto">
+            <a:xfrm flipV="1">
+              <a:off x="2990850" y="1504950"/>
+              <a:ext cx="0" cy="457199"/>
+            </a:xfrm>
+            <a:prstGeom prst="straightConnector1">
+              <a:avLst/>
+            </a:prstGeom>
+            <a:noFill/>
+            <a:ln w="25400" cap="flat" cmpd="sng" algn="ctr">
+              <a:solidFill>
+                <a:srgbClr val="FF0000"/>
+              </a:solidFill>
+              <a:prstDash val="solid"/>
+              <a:round/>
+              <a:headEnd type="none" w="med" len="med"/>
+              <a:tailEnd type="triangle"/>
+            </a:ln>
+            <a:effectLst/>
+          </p:spPr>
+        </p:cxnSp>
+        <p:sp>
+          <p:nvSpPr>
+            <p:cNvPr id="7" name="TextBox 6"/>
+            <p:cNvSpPr txBox="1"/>
+            <p:nvPr/>
+          </p:nvSpPr>
+          <p:spPr>
+            <a:xfrm>
+              <a:off x="2626518" y="1962149"/>
+              <a:ext cx="728664" cy="461665"/>
+            </a:xfrm>
+            <a:prstGeom prst="rect">
+              <a:avLst/>
+            </a:prstGeom>
+            <a:noFill/>
+          </p:spPr>
+          <p:txBody>
+            <a:bodyPr wrap="square" rtlCol="0">
+              <a:spAutoFit/>
+            </a:bodyPr>
+            <a:lstStyle/>
+            <a:p>
+              <a:r>
+                <a:rPr lang="en-US" dirty="0" err="1" smtClean="0">
+                  <a:solidFill>
+                    <a:srgbClr val="FF0000"/>
+                  </a:solidFill>
+                </a:rPr>
+                <a:t>clks</a:t>
+              </a:r>
+              <a:endParaRPr lang="en-US" dirty="0">
+                <a:solidFill>
+                  <a:srgbClr val="FF0000"/>
+                </a:solidFill>
+              </a:endParaRPr>
+            </a:p>
+          </p:txBody>
+        </p:sp>
+      </p:grpSp>
+      <p:grpSp>
+        <p:nvGrpSpPr>
+          <p:cNvPr id="8" name="Group 7"/>
+          <p:cNvGrpSpPr/>
+          <p:nvPr/>
+        </p:nvGrpSpPr>
+        <p:grpSpPr>
+          <a:xfrm>
+            <a:off x="3407568" y="5528741"/>
+            <a:ext cx="728664" cy="918864"/>
+            <a:chOff x="2626518" y="1504950"/>
+            <a:chExt cx="728664" cy="918864"/>
+          </a:xfrm>
+        </p:grpSpPr>
+        <p:cxnSp>
+          <p:nvCxnSpPr>
+            <p:cNvPr id="9" name="Straight Arrow Connector 8"/>
+            <p:cNvCxnSpPr>
+              <a:stCxn id="10" idx="0"/>
+            </p:cNvCxnSpPr>
+            <p:nvPr/>
+          </p:nvCxnSpPr>
+          <p:spPr bwMode="auto">
+            <a:xfrm flipH="1" flipV="1">
+              <a:off x="2990849" y="1504950"/>
+              <a:ext cx="1" cy="457199"/>
+            </a:xfrm>
+            <a:prstGeom prst="straightConnector1">
+              <a:avLst/>
+            </a:prstGeom>
+            <a:noFill/>
+            <a:ln w="25400" cap="flat" cmpd="sng" algn="ctr">
+              <a:solidFill>
+                <a:srgbClr val="FF0000"/>
+              </a:solidFill>
+              <a:prstDash val="solid"/>
+              <a:round/>
+              <a:headEnd type="none" w="med" len="med"/>
+              <a:tailEnd type="triangle"/>
+            </a:ln>
+            <a:effectLst/>
+          </p:spPr>
+        </p:cxnSp>
+        <p:sp>
+          <p:nvSpPr>
+            <p:cNvPr id="10" name="TextBox 9"/>
+            <p:cNvSpPr txBox="1"/>
+            <p:nvPr/>
+          </p:nvSpPr>
+          <p:spPr>
+            <a:xfrm>
+              <a:off x="2626518" y="1962149"/>
+              <a:ext cx="728664" cy="461665"/>
+            </a:xfrm>
+            <a:prstGeom prst="rect">
+              <a:avLst/>
+            </a:prstGeom>
+            <a:noFill/>
+          </p:spPr>
+          <p:txBody>
+            <a:bodyPr wrap="square" rtlCol="0">
+              <a:spAutoFit/>
+            </a:bodyPr>
+            <a:lstStyle/>
+            <a:p>
+              <a:r>
+                <a:rPr lang="en-US" dirty="0" err="1" smtClean="0">
+                  <a:solidFill>
+                    <a:srgbClr val="FF0000"/>
+                  </a:solidFill>
+                </a:rPr>
+                <a:t>cnts</a:t>
+              </a:r>
+              <a:endParaRPr lang="en-US" dirty="0">
+                <a:solidFill>
+                  <a:srgbClr val="FF0000"/>
+                </a:solidFill>
+              </a:endParaRPr>
+            </a:p>
+          </p:txBody>
+        </p:sp>
+      </p:grpSp>
+    </p:spTree>
+    <p:extLst>
+      <p:ext uri="{BB962C8B-B14F-4D97-AF65-F5344CB8AC3E}">
+        <p14:creationId xmlns:p14="http://schemas.microsoft.com/office/powerpoint/2010/main" val="106702968"/>
+      </p:ext>
+    </p:extLst>
+  </p:cSld>
+  <p:clrMapOvr>
+    <a:masterClrMapping/>
+  </p:clrMapOvr>
+  <p:timing>
+    <p:tnLst>
+      <p:par>
+        <p:cTn id="1" dur="indefinite" restart="never" nodeType="tmRoot"/>
+      </p:par>
+    </p:tnLst>
+  </p:timing>
+</p:sld>
+</file>
+
+<file path=ppt/slides/slide31.xml><?xml version="1.0" encoding="utf-8"?>
+<p:sld xmlns:a="http://schemas.openxmlformats.org/drawingml/2006/main" xmlns:r="http://schemas.openxmlformats.org/officeDocument/2006/relationships" xmlns:p="http://schemas.openxmlformats.org/presentationml/2006/main">
+  <p:cSld>
+    <p:spTree>
+      <p:nvGrpSpPr>
+        <p:cNvPr id="1" name=""/>
+        <p:cNvGrpSpPr/>
+        <p:nvPr/>
+      </p:nvGrpSpPr>
+      <p:grpSpPr>
+        <a:xfrm>
+          <a:off x="0" y="0"/>
+          <a:ext cx="0" cy="0"/>
+          <a:chOff x="0" y="0"/>
+          <a:chExt cx="0" cy="0"/>
+        </a:xfrm>
+      </p:grpSpPr>
+      <p:sp>
+        <p:nvSpPr>
+          <p:cNvPr id="2" name="Title 1"/>
+          <p:cNvSpPr>
+            <a:spLocks noGrp="1"/>
+          </p:cNvSpPr>
+          <p:nvPr>
+            <p:ph type="title"/>
+          </p:nvPr>
+        </p:nvSpPr>
+        <p:spPr/>
+        <p:txBody>
+          <a:bodyPr/>
+          <a:lstStyle/>
+          <a:p>
+            <a:r>
+              <a:rPr lang="en-US" b="1" dirty="0" smtClean="0"/>
+              <a:t>In-Class Worksheet</a:t>
+            </a:r>
+            <a:endParaRPr lang="en-US" b="1" dirty="0"/>
+          </a:p>
+        </p:txBody>
+      </p:sp>
+      <p:sp>
+        <p:nvSpPr>
+          <p:cNvPr id="3" name="Content Placeholder 2"/>
+          <p:cNvSpPr>
+            <a:spLocks noGrp="1"/>
+          </p:cNvSpPr>
+          <p:nvPr>
+            <p:ph idx="1"/>
+          </p:nvPr>
+        </p:nvSpPr>
+        <p:spPr>
+          <a:xfrm>
             <a:off x="348338" y="1521372"/>
             <a:ext cx="8509911" cy="3074276"/>
           </a:xfrm>
@@ -21131,7 +22228,7 @@
 </p:sld>
 </file>
 
-<file path=ppt/slides/slide31.xml><?xml version="1.0" encoding="utf-8"?>
+<file path=ppt/slides/slide32.xml><?xml version="1.0" encoding="utf-8"?>
 <p:sld xmlns:a="http://schemas.openxmlformats.org/drawingml/2006/main" xmlns:r="http://schemas.openxmlformats.org/officeDocument/2006/relationships" xmlns:p="http://schemas.openxmlformats.org/presentationml/2006/main">
   <p:cSld>
     <p:spTree>
@@ -21935,7 +23032,7 @@
 </p:sld>
 </file>
 
-<file path=ppt/slides/slide32.xml><?xml version="1.0" encoding="utf-8"?>
+<file path=ppt/slides/slide33.xml><?xml version="1.0" encoding="utf-8"?>
 <p:sld xmlns:a="http://schemas.openxmlformats.org/drawingml/2006/main" xmlns:r="http://schemas.openxmlformats.org/officeDocument/2006/relationships" xmlns:p="http://schemas.openxmlformats.org/presentationml/2006/main">
   <p:cSld>
     <p:spTree>
@@ -22420,7 +23517,7 @@
 </p:sld>
 </file>
 
-<file path=ppt/slides/slide33.xml><?xml version="1.0" encoding="utf-8"?>
+<file path=ppt/slides/slide34.xml><?xml version="1.0" encoding="utf-8"?>
 <p:sld xmlns:a="http://schemas.openxmlformats.org/drawingml/2006/main" xmlns:r="http://schemas.openxmlformats.org/officeDocument/2006/relationships" xmlns:p="http://schemas.openxmlformats.org/presentationml/2006/main">
   <p:cSld>
     <p:spTree>
@@ -23236,7 +24333,7 @@
 </p:sld>
 </file>
 
-<file path=ppt/slides/slide34.xml><?xml version="1.0" encoding="utf-8"?>
+<file path=ppt/slides/slide35.xml><?xml version="1.0" encoding="utf-8"?>
 <p:sld xmlns:a="http://schemas.openxmlformats.org/drawingml/2006/main" xmlns:r="http://schemas.openxmlformats.org/officeDocument/2006/relationships" xmlns:p="http://schemas.openxmlformats.org/presentationml/2006/main">
   <p:cSld>
     <p:spTree>
@@ -24101,7 +25198,7 @@
 </p:sld>
 </file>
 
-<file path=ppt/slides/slide35.xml><?xml version="1.0" encoding="utf-8"?>
+<file path=ppt/slides/slide36.xml><?xml version="1.0" encoding="utf-8"?>
 <p:sld xmlns:a="http://schemas.openxmlformats.org/drawingml/2006/main" xmlns:r="http://schemas.openxmlformats.org/officeDocument/2006/relationships" xmlns:p="http://schemas.openxmlformats.org/presentationml/2006/main">
   <p:cSld>
     <p:spTree>
@@ -26137,7 +27234,7 @@
 </p:sld>
 </file>
 
-<file path=ppt/slides/slide36.xml><?xml version="1.0" encoding="utf-8"?>
+<file path=ppt/slides/slide37.xml><?xml version="1.0" encoding="utf-8"?>
 <p:sld xmlns:a="http://schemas.openxmlformats.org/drawingml/2006/main" xmlns:r="http://schemas.openxmlformats.org/officeDocument/2006/relationships" xmlns:p="http://schemas.openxmlformats.org/presentationml/2006/main">
   <p:cSld>
     <p:spTree>
@@ -26607,7 +27704,7 @@
 </p:sld>
 </file>
 
-<file path=ppt/slides/slide37.xml><?xml version="1.0" encoding="utf-8"?>
+<file path=ppt/slides/slide38.xml><?xml version="1.0" encoding="utf-8"?>
 <p:sld xmlns:a="http://schemas.openxmlformats.org/drawingml/2006/main" xmlns:r="http://schemas.openxmlformats.org/officeDocument/2006/relationships" xmlns:p="http://schemas.openxmlformats.org/presentationml/2006/main">
   <p:cSld>
     <p:spTree>
@@ -27346,7 +28443,7 @@
 </p:sld>
 </file>
 
-<file path=ppt/slides/slide38.xml><?xml version="1.0" encoding="utf-8"?>
+<file path=ppt/slides/slide39.xml><?xml version="1.0" encoding="utf-8"?>
 <p:sld xmlns:a="http://schemas.openxmlformats.org/drawingml/2006/main" xmlns:r="http://schemas.openxmlformats.org/officeDocument/2006/relationships" xmlns:p="http://schemas.openxmlformats.org/presentationml/2006/main">
   <p:cSld>
     <p:spTree>
@@ -27849,7 +28946,251 @@
 </p:sld>
 </file>
 
-<file path=ppt/slides/slide39.xml><?xml version="1.0" encoding="utf-8"?>
+<file path=ppt/slides/slide4.xml><?xml version="1.0" encoding="utf-8"?>
+<p:sld xmlns:a="http://schemas.openxmlformats.org/drawingml/2006/main" xmlns:r="http://schemas.openxmlformats.org/officeDocument/2006/relationships" xmlns:p="http://schemas.openxmlformats.org/presentationml/2006/main" show="0">
+  <p:cSld>
+    <p:spTree>
+      <p:nvGrpSpPr>
+        <p:cNvPr id="1" name=""/>
+        <p:cNvGrpSpPr/>
+        <p:nvPr/>
+      </p:nvGrpSpPr>
+      <p:grpSpPr>
+        <a:xfrm>
+          <a:off x="0" y="0"/>
+          <a:ext cx="0" cy="0"/>
+          <a:chOff x="0" y="0"/>
+          <a:chExt cx="0" cy="0"/>
+        </a:xfrm>
+      </p:grpSpPr>
+      <p:sp>
+        <p:nvSpPr>
+          <p:cNvPr id="2" name="Title 1"/>
+          <p:cNvSpPr>
+            <a:spLocks noGrp="1"/>
+          </p:cNvSpPr>
+          <p:nvPr>
+            <p:ph type="title"/>
+          </p:nvPr>
+        </p:nvSpPr>
+        <p:spPr/>
+        <p:txBody>
+          <a:bodyPr/>
+          <a:lstStyle/>
+          <a:p>
+            <a:r>
+              <a:rPr lang="en-US" b="1" dirty="0" smtClean="0"/>
+              <a:t>Timer  (</a:t>
+            </a:r>
+            <a:r>
+              <a:rPr lang="en-US" sz="2800" b="1" dirty="0" smtClean="0"/>
+              <a:t>p 355 User’s Guide</a:t>
+            </a:r>
+            <a:r>
+              <a:rPr lang="en-US" b="1" dirty="0" smtClean="0"/>
+              <a:t>)</a:t>
+            </a:r>
+            <a:endParaRPr lang="en-US" b="1" dirty="0"/>
+          </a:p>
+        </p:txBody>
+      </p:sp>
+      <p:sp>
+        <p:nvSpPr>
+          <p:cNvPr id="3" name="Content Placeholder 2"/>
+          <p:cNvSpPr>
+            <a:spLocks noGrp="1"/>
+          </p:cNvSpPr>
+          <p:nvPr>
+            <p:ph idx="1"/>
+          </p:nvPr>
+        </p:nvSpPr>
+        <p:spPr>
+          <a:xfrm>
+            <a:off x="348339" y="1560785"/>
+            <a:ext cx="8083562" cy="4800601"/>
+          </a:xfrm>
+        </p:spPr>
+        <p:txBody>
+          <a:bodyPr/>
+          <a:lstStyle/>
+          <a:p>
+            <a:pPr marL="0" indent="0">
+              <a:buNone/>
+            </a:pPr>
+            <a:r>
+              <a:rPr lang="en-US" sz="2400" dirty="0" smtClean="0"/>
+              <a:t>0. Heart of the Timer:   TAR</a:t>
+            </a:r>
+          </a:p>
+          <a:p>
+            <a:pPr lvl="1"/>
+            <a:r>
+              <a:rPr lang="en-US" sz="2000" dirty="0" smtClean="0">
+                <a:solidFill>
+                  <a:schemeClr val="accent2"/>
+                </a:solidFill>
+              </a:rPr>
+              <a:t>16-bit Timer.   How many clock ticks (</a:t>
+            </a:r>
+            <a:r>
+              <a:rPr lang="en-US" sz="2000" dirty="0" err="1" smtClean="0">
+                <a:solidFill>
+                  <a:schemeClr val="accent2"/>
+                </a:solidFill>
+              </a:rPr>
+              <a:t>cnts</a:t>
+            </a:r>
+            <a:r>
+              <a:rPr lang="en-US" sz="2000" dirty="0" smtClean="0">
+                <a:solidFill>
+                  <a:schemeClr val="accent2"/>
+                </a:solidFill>
+              </a:rPr>
+              <a:t>) till it rolls over?</a:t>
+            </a:r>
+          </a:p>
+          <a:p>
+            <a:pPr lvl="1"/>
+            <a:endParaRPr lang="en-US" sz="2000" dirty="0">
+              <a:solidFill>
+                <a:schemeClr val="accent2"/>
+              </a:solidFill>
+            </a:endParaRPr>
+          </a:p>
+          <a:p>
+            <a:pPr lvl="1"/>
+            <a:r>
+              <a:rPr lang="en-US" sz="2000" dirty="0">
+                <a:solidFill>
+                  <a:schemeClr val="accent2"/>
+                </a:solidFill>
+              </a:rPr>
+              <a:t>How do you read the Time in the TAR timer</a:t>
+            </a:r>
+            <a:r>
+              <a:rPr lang="en-US" sz="2000" dirty="0" smtClean="0">
+                <a:solidFill>
+                  <a:schemeClr val="accent2"/>
+                </a:solidFill>
+              </a:rPr>
+              <a:t>?</a:t>
+            </a:r>
+          </a:p>
+          <a:p>
+            <a:pPr lvl="1"/>
+            <a:endParaRPr lang="en-US" sz="2000" dirty="0" smtClean="0">
+              <a:solidFill>
+                <a:schemeClr val="accent2"/>
+              </a:solidFill>
+            </a:endParaRPr>
+          </a:p>
+          <a:p>
+            <a:pPr lvl="1"/>
+            <a:r>
+              <a:rPr lang="en-US" sz="2000" dirty="0" smtClean="0">
+                <a:solidFill>
+                  <a:schemeClr val="accent2"/>
+                </a:solidFill>
+              </a:rPr>
+              <a:t>Rising or Falling Edge?</a:t>
+            </a:r>
+          </a:p>
+          <a:p>
+            <a:pPr lvl="1"/>
+            <a:endParaRPr lang="en-US" sz="2000" dirty="0" smtClean="0">
+              <a:solidFill>
+                <a:schemeClr val="accent2"/>
+              </a:solidFill>
+            </a:endParaRPr>
+          </a:p>
+          <a:p>
+            <a:pPr lvl="1"/>
+            <a:r>
+              <a:rPr lang="en-US" sz="2000" dirty="0" smtClean="0">
+                <a:solidFill>
+                  <a:schemeClr val="accent2"/>
+                </a:solidFill>
+              </a:rPr>
+              <a:t>Clear?   TACLR?</a:t>
+            </a:r>
+          </a:p>
+          <a:p>
+            <a:pPr lvl="1"/>
+            <a:endParaRPr lang="en-US" sz="2000" dirty="0" smtClean="0">
+              <a:solidFill>
+                <a:schemeClr val="accent2"/>
+              </a:solidFill>
+            </a:endParaRPr>
+          </a:p>
+          <a:p>
+            <a:pPr lvl="1"/>
+            <a:r>
+              <a:rPr lang="en-US" sz="2000" dirty="0" smtClean="0">
+                <a:solidFill>
+                  <a:schemeClr val="accent2"/>
+                </a:solidFill>
+              </a:rPr>
+              <a:t>RC?       TAIFG?</a:t>
+            </a:r>
+          </a:p>
+          <a:p>
+            <a:pPr lvl="1"/>
+            <a:endParaRPr lang="en-US" sz="2000" dirty="0">
+              <a:solidFill>
+                <a:schemeClr val="accent2"/>
+              </a:solidFill>
+            </a:endParaRPr>
+          </a:p>
+          <a:p>
+            <a:pPr lvl="1"/>
+            <a:r>
+              <a:rPr lang="en-US" sz="2000" dirty="0" smtClean="0">
+                <a:solidFill>
+                  <a:schemeClr val="accent2"/>
+                </a:solidFill>
+              </a:rPr>
+              <a:t>Where can you find these bits?</a:t>
+            </a:r>
+          </a:p>
+          <a:p>
+            <a:pPr lvl="1"/>
+            <a:endParaRPr lang="en-US" sz="1600" dirty="0" smtClean="0">
+              <a:solidFill>
+                <a:schemeClr val="accent2"/>
+              </a:solidFill>
+            </a:endParaRPr>
+          </a:p>
+        </p:txBody>
+      </p:sp>
+    </p:spTree>
+    <p:extLst>
+      <p:ext uri="{BB962C8B-B14F-4D97-AF65-F5344CB8AC3E}">
+        <p14:creationId xmlns:p14="http://schemas.microsoft.com/office/powerpoint/2010/main" val="1045471096"/>
+      </p:ext>
+    </p:extLst>
+  </p:cSld>
+  <p:clrMapOvr>
+    <a:masterClrMapping/>
+  </p:clrMapOvr>
+  <mc:AlternateContent xmlns:mc="http://schemas.openxmlformats.org/markup-compatibility/2006" xmlns:p14="http://schemas.microsoft.com/office/powerpoint/2010/main">
+    <mc:Choice Requires="p14">
+      <p:transition spd="slow" p14:dur="2000"/>
+    </mc:Choice>
+    <mc:Fallback xmlns="">
+      <p:transition spd="slow"/>
+    </mc:Fallback>
+  </mc:AlternateContent>
+  <p:timing>
+    <p:tnLst>
+      <p:par>
+        <p:cTn id="1" dur="indefinite" restart="never" nodeType="tmRoot"/>
+      </p:par>
+    </p:tnLst>
+  </p:timing>
+</p:sld>
+</file>
+
+<file path=ppt/slides/slide40.xml><?xml version="1.0" encoding="utf-8"?>
 <p:sld xmlns:a="http://schemas.openxmlformats.org/drawingml/2006/main" xmlns:r="http://schemas.openxmlformats.org/officeDocument/2006/relationships" xmlns:p="http://schemas.openxmlformats.org/presentationml/2006/main">
   <p:cSld>
     <p:spTree>
@@ -28960,251 +30301,7 @@
 </p:sld>
 </file>
 
-<file path=ppt/slides/slide4.xml><?xml version="1.0" encoding="utf-8"?>
-<p:sld xmlns:a="http://schemas.openxmlformats.org/drawingml/2006/main" xmlns:r="http://schemas.openxmlformats.org/officeDocument/2006/relationships" xmlns:p="http://schemas.openxmlformats.org/presentationml/2006/main" show="0">
-  <p:cSld>
-    <p:spTree>
-      <p:nvGrpSpPr>
-        <p:cNvPr id="1" name=""/>
-        <p:cNvGrpSpPr/>
-        <p:nvPr/>
-      </p:nvGrpSpPr>
-      <p:grpSpPr>
-        <a:xfrm>
-          <a:off x="0" y="0"/>
-          <a:ext cx="0" cy="0"/>
-          <a:chOff x="0" y="0"/>
-          <a:chExt cx="0" cy="0"/>
-        </a:xfrm>
-      </p:grpSpPr>
-      <p:sp>
-        <p:nvSpPr>
-          <p:cNvPr id="2" name="Title 1"/>
-          <p:cNvSpPr>
-            <a:spLocks noGrp="1"/>
-          </p:cNvSpPr>
-          <p:nvPr>
-            <p:ph type="title"/>
-          </p:nvPr>
-        </p:nvSpPr>
-        <p:spPr/>
-        <p:txBody>
-          <a:bodyPr/>
-          <a:lstStyle/>
-          <a:p>
-            <a:r>
-              <a:rPr lang="en-US" b="1" dirty="0" smtClean="0"/>
-              <a:t>Timer  (</a:t>
-            </a:r>
-            <a:r>
-              <a:rPr lang="en-US" sz="2800" b="1" dirty="0" smtClean="0"/>
-              <a:t>p 355 User’s Guide, BB p45</a:t>
-            </a:r>
-            <a:r>
-              <a:rPr lang="en-US" b="1" dirty="0" smtClean="0"/>
-              <a:t>)</a:t>
-            </a:r>
-            <a:endParaRPr lang="en-US" b="1" dirty="0"/>
-          </a:p>
-        </p:txBody>
-      </p:sp>
-      <p:sp>
-        <p:nvSpPr>
-          <p:cNvPr id="3" name="Content Placeholder 2"/>
-          <p:cNvSpPr>
-            <a:spLocks noGrp="1"/>
-          </p:cNvSpPr>
-          <p:nvPr>
-            <p:ph idx="1"/>
-          </p:nvPr>
-        </p:nvSpPr>
-        <p:spPr>
-          <a:xfrm>
-            <a:off x="348339" y="1560785"/>
-            <a:ext cx="8083562" cy="4800601"/>
-          </a:xfrm>
-        </p:spPr>
-        <p:txBody>
-          <a:bodyPr/>
-          <a:lstStyle/>
-          <a:p>
-            <a:pPr marL="0" indent="0">
-              <a:buNone/>
-            </a:pPr>
-            <a:r>
-              <a:rPr lang="en-US" sz="2400" dirty="0" smtClean="0"/>
-              <a:t>0. Heart of the Timer:   TAR</a:t>
-            </a:r>
-          </a:p>
-          <a:p>
-            <a:pPr lvl="1"/>
-            <a:r>
-              <a:rPr lang="en-US" sz="2000" dirty="0" smtClean="0">
-                <a:solidFill>
-                  <a:schemeClr val="accent2"/>
-                </a:solidFill>
-              </a:rPr>
-              <a:t>16-bit Timer.   How many clock ticks (</a:t>
-            </a:r>
-            <a:r>
-              <a:rPr lang="en-US" sz="2000" dirty="0" err="1" smtClean="0">
-                <a:solidFill>
-                  <a:schemeClr val="accent2"/>
-                </a:solidFill>
-              </a:rPr>
-              <a:t>cnts</a:t>
-            </a:r>
-            <a:r>
-              <a:rPr lang="en-US" sz="2000" dirty="0" smtClean="0">
-                <a:solidFill>
-                  <a:schemeClr val="accent2"/>
-                </a:solidFill>
-              </a:rPr>
-              <a:t>) till it rolls over?</a:t>
-            </a:r>
-          </a:p>
-          <a:p>
-            <a:pPr lvl="1"/>
-            <a:endParaRPr lang="en-US" sz="2000" dirty="0">
-              <a:solidFill>
-                <a:schemeClr val="accent2"/>
-              </a:solidFill>
-            </a:endParaRPr>
-          </a:p>
-          <a:p>
-            <a:pPr lvl="1"/>
-            <a:r>
-              <a:rPr lang="en-US" sz="2000" dirty="0">
-                <a:solidFill>
-                  <a:schemeClr val="accent2"/>
-                </a:solidFill>
-              </a:rPr>
-              <a:t>How do you read the Time in the TAR timer</a:t>
-            </a:r>
-            <a:r>
-              <a:rPr lang="en-US" sz="2000" dirty="0" smtClean="0">
-                <a:solidFill>
-                  <a:schemeClr val="accent2"/>
-                </a:solidFill>
-              </a:rPr>
-              <a:t>?</a:t>
-            </a:r>
-          </a:p>
-          <a:p>
-            <a:pPr lvl="1"/>
-            <a:endParaRPr lang="en-US" sz="2000" dirty="0" smtClean="0">
-              <a:solidFill>
-                <a:schemeClr val="accent2"/>
-              </a:solidFill>
-            </a:endParaRPr>
-          </a:p>
-          <a:p>
-            <a:pPr lvl="1"/>
-            <a:r>
-              <a:rPr lang="en-US" sz="2000" dirty="0" smtClean="0">
-                <a:solidFill>
-                  <a:schemeClr val="accent2"/>
-                </a:solidFill>
-              </a:rPr>
-              <a:t>Rising or Falling Edge?</a:t>
-            </a:r>
-          </a:p>
-          <a:p>
-            <a:pPr lvl="1"/>
-            <a:endParaRPr lang="en-US" sz="2000" dirty="0" smtClean="0">
-              <a:solidFill>
-                <a:schemeClr val="accent2"/>
-              </a:solidFill>
-            </a:endParaRPr>
-          </a:p>
-          <a:p>
-            <a:pPr lvl="1"/>
-            <a:r>
-              <a:rPr lang="en-US" sz="2000" dirty="0" smtClean="0">
-                <a:solidFill>
-                  <a:schemeClr val="accent2"/>
-                </a:solidFill>
-              </a:rPr>
-              <a:t>Clear?   TACLR?</a:t>
-            </a:r>
-          </a:p>
-          <a:p>
-            <a:pPr lvl="1"/>
-            <a:endParaRPr lang="en-US" sz="2000" dirty="0" smtClean="0">
-              <a:solidFill>
-                <a:schemeClr val="accent2"/>
-              </a:solidFill>
-            </a:endParaRPr>
-          </a:p>
-          <a:p>
-            <a:pPr lvl="1"/>
-            <a:r>
-              <a:rPr lang="en-US" sz="2000" dirty="0" smtClean="0">
-                <a:solidFill>
-                  <a:schemeClr val="accent2"/>
-                </a:solidFill>
-              </a:rPr>
-              <a:t>RC?       TAIFG?</a:t>
-            </a:r>
-          </a:p>
-          <a:p>
-            <a:pPr lvl="1"/>
-            <a:endParaRPr lang="en-US" sz="2000" dirty="0">
-              <a:solidFill>
-                <a:schemeClr val="accent2"/>
-              </a:solidFill>
-            </a:endParaRPr>
-          </a:p>
-          <a:p>
-            <a:pPr lvl="1"/>
-            <a:r>
-              <a:rPr lang="en-US" sz="2000" dirty="0" smtClean="0">
-                <a:solidFill>
-                  <a:schemeClr val="accent2"/>
-                </a:solidFill>
-              </a:rPr>
-              <a:t>Where can you find these bits?</a:t>
-            </a:r>
-          </a:p>
-          <a:p>
-            <a:pPr lvl="1"/>
-            <a:endParaRPr lang="en-US" sz="1600" dirty="0" smtClean="0">
-              <a:solidFill>
-                <a:schemeClr val="accent2"/>
-              </a:solidFill>
-            </a:endParaRPr>
-          </a:p>
-        </p:txBody>
-      </p:sp>
-    </p:spTree>
-    <p:extLst>
-      <p:ext uri="{BB962C8B-B14F-4D97-AF65-F5344CB8AC3E}">
-        <p14:creationId xmlns:p14="http://schemas.microsoft.com/office/powerpoint/2010/main" val="1045471096"/>
-      </p:ext>
-    </p:extLst>
-  </p:cSld>
-  <p:clrMapOvr>
-    <a:masterClrMapping/>
-  </p:clrMapOvr>
-  <mc:AlternateContent xmlns:mc="http://schemas.openxmlformats.org/markup-compatibility/2006" xmlns:p14="http://schemas.microsoft.com/office/powerpoint/2010/main">
-    <mc:Choice Requires="p14">
-      <p:transition spd="slow" p14:dur="2000"/>
-    </mc:Choice>
-    <mc:Fallback xmlns="">
-      <p:transition spd="slow"/>
-    </mc:Fallback>
-  </mc:AlternateContent>
-  <p:timing>
-    <p:tnLst>
-      <p:par>
-        <p:cTn id="1" dur="indefinite" restart="never" nodeType="tmRoot"/>
-      </p:par>
-    </p:tnLst>
-  </p:timing>
-</p:sld>
-</file>
-
-<file path=ppt/slides/slide40.xml><?xml version="1.0" encoding="utf-8"?>
+<file path=ppt/slides/slide41.xml><?xml version="1.0" encoding="utf-8"?>
 <p:sld xmlns:a="http://schemas.openxmlformats.org/drawingml/2006/main" xmlns:r="http://schemas.openxmlformats.org/officeDocument/2006/relationships" xmlns:p="http://schemas.openxmlformats.org/presentationml/2006/main">
   <p:cSld>
     <p:spTree>
@@ -29357,231 +30454,6 @@
   <p:clrMapOvr>
     <a:masterClrMapping/>
   </p:clrMapOvr>
-  <p:timing>
-    <p:tnLst>
-      <p:par>
-        <p:cTn id="1" dur="indefinite" restart="never" nodeType="tmRoot"/>
-      </p:par>
-    </p:tnLst>
-  </p:timing>
-</p:sld>
-</file>
-
-<file path=ppt/slides/slide41.xml><?xml version="1.0" encoding="utf-8"?>
-<p:sld xmlns:a="http://schemas.openxmlformats.org/drawingml/2006/main" xmlns:r="http://schemas.openxmlformats.org/officeDocument/2006/relationships" xmlns:p="http://schemas.openxmlformats.org/presentationml/2006/main" show="0">
-  <p:cSld>
-    <p:spTree>
-      <p:nvGrpSpPr>
-        <p:cNvPr id="1" name=""/>
-        <p:cNvGrpSpPr/>
-        <p:nvPr/>
-      </p:nvGrpSpPr>
-      <p:grpSpPr>
-        <a:xfrm>
-          <a:off x="0" y="0"/>
-          <a:ext cx="0" cy="0"/>
-          <a:chOff x="0" y="0"/>
-          <a:chExt cx="0" cy="0"/>
-        </a:xfrm>
-      </p:grpSpPr>
-      <p:sp>
-        <p:nvSpPr>
-          <p:cNvPr id="2" name="Title 1"/>
-          <p:cNvSpPr>
-            <a:spLocks noGrp="1"/>
-          </p:cNvSpPr>
-          <p:nvPr>
-            <p:ph type="title"/>
-          </p:nvPr>
-        </p:nvSpPr>
-        <p:spPr/>
-        <p:txBody>
-          <a:bodyPr/>
-          <a:lstStyle/>
-          <a:p>
-            <a:r>
-              <a:rPr lang="en-US" dirty="0" smtClean="0"/>
-              <a:t>In-Class Programming Exercise </a:t>
-            </a:r>
-            <a:endParaRPr lang="en-US" dirty="0"/>
-          </a:p>
-        </p:txBody>
-      </p:sp>
-      <p:sp>
-        <p:nvSpPr>
-          <p:cNvPr id="3" name="Content Placeholder 2"/>
-          <p:cNvSpPr>
-            <a:spLocks noGrp="1"/>
-          </p:cNvSpPr>
-          <p:nvPr>
-            <p:ph idx="1"/>
-          </p:nvPr>
-        </p:nvSpPr>
-        <p:spPr/>
-        <p:txBody>
-          <a:bodyPr/>
-          <a:lstStyle/>
-          <a:p>
-            <a:endParaRPr lang="en-US" sz="1800" dirty="0"/>
-          </a:p>
-        </p:txBody>
-      </p:sp>
-      <p:sp>
-        <p:nvSpPr>
-          <p:cNvPr id="4" name="Rectangle 3"/>
-          <p:cNvSpPr/>
-          <p:nvPr/>
-        </p:nvSpPr>
-        <p:spPr>
-          <a:xfrm>
-            <a:off x="3141480" y="659685"/>
-            <a:ext cx="2861040" cy="461665"/>
-          </a:xfrm>
-          <a:prstGeom prst="rect">
-            <a:avLst/>
-          </a:prstGeom>
-        </p:spPr>
-        <p:txBody>
-          <a:bodyPr wrap="none">
-            <a:spAutoFit/>
-          </a:bodyPr>
-          <a:lstStyle/>
-          <a:p>
-            <a:r>
-              <a:rPr lang="en-US" dirty="0"/>
-              <a:t>(see </a:t>
-            </a:r>
-            <a:r>
-              <a:rPr lang="en-US" dirty="0" err="1"/>
-              <a:t>interruptTones.c</a:t>
-            </a:r>
-            <a:r>
-              <a:rPr lang="en-US" dirty="0"/>
-              <a:t>)</a:t>
-            </a:r>
-          </a:p>
-        </p:txBody>
-      </p:sp>
-      <p:sp>
-        <p:nvSpPr>
-          <p:cNvPr id="7" name="Rectangle 6"/>
-          <p:cNvSpPr/>
-          <p:nvPr/>
-        </p:nvSpPr>
-        <p:spPr>
-          <a:xfrm>
-            <a:off x="0" y="6172174"/>
-            <a:ext cx="9144000" cy="707886"/>
-          </a:xfrm>
-          <a:prstGeom prst="rect">
-            <a:avLst/>
-          </a:prstGeom>
-        </p:spPr>
-        <p:txBody>
-          <a:bodyPr wrap="square">
-            <a:spAutoFit/>
-          </a:bodyPr>
-          <a:lstStyle/>
-          <a:p>
-            <a:pPr algn="ctr">
-              <a:spcBef>
-                <a:spcPts val="0"/>
-              </a:spcBef>
-            </a:pPr>
-            <a:r>
-              <a:rPr lang="en-US" sz="2000" dirty="0"/>
-              <a:t>Setup for the hooking up 3.5mm Audio Jack to the MSP430 Launchpad Board</a:t>
-            </a:r>
-          </a:p>
-          <a:p>
-            <a:pPr algn="ctr">
-              <a:spcBef>
-                <a:spcPts val="0"/>
-              </a:spcBef>
-            </a:pPr>
-            <a:r>
-              <a:rPr lang="en-US" sz="2000" dirty="0" smtClean="0"/>
-              <a:t>without </a:t>
-            </a:r>
-            <a:r>
-              <a:rPr lang="en-US" sz="2000" dirty="0"/>
-              <a:t>Volume Control</a:t>
-            </a:r>
-          </a:p>
-        </p:txBody>
-      </p:sp>
-      <p:pic>
-        <p:nvPicPr>
-          <p:cNvPr id="1026" name="Picture 2"/>
-          <p:cNvPicPr>
-            <a:picLocks noChangeAspect="1" noChangeArrowheads="1"/>
-          </p:cNvPicPr>
-          <p:nvPr/>
-        </p:nvPicPr>
-        <p:blipFill>
-          <a:blip r:embed="rId2">
-            <a:extLst>
-              <a:ext uri="{28A0092B-C50C-407E-A947-70E740481C1C}">
-                <a14:useLocalDpi xmlns:a14="http://schemas.microsoft.com/office/drawing/2010/main" val="0"/>
-              </a:ext>
-            </a:extLst>
-          </a:blip>
-          <a:srcRect/>
-          <a:stretch>
-            <a:fillRect/>
-          </a:stretch>
-        </p:blipFill>
-        <p:spPr bwMode="auto">
-          <a:xfrm>
-            <a:off x="354251" y="1385334"/>
-            <a:ext cx="8435498" cy="4769734"/>
-          </a:xfrm>
-          <a:prstGeom prst="rect">
-            <a:avLst/>
-          </a:prstGeom>
-          <a:noFill/>
-          <a:ln>
-            <a:noFill/>
-          </a:ln>
-          <a:extLst>
-            <a:ext uri="{909E8E84-426E-40DD-AFC4-6F175D3DCCD1}">
-              <a14:hiddenFill xmlns:a14="http://schemas.microsoft.com/office/drawing/2010/main">
-                <a:solidFill>
-                  <a:schemeClr val="accent1"/>
-                </a:solidFill>
-              </a14:hiddenFill>
-            </a:ext>
-            <a:ext uri="{91240B29-F687-4F45-9708-019B960494DF}">
-              <a14:hiddenLine xmlns:a14="http://schemas.microsoft.com/office/drawing/2010/main" w="9525">
-                <a:solidFill>
-                  <a:schemeClr val="tx1"/>
-                </a:solidFill>
-                <a:miter lim="800000"/>
-                <a:headEnd/>
-                <a:tailEnd/>
-              </a14:hiddenLine>
-            </a:ext>
-          </a:extLst>
-        </p:spPr>
-      </p:pic>
-    </p:spTree>
-    <p:extLst>
-      <p:ext uri="{BB962C8B-B14F-4D97-AF65-F5344CB8AC3E}">
-        <p14:creationId xmlns:p14="http://schemas.microsoft.com/office/powerpoint/2010/main" val="3104867619"/>
-      </p:ext>
-    </p:extLst>
-  </p:cSld>
-  <p:clrMapOvr>
-    <a:masterClrMapping/>
-  </p:clrMapOvr>
-  <mc:AlternateContent xmlns:mc="http://schemas.openxmlformats.org/markup-compatibility/2006" xmlns:p14="http://schemas.microsoft.com/office/powerpoint/2010/main">
-    <mc:Choice Requires="p14">
-      <p:transition spd="slow" p14:dur="2000"/>
-    </mc:Choice>
-    <mc:Fallback xmlns="">
-      <p:transition spd="slow"/>
-    </mc:Fallback>
-  </mc:AlternateContent>
   <p:timing>
     <p:tnLst>
       <p:par>
@@ -29737,6 +30609,231 @@
       </p:sp>
       <p:pic>
         <p:nvPicPr>
+          <p:cNvPr id="1026" name="Picture 2"/>
+          <p:cNvPicPr>
+            <a:picLocks noChangeAspect="1" noChangeArrowheads="1"/>
+          </p:cNvPicPr>
+          <p:nvPr/>
+        </p:nvPicPr>
+        <p:blipFill>
+          <a:blip r:embed="rId2">
+            <a:extLst>
+              <a:ext uri="{28A0092B-C50C-407E-A947-70E740481C1C}">
+                <a14:useLocalDpi xmlns:a14="http://schemas.microsoft.com/office/drawing/2010/main" val="0"/>
+              </a:ext>
+            </a:extLst>
+          </a:blip>
+          <a:srcRect/>
+          <a:stretch>
+            <a:fillRect/>
+          </a:stretch>
+        </p:blipFill>
+        <p:spPr bwMode="auto">
+          <a:xfrm>
+            <a:off x="354251" y="1385334"/>
+            <a:ext cx="8435498" cy="4769734"/>
+          </a:xfrm>
+          <a:prstGeom prst="rect">
+            <a:avLst/>
+          </a:prstGeom>
+          <a:noFill/>
+          <a:ln>
+            <a:noFill/>
+          </a:ln>
+          <a:extLst>
+            <a:ext uri="{909E8E84-426E-40DD-AFC4-6F175D3DCCD1}">
+              <a14:hiddenFill xmlns:a14="http://schemas.microsoft.com/office/drawing/2010/main">
+                <a:solidFill>
+                  <a:schemeClr val="accent1"/>
+                </a:solidFill>
+              </a14:hiddenFill>
+            </a:ext>
+            <a:ext uri="{91240B29-F687-4F45-9708-019B960494DF}">
+              <a14:hiddenLine xmlns:a14="http://schemas.microsoft.com/office/drawing/2010/main" w="9525">
+                <a:solidFill>
+                  <a:schemeClr val="tx1"/>
+                </a:solidFill>
+                <a:miter lim="800000"/>
+                <a:headEnd/>
+                <a:tailEnd/>
+              </a14:hiddenLine>
+            </a:ext>
+          </a:extLst>
+        </p:spPr>
+      </p:pic>
+    </p:spTree>
+    <p:extLst>
+      <p:ext uri="{BB962C8B-B14F-4D97-AF65-F5344CB8AC3E}">
+        <p14:creationId xmlns:p14="http://schemas.microsoft.com/office/powerpoint/2010/main" val="3104867619"/>
+      </p:ext>
+    </p:extLst>
+  </p:cSld>
+  <p:clrMapOvr>
+    <a:masterClrMapping/>
+  </p:clrMapOvr>
+  <mc:AlternateContent xmlns:mc="http://schemas.openxmlformats.org/markup-compatibility/2006" xmlns:p14="http://schemas.microsoft.com/office/powerpoint/2010/main">
+    <mc:Choice Requires="p14">
+      <p:transition spd="slow" p14:dur="2000"/>
+    </mc:Choice>
+    <mc:Fallback xmlns="">
+      <p:transition spd="slow"/>
+    </mc:Fallback>
+  </mc:AlternateContent>
+  <p:timing>
+    <p:tnLst>
+      <p:par>
+        <p:cTn id="1" dur="indefinite" restart="never" nodeType="tmRoot"/>
+      </p:par>
+    </p:tnLst>
+  </p:timing>
+</p:sld>
+</file>
+
+<file path=ppt/slides/slide43.xml><?xml version="1.0" encoding="utf-8"?>
+<p:sld xmlns:a="http://schemas.openxmlformats.org/drawingml/2006/main" xmlns:r="http://schemas.openxmlformats.org/officeDocument/2006/relationships" xmlns:p="http://schemas.openxmlformats.org/presentationml/2006/main" show="0">
+  <p:cSld>
+    <p:spTree>
+      <p:nvGrpSpPr>
+        <p:cNvPr id="1" name=""/>
+        <p:cNvGrpSpPr/>
+        <p:nvPr/>
+      </p:nvGrpSpPr>
+      <p:grpSpPr>
+        <a:xfrm>
+          <a:off x="0" y="0"/>
+          <a:ext cx="0" cy="0"/>
+          <a:chOff x="0" y="0"/>
+          <a:chExt cx="0" cy="0"/>
+        </a:xfrm>
+      </p:grpSpPr>
+      <p:sp>
+        <p:nvSpPr>
+          <p:cNvPr id="2" name="Title 1"/>
+          <p:cNvSpPr>
+            <a:spLocks noGrp="1"/>
+          </p:cNvSpPr>
+          <p:nvPr>
+            <p:ph type="title"/>
+          </p:nvPr>
+        </p:nvSpPr>
+        <p:spPr/>
+        <p:txBody>
+          <a:bodyPr/>
+          <a:lstStyle/>
+          <a:p>
+            <a:r>
+              <a:rPr lang="en-US" dirty="0" smtClean="0"/>
+              <a:t>In-Class Programming Exercise </a:t>
+            </a:r>
+            <a:endParaRPr lang="en-US" dirty="0"/>
+          </a:p>
+        </p:txBody>
+      </p:sp>
+      <p:sp>
+        <p:nvSpPr>
+          <p:cNvPr id="3" name="Content Placeholder 2"/>
+          <p:cNvSpPr>
+            <a:spLocks noGrp="1"/>
+          </p:cNvSpPr>
+          <p:nvPr>
+            <p:ph idx="1"/>
+          </p:nvPr>
+        </p:nvSpPr>
+        <p:spPr/>
+        <p:txBody>
+          <a:bodyPr/>
+          <a:lstStyle/>
+          <a:p>
+            <a:endParaRPr lang="en-US" sz="1800" dirty="0"/>
+          </a:p>
+        </p:txBody>
+      </p:sp>
+      <p:sp>
+        <p:nvSpPr>
+          <p:cNvPr id="4" name="Rectangle 3"/>
+          <p:cNvSpPr/>
+          <p:nvPr/>
+        </p:nvSpPr>
+        <p:spPr>
+          <a:xfrm>
+            <a:off x="3141480" y="659685"/>
+            <a:ext cx="2861040" cy="461665"/>
+          </a:xfrm>
+          <a:prstGeom prst="rect">
+            <a:avLst/>
+          </a:prstGeom>
+        </p:spPr>
+        <p:txBody>
+          <a:bodyPr wrap="none">
+            <a:spAutoFit/>
+          </a:bodyPr>
+          <a:lstStyle/>
+          <a:p>
+            <a:r>
+              <a:rPr lang="en-US" dirty="0"/>
+              <a:t>(see </a:t>
+            </a:r>
+            <a:r>
+              <a:rPr lang="en-US" dirty="0" err="1"/>
+              <a:t>interruptTones.c</a:t>
+            </a:r>
+            <a:r>
+              <a:rPr lang="en-US" dirty="0"/>
+              <a:t>)</a:t>
+            </a:r>
+          </a:p>
+        </p:txBody>
+      </p:sp>
+      <p:sp>
+        <p:nvSpPr>
+          <p:cNvPr id="7" name="Rectangle 6"/>
+          <p:cNvSpPr/>
+          <p:nvPr/>
+        </p:nvSpPr>
+        <p:spPr>
+          <a:xfrm>
+            <a:off x="0" y="6172174"/>
+            <a:ext cx="9144000" cy="707886"/>
+          </a:xfrm>
+          <a:prstGeom prst="rect">
+            <a:avLst/>
+          </a:prstGeom>
+        </p:spPr>
+        <p:txBody>
+          <a:bodyPr wrap="square">
+            <a:spAutoFit/>
+          </a:bodyPr>
+          <a:lstStyle/>
+          <a:p>
+            <a:pPr algn="ctr">
+              <a:spcBef>
+                <a:spcPts val="0"/>
+              </a:spcBef>
+            </a:pPr>
+            <a:r>
+              <a:rPr lang="en-US" sz="2000" dirty="0"/>
+              <a:t>Setup for the hooking up 3.5mm Audio Jack to the MSP430 Launchpad Board</a:t>
+            </a:r>
+          </a:p>
+          <a:p>
+            <a:pPr algn="ctr">
+              <a:spcBef>
+                <a:spcPts val="0"/>
+              </a:spcBef>
+            </a:pPr>
+            <a:r>
+              <a:rPr lang="en-US" sz="2000" dirty="0" smtClean="0"/>
+              <a:t>without </a:t>
+            </a:r>
+            <a:r>
+              <a:rPr lang="en-US" sz="2000" dirty="0"/>
+              <a:t>Volume Control</a:t>
+            </a:r>
+          </a:p>
+        </p:txBody>
+      </p:sp>
+      <p:pic>
+        <p:nvPicPr>
           <p:cNvPr id="3074" name="Picture 2"/>
           <p:cNvPicPr>
             <a:picLocks noChangeAspect="1" noChangeArrowheads="1"/>
@@ -29807,224 +30904,6 @@
       <p:transition spd="slow"/>
     </mc:Fallback>
   </mc:AlternateContent>
-  <p:timing>
-    <p:tnLst>
-      <p:par>
-        <p:cTn id="1" dur="indefinite" restart="never" nodeType="tmRoot"/>
-      </p:par>
-    </p:tnLst>
-  </p:timing>
-</p:sld>
-</file>
-
-<file path=ppt/slides/slide43.xml><?xml version="1.0" encoding="utf-8"?>
-<p:sld xmlns:a="http://schemas.openxmlformats.org/drawingml/2006/main" xmlns:r="http://schemas.openxmlformats.org/officeDocument/2006/relationships" xmlns:p="http://schemas.openxmlformats.org/presentationml/2006/main">
-  <p:cSld>
-    <p:spTree>
-      <p:nvGrpSpPr>
-        <p:cNvPr id="1" name=""/>
-        <p:cNvGrpSpPr/>
-        <p:nvPr/>
-      </p:nvGrpSpPr>
-      <p:grpSpPr>
-        <a:xfrm>
-          <a:off x="0" y="0"/>
-          <a:ext cx="0" cy="0"/>
-          <a:chOff x="0" y="0"/>
-          <a:chExt cx="0" cy="0"/>
-        </a:xfrm>
-      </p:grpSpPr>
-      <p:sp>
-        <p:nvSpPr>
-          <p:cNvPr id="2" name="Title 1"/>
-          <p:cNvSpPr>
-            <a:spLocks noGrp="1"/>
-          </p:cNvSpPr>
-          <p:nvPr>
-            <p:ph type="title"/>
-          </p:nvPr>
-        </p:nvSpPr>
-        <p:spPr/>
-        <p:txBody>
-          <a:bodyPr/>
-          <a:lstStyle/>
-          <a:p>
-            <a:r>
-              <a:rPr lang="en-US" dirty="0" smtClean="0"/>
-              <a:t>In-Class Programming Exercise </a:t>
-            </a:r>
-            <a:endParaRPr lang="en-US" dirty="0"/>
-          </a:p>
-        </p:txBody>
-      </p:sp>
-      <p:sp>
-        <p:nvSpPr>
-          <p:cNvPr id="3" name="Content Placeholder 2"/>
-          <p:cNvSpPr>
-            <a:spLocks noGrp="1"/>
-          </p:cNvSpPr>
-          <p:nvPr>
-            <p:ph idx="1"/>
-          </p:nvPr>
-        </p:nvSpPr>
-        <p:spPr/>
-        <p:txBody>
-          <a:bodyPr/>
-          <a:lstStyle/>
-          <a:p>
-            <a:endParaRPr lang="en-US" sz="1800" dirty="0"/>
-          </a:p>
-        </p:txBody>
-      </p:sp>
-      <p:sp>
-        <p:nvSpPr>
-          <p:cNvPr id="4" name="Rectangle 3"/>
-          <p:cNvSpPr/>
-          <p:nvPr/>
-        </p:nvSpPr>
-        <p:spPr>
-          <a:xfrm>
-            <a:off x="3141480" y="659685"/>
-            <a:ext cx="2861040" cy="461665"/>
-          </a:xfrm>
-          <a:prstGeom prst="rect">
-            <a:avLst/>
-          </a:prstGeom>
-        </p:spPr>
-        <p:txBody>
-          <a:bodyPr wrap="none">
-            <a:spAutoFit/>
-          </a:bodyPr>
-          <a:lstStyle/>
-          <a:p>
-            <a:r>
-              <a:rPr lang="en-US" dirty="0"/>
-              <a:t>(see </a:t>
-            </a:r>
-            <a:r>
-              <a:rPr lang="en-US" dirty="0" err="1"/>
-              <a:t>interruptTones.c</a:t>
-            </a:r>
-            <a:r>
-              <a:rPr lang="en-US" dirty="0"/>
-              <a:t>)</a:t>
-            </a:r>
-          </a:p>
-        </p:txBody>
-      </p:sp>
-      <p:sp>
-        <p:nvSpPr>
-          <p:cNvPr id="7" name="Rectangle 6"/>
-          <p:cNvSpPr/>
-          <p:nvPr/>
-        </p:nvSpPr>
-        <p:spPr>
-          <a:xfrm>
-            <a:off x="0" y="6172174"/>
-            <a:ext cx="9144000" cy="707886"/>
-          </a:xfrm>
-          <a:prstGeom prst="rect">
-            <a:avLst/>
-          </a:prstGeom>
-        </p:spPr>
-        <p:txBody>
-          <a:bodyPr wrap="square">
-            <a:spAutoFit/>
-          </a:bodyPr>
-          <a:lstStyle/>
-          <a:p>
-            <a:pPr algn="ctr">
-              <a:spcBef>
-                <a:spcPts val="0"/>
-              </a:spcBef>
-            </a:pPr>
-            <a:r>
-              <a:rPr lang="en-US" sz="2000" dirty="0"/>
-              <a:t>Setup for the hooking up 3.5mm Audio Jack to the MSP430 Launchpad </a:t>
-            </a:r>
-            <a:r>
-              <a:rPr lang="en-US" sz="2000" dirty="0" smtClean="0"/>
-              <a:t>Board</a:t>
-            </a:r>
-          </a:p>
-          <a:p>
-            <a:pPr algn="ctr">
-              <a:spcBef>
-                <a:spcPts val="0"/>
-              </a:spcBef>
-            </a:pPr>
-            <a:r>
-              <a:rPr lang="en-US" sz="2000" dirty="0" smtClean="0"/>
-              <a:t>with Volume Control</a:t>
-            </a:r>
-            <a:endParaRPr lang="en-US" sz="2000" dirty="0"/>
-          </a:p>
-        </p:txBody>
-      </p:sp>
-      <p:pic>
-        <p:nvPicPr>
-          <p:cNvPr id="8" name="Picture 2"/>
-          <p:cNvPicPr>
-            <a:picLocks noChangeAspect="1" noChangeArrowheads="1"/>
-          </p:cNvPicPr>
-          <p:nvPr/>
-        </p:nvPicPr>
-        <p:blipFill>
-          <a:blip r:embed="rId2">
-            <a:extLst>
-              <a:ext uri="{28A0092B-C50C-407E-A947-70E740481C1C}">
-                <a14:useLocalDpi xmlns:a14="http://schemas.microsoft.com/office/drawing/2010/main" val="0"/>
-              </a:ext>
-            </a:extLst>
-          </a:blip>
-          <a:srcRect/>
-          <a:stretch>
-            <a:fillRect/>
-          </a:stretch>
-        </p:blipFill>
-        <p:spPr bwMode="auto">
-          <a:xfrm>
-            <a:off x="354251" y="1377857"/>
-            <a:ext cx="8435498" cy="4757392"/>
-          </a:xfrm>
-          <a:prstGeom prst="rect">
-            <a:avLst/>
-          </a:prstGeom>
-          <a:noFill/>
-          <a:ln>
-            <a:noFill/>
-          </a:ln>
-          <a:extLst>
-            <a:ext uri="{909E8E84-426E-40DD-AFC4-6F175D3DCCD1}">
-              <a14:hiddenFill xmlns:a14="http://schemas.microsoft.com/office/drawing/2010/main">
-                <a:solidFill>
-                  <a:schemeClr val="accent1"/>
-                </a:solidFill>
-              </a14:hiddenFill>
-            </a:ext>
-            <a:ext uri="{91240B29-F687-4F45-9708-019B960494DF}">
-              <a14:hiddenLine xmlns:a14="http://schemas.microsoft.com/office/drawing/2010/main" w="9525">
-                <a:solidFill>
-                  <a:schemeClr val="tx1"/>
-                </a:solidFill>
-                <a:miter lim="800000"/>
-                <a:headEnd/>
-                <a:tailEnd/>
-              </a14:hiddenLine>
-            </a:ext>
-          </a:extLst>
-        </p:spPr>
-      </p:pic>
-    </p:spTree>
-    <p:extLst>
-      <p:ext uri="{BB962C8B-B14F-4D97-AF65-F5344CB8AC3E}">
-        <p14:creationId xmlns:p14="http://schemas.microsoft.com/office/powerpoint/2010/main" val="271665016"/>
-      </p:ext>
-    </p:extLst>
-  </p:cSld>
-  <p:clrMapOvr>
-    <a:masterClrMapping/>
-  </p:clrMapOvr>
   <p:timing>
     <p:tnLst>
       <p:par>
@@ -30181,7 +31060,7 @@
       </p:sp>
       <p:pic>
         <p:nvPicPr>
-          <p:cNvPr id="4098" name="Picture 2"/>
+          <p:cNvPr id="8" name="Picture 2"/>
           <p:cNvPicPr>
             <a:picLocks noChangeAspect="1" noChangeArrowheads="1"/>
           </p:cNvPicPr>
@@ -30202,8 +31081,8 @@
         </p:blipFill>
         <p:spPr bwMode="auto">
           <a:xfrm>
-            <a:off x="407869" y="1660156"/>
-            <a:ext cx="8367642" cy="4274680"/>
+            <a:off x="354251" y="1377857"/>
+            <a:ext cx="8435498" cy="4757392"/>
           </a:xfrm>
           <a:prstGeom prst="rect">
             <a:avLst/>
@@ -30236,7 +31115,7 @@
     </p:spTree>
     <p:extLst>
       <p:ext uri="{BB962C8B-B14F-4D97-AF65-F5344CB8AC3E}">
-        <p14:creationId xmlns:p14="http://schemas.microsoft.com/office/powerpoint/2010/main" val="4167043525"/>
+        <p14:creationId xmlns:p14="http://schemas.microsoft.com/office/powerpoint/2010/main" val="271665016"/>
       </p:ext>
     </p:extLst>
   </p:cSld>
@@ -30272,26 +31151,7 @@
       </p:grpSpPr>
       <p:sp>
         <p:nvSpPr>
-          <p:cNvPr id="5" name="Subtitle 4"/>
-          <p:cNvSpPr>
-            <a:spLocks noGrp="1"/>
-          </p:cNvSpPr>
-          <p:nvPr>
-            <p:ph type="subTitle" idx="1"/>
-          </p:nvPr>
-        </p:nvSpPr>
-        <p:spPr/>
-        <p:txBody>
-          <a:bodyPr/>
-          <a:lstStyle/>
-          <a:p>
-            <a:endParaRPr lang="en-US" dirty="0"/>
-          </a:p>
-        </p:txBody>
-      </p:sp>
-      <p:sp>
-        <p:nvSpPr>
-          <p:cNvPr id="4" name="Title 3"/>
+          <p:cNvPr id="2" name="Title 1"/>
           <p:cNvSpPr>
             <a:spLocks noGrp="1"/>
           </p:cNvSpPr>
@@ -30306,23 +31166,180 @@
           <a:p>
             <a:r>
               <a:rPr lang="en-US" dirty="0" smtClean="0"/>
-              <a:t>BACKUPS</a:t>
+              <a:t>In-Class Programming Exercise </a:t>
             </a:r>
             <a:endParaRPr lang="en-US" dirty="0"/>
           </a:p>
         </p:txBody>
       </p:sp>
+      <p:sp>
+        <p:nvSpPr>
+          <p:cNvPr id="3" name="Content Placeholder 2"/>
+          <p:cNvSpPr>
+            <a:spLocks noGrp="1"/>
+          </p:cNvSpPr>
+          <p:nvPr>
+            <p:ph idx="1"/>
+          </p:nvPr>
+        </p:nvSpPr>
+        <p:spPr/>
+        <p:txBody>
+          <a:bodyPr/>
+          <a:lstStyle/>
+          <a:p>
+            <a:endParaRPr lang="en-US" sz="1800" dirty="0"/>
+          </a:p>
+        </p:txBody>
+      </p:sp>
+      <p:sp>
+        <p:nvSpPr>
+          <p:cNvPr id="4" name="Rectangle 3"/>
+          <p:cNvSpPr/>
+          <p:nvPr/>
+        </p:nvSpPr>
+        <p:spPr>
+          <a:xfrm>
+            <a:off x="3141480" y="659685"/>
+            <a:ext cx="2861040" cy="461665"/>
+          </a:xfrm>
+          <a:prstGeom prst="rect">
+            <a:avLst/>
+          </a:prstGeom>
+        </p:spPr>
+        <p:txBody>
+          <a:bodyPr wrap="none">
+            <a:spAutoFit/>
+          </a:bodyPr>
+          <a:lstStyle/>
+          <a:p>
+            <a:r>
+              <a:rPr lang="en-US" dirty="0"/>
+              <a:t>(see </a:t>
+            </a:r>
+            <a:r>
+              <a:rPr lang="en-US" dirty="0" err="1"/>
+              <a:t>interruptTones.c</a:t>
+            </a:r>
+            <a:r>
+              <a:rPr lang="en-US" dirty="0"/>
+              <a:t>)</a:t>
+            </a:r>
+          </a:p>
+        </p:txBody>
+      </p:sp>
+      <p:sp>
+        <p:nvSpPr>
+          <p:cNvPr id="7" name="Rectangle 6"/>
+          <p:cNvSpPr/>
+          <p:nvPr/>
+        </p:nvSpPr>
+        <p:spPr>
+          <a:xfrm>
+            <a:off x="0" y="6172174"/>
+            <a:ext cx="9144000" cy="707886"/>
+          </a:xfrm>
+          <a:prstGeom prst="rect">
+            <a:avLst/>
+          </a:prstGeom>
+        </p:spPr>
+        <p:txBody>
+          <a:bodyPr wrap="square">
+            <a:spAutoFit/>
+          </a:bodyPr>
+          <a:lstStyle/>
+          <a:p>
+            <a:pPr algn="ctr">
+              <a:spcBef>
+                <a:spcPts val="0"/>
+              </a:spcBef>
+            </a:pPr>
+            <a:r>
+              <a:rPr lang="en-US" sz="2000" dirty="0"/>
+              <a:t>Setup for the hooking up 3.5mm Audio Jack to the MSP430 Launchpad </a:t>
+            </a:r>
+            <a:r>
+              <a:rPr lang="en-US" sz="2000" dirty="0" smtClean="0"/>
+              <a:t>Board</a:t>
+            </a:r>
+          </a:p>
+          <a:p>
+            <a:pPr algn="ctr">
+              <a:spcBef>
+                <a:spcPts val="0"/>
+              </a:spcBef>
+            </a:pPr>
+            <a:r>
+              <a:rPr lang="en-US" sz="2000" dirty="0" smtClean="0"/>
+              <a:t>with Volume Control</a:t>
+            </a:r>
+            <a:endParaRPr lang="en-US" sz="2000" dirty="0"/>
+          </a:p>
+        </p:txBody>
+      </p:sp>
+      <p:pic>
+        <p:nvPicPr>
+          <p:cNvPr id="4098" name="Picture 2"/>
+          <p:cNvPicPr>
+            <a:picLocks noChangeAspect="1" noChangeArrowheads="1"/>
+          </p:cNvPicPr>
+          <p:nvPr/>
+        </p:nvPicPr>
+        <p:blipFill>
+          <a:blip r:embed="rId2">
+            <a:extLst>
+              <a:ext uri="{28A0092B-C50C-407E-A947-70E740481C1C}">
+                <a14:useLocalDpi xmlns:a14="http://schemas.microsoft.com/office/drawing/2010/main" val="0"/>
+              </a:ext>
+            </a:extLst>
+          </a:blip>
+          <a:srcRect/>
+          <a:stretch>
+            <a:fillRect/>
+          </a:stretch>
+        </p:blipFill>
+        <p:spPr bwMode="auto">
+          <a:xfrm>
+            <a:off x="407869" y="1660156"/>
+            <a:ext cx="8367642" cy="4274680"/>
+          </a:xfrm>
+          <a:prstGeom prst="rect">
+            <a:avLst/>
+          </a:prstGeom>
+          <a:noFill/>
+          <a:ln>
+            <a:noFill/>
+          </a:ln>
+          <a:extLst>
+            <a:ext uri="{909E8E84-426E-40DD-AFC4-6F175D3DCCD1}">
+              <a14:hiddenFill xmlns:a14="http://schemas.microsoft.com/office/drawing/2010/main">
+                <a:solidFill>
+                  <a:schemeClr val="accent1"/>
+                </a:solidFill>
+              </a14:hiddenFill>
+            </a:ext>
+            <a:ext uri="{91240B29-F687-4F45-9708-019B960494DF}">
+              <a14:hiddenLine xmlns:a14="http://schemas.microsoft.com/office/drawing/2010/main" w="9525">
+                <a:solidFill>
+                  <a:schemeClr val="tx1"/>
+                </a:solidFill>
+                <a:miter lim="800000"/>
+                <a:headEnd/>
+                <a:tailEnd/>
+              </a14:hiddenLine>
+            </a:ext>
+          </a:extLst>
+        </p:spPr>
+      </p:pic>
     </p:spTree>
     <p:extLst>
       <p:ext uri="{BB962C8B-B14F-4D97-AF65-F5344CB8AC3E}">
-        <p14:creationId xmlns:p14="http://schemas.microsoft.com/office/powerpoint/2010/main" val="3003632033"/>
+        <p14:creationId xmlns:p14="http://schemas.microsoft.com/office/powerpoint/2010/main" val="4167043525"/>
       </p:ext>
     </p:extLst>
   </p:cSld>
   <p:clrMapOvr>
     <a:masterClrMapping/>
   </p:clrMapOvr>
-  <p:transition spd="med"/>
   <p:timing>
     <p:tnLst>
       <p:par>
@@ -30352,7 +31369,26 @@
       </p:grpSpPr>
       <p:sp>
         <p:nvSpPr>
-          <p:cNvPr id="2" name="Title 1"/>
+          <p:cNvPr id="5" name="Subtitle 4"/>
+          <p:cNvSpPr>
+            <a:spLocks noGrp="1"/>
+          </p:cNvSpPr>
+          <p:nvPr>
+            <p:ph type="subTitle" idx="1"/>
+          </p:nvPr>
+        </p:nvSpPr>
+        <p:spPr/>
+        <p:txBody>
+          <a:bodyPr/>
+          <a:lstStyle/>
+          <a:p>
+            <a:endParaRPr lang="en-US" dirty="0"/>
+          </a:p>
+        </p:txBody>
+      </p:sp>
+      <p:sp>
+        <p:nvSpPr>
+          <p:cNvPr id="4" name="Title 3"/>
           <p:cNvSpPr>
             <a:spLocks noGrp="1"/>
           </p:cNvSpPr>
@@ -30367,63 +31403,23 @@
           <a:p>
             <a:r>
               <a:rPr lang="en-US" dirty="0" smtClean="0"/>
-              <a:t>Mimic DC Values</a:t>
+              <a:t>BACKUPS</a:t>
             </a:r>
             <a:endParaRPr lang="en-US" dirty="0"/>
           </a:p>
         </p:txBody>
       </p:sp>
-      <p:pic>
-        <p:nvPicPr>
-          <p:cNvPr id="1028" name="Picture 4" descr="Image result for pwm signal motor controller"/>
-          <p:cNvPicPr>
-            <a:picLocks noChangeAspect="1" noChangeArrowheads="1"/>
-          </p:cNvPicPr>
-          <p:nvPr/>
-        </p:nvPicPr>
-        <p:blipFill>
-          <a:blip r:embed="rId2">
-            <a:extLst>
-              <a:ext uri="{28A0092B-C50C-407E-A947-70E740481C1C}">
-                <a14:useLocalDpi xmlns:a14="http://schemas.microsoft.com/office/drawing/2010/main" val="0"/>
-              </a:ext>
-            </a:extLst>
-          </a:blip>
-          <a:srcRect/>
-          <a:stretch>
-            <a:fillRect/>
-          </a:stretch>
-        </p:blipFill>
-        <p:spPr bwMode="auto">
-          <a:xfrm>
-            <a:off x="917574" y="1011237"/>
-            <a:ext cx="7743825" cy="5095876"/>
-          </a:xfrm>
-          <a:prstGeom prst="rect">
-            <a:avLst/>
-          </a:prstGeom>
-          <a:noFill/>
-          <a:extLst>
-            <a:ext uri="{909E8E84-426E-40DD-AFC4-6F175D3DCCD1}">
-              <a14:hiddenFill xmlns:a14="http://schemas.microsoft.com/office/drawing/2010/main">
-                <a:solidFill>
-                  <a:srgbClr val="FFFFFF"/>
-                </a:solidFill>
-              </a14:hiddenFill>
-            </a:ext>
-          </a:extLst>
-        </p:spPr>
-      </p:pic>
     </p:spTree>
     <p:extLst>
       <p:ext uri="{BB962C8B-B14F-4D97-AF65-F5344CB8AC3E}">
-        <p14:creationId xmlns:p14="http://schemas.microsoft.com/office/powerpoint/2010/main" val="2024326471"/>
+        <p14:creationId xmlns:p14="http://schemas.microsoft.com/office/powerpoint/2010/main" val="3003632033"/>
       </p:ext>
     </p:extLst>
   </p:cSld>
   <p:clrMapOvr>
     <a:masterClrMapping/>
   </p:clrMapOvr>
+  <p:transition spd="med"/>
   <p:timing>
     <p:tnLst>
       <p:par>
@@ -30468,7 +31464,7 @@
           <a:p>
             <a:r>
               <a:rPr lang="en-US" dirty="0" smtClean="0"/>
-              <a:t>Servos</a:t>
+              <a:t>Mimic DC Values</a:t>
             </a:r>
             <a:endParaRPr lang="en-US" dirty="0"/>
           </a:p>
@@ -30476,7 +31472,7 @@
       </p:sp>
       <p:pic>
         <p:nvPicPr>
-          <p:cNvPr id="2050" name="Picture 2" descr="Image result for pwm signal motor controller"/>
+          <p:cNvPr id="1028" name="Picture 4" descr="Image result for pwm signal motor controller"/>
           <p:cNvPicPr>
             <a:picLocks noChangeAspect="1" noChangeArrowheads="1"/>
           </p:cNvPicPr>
@@ -30497,8 +31493,8 @@
         </p:blipFill>
         <p:spPr bwMode="auto">
           <a:xfrm>
-            <a:off x="1470025" y="1600200"/>
-            <a:ext cx="6076950" cy="4457700"/>
+            <a:off x="917574" y="1011237"/>
+            <a:ext cx="7743825" cy="5095876"/>
           </a:xfrm>
           <a:prstGeom prst="rect">
             <a:avLst/>
@@ -30518,7 +31514,7 @@
     </p:spTree>
     <p:extLst>
       <p:ext uri="{BB962C8B-B14F-4D97-AF65-F5344CB8AC3E}">
-        <p14:creationId xmlns:p14="http://schemas.microsoft.com/office/powerpoint/2010/main" val="1631319974"/>
+        <p14:creationId xmlns:p14="http://schemas.microsoft.com/office/powerpoint/2010/main" val="2024326471"/>
       </p:ext>
     </p:extLst>
   </p:cSld>
@@ -30569,91 +31565,15 @@
           <a:p>
             <a:r>
               <a:rPr lang="en-US" dirty="0" smtClean="0"/>
-              <a:t>Buzzer</a:t>
+              <a:t>Servos</a:t>
             </a:r>
             <a:endParaRPr lang="en-US" dirty="0"/>
-          </a:p>
-        </p:txBody>
-      </p:sp>
-      <p:sp>
-        <p:nvSpPr>
-          <p:cNvPr id="4" name="Content Placeholder 3"/>
-          <p:cNvSpPr>
-            <a:spLocks noGrp="1"/>
-          </p:cNvSpPr>
-          <p:nvPr>
-            <p:ph idx="1"/>
-          </p:nvPr>
-        </p:nvSpPr>
-        <p:spPr>
-          <a:xfrm>
-            <a:off x="685800" y="1371600"/>
-            <a:ext cx="4676775" cy="4724400"/>
-          </a:xfrm>
-        </p:spPr>
-        <p:txBody>
-          <a:bodyPr/>
-          <a:lstStyle/>
-          <a:p>
-            <a:r>
-              <a:rPr lang="en-US" dirty="0" smtClean="0"/>
-              <a:t>Piezoelectric</a:t>
-            </a:r>
-          </a:p>
-          <a:p>
-            <a:pPr lvl="1"/>
-            <a:r>
-              <a:rPr lang="en-US" dirty="0" smtClean="0"/>
-              <a:t>By applying an electric field to a piezoelectric material, it will shrink or grow causing the base material to bend. </a:t>
-            </a:r>
-            <a:endParaRPr lang="en-US" dirty="0"/>
-          </a:p>
-        </p:txBody>
-      </p:sp>
-      <p:sp>
-        <p:nvSpPr>
-          <p:cNvPr id="3" name="Footer Placeholder 2"/>
-          <p:cNvSpPr>
-            <a:spLocks noGrp="1"/>
-          </p:cNvSpPr>
-          <p:nvPr>
-            <p:ph type="ftr" sz="quarter" idx="4294967295"/>
-          </p:nvPr>
-        </p:nvSpPr>
-        <p:spPr>
-          <a:xfrm>
-            <a:off x="4379913" y="6494463"/>
-            <a:ext cx="4764087" cy="228600"/>
-          </a:xfrm>
-          <a:prstGeom prst="rect">
-            <a:avLst/>
-          </a:prstGeom>
-        </p:spPr>
-        <p:txBody>
-          <a:bodyPr/>
-          <a:lstStyle/>
-          <a:p>
-            <a:pPr>
-              <a:defRPr/>
-            </a:pPr>
-            <a:r>
-              <a:rPr lang="en-US" smtClean="0"/>
-              <a:t>EE 382 Microcontroller Programming – Fall 2007 – Slide #</a:t>
-            </a:r>
-            <a:fld id="{28889C48-89AD-4887-A779-AFCE75A8529B}" type="slidenum">
-              <a:rPr lang="en-US" smtClean="0"/>
-              <a:pPr>
-                <a:defRPr/>
-              </a:pPr>
-              <a:t>48</a:t>
-            </a:fld>
-            <a:endParaRPr lang="en-US"/>
           </a:p>
         </p:txBody>
       </p:sp>
       <p:pic>
         <p:nvPicPr>
-          <p:cNvPr id="3076" name="Picture 4" descr="https://www.allaboutcircuits.com/uploads/articles/speaker.gif"/>
+          <p:cNvPr id="2050" name="Picture 2" descr="Image result for pwm signal motor controller"/>
           <p:cNvPicPr>
             <a:picLocks noChangeAspect="1" noChangeArrowheads="1"/>
           </p:cNvPicPr>
@@ -30674,8 +31594,8 @@
         </p:blipFill>
         <p:spPr bwMode="auto">
           <a:xfrm>
-            <a:off x="6137275" y="1731962"/>
-            <a:ext cx="2619375" cy="4114801"/>
+            <a:off x="1470025" y="1600200"/>
+            <a:ext cx="6076950" cy="4457700"/>
           </a:xfrm>
           <a:prstGeom prst="rect">
             <a:avLst/>
@@ -30695,160 +31615,7 @@
     </p:spTree>
     <p:extLst>
       <p:ext uri="{BB962C8B-B14F-4D97-AF65-F5344CB8AC3E}">
-        <p14:creationId xmlns:p14="http://schemas.microsoft.com/office/powerpoint/2010/main" val="2784171658"/>
-      </p:ext>
-    </p:extLst>
-  </p:cSld>
-  <p:clrMapOvr>
-    <a:masterClrMapping/>
-  </p:clrMapOvr>
-  <p:timing>
-    <p:tnLst>
-      <p:par>
-        <p:cTn id="1" dur="indefinite" restart="never" nodeType="tmRoot"/>
-      </p:par>
-    </p:tnLst>
-  </p:timing>
-</p:sld>
-</file>
-
-<file path=ppt/slides/slide49.xml><?xml version="1.0" encoding="utf-8"?>
-<p:sld xmlns:a="http://schemas.openxmlformats.org/drawingml/2006/main" xmlns:r="http://schemas.openxmlformats.org/officeDocument/2006/relationships" xmlns:p="http://schemas.openxmlformats.org/presentationml/2006/main">
-  <p:cSld>
-    <p:spTree>
-      <p:nvGrpSpPr>
-        <p:cNvPr id="1" name=""/>
-        <p:cNvGrpSpPr/>
-        <p:nvPr/>
-      </p:nvGrpSpPr>
-      <p:grpSpPr>
-        <a:xfrm>
-          <a:off x="0" y="0"/>
-          <a:ext cx="0" cy="0"/>
-          <a:chOff x="0" y="0"/>
-          <a:chExt cx="0" cy="0"/>
-        </a:xfrm>
-      </p:grpSpPr>
-      <p:sp>
-        <p:nvSpPr>
-          <p:cNvPr id="4" name="Title 3"/>
-          <p:cNvSpPr>
-            <a:spLocks noGrp="1"/>
-          </p:cNvSpPr>
-          <p:nvPr>
-            <p:ph type="title"/>
-          </p:nvPr>
-        </p:nvSpPr>
-        <p:spPr/>
-        <p:txBody>
-          <a:bodyPr/>
-          <a:lstStyle/>
-          <a:p>
-            <a:r>
-              <a:rPr lang="en-US" dirty="0" smtClean="0"/>
-              <a:t>Ultrasound</a:t>
-            </a:r>
-            <a:endParaRPr lang="en-US" dirty="0"/>
-          </a:p>
-        </p:txBody>
-      </p:sp>
-      <p:pic>
-        <p:nvPicPr>
-          <p:cNvPr id="4098" name="Picture 2" descr="Image result for pwm sonar sensor measure"/>
-          <p:cNvPicPr>
-            <a:picLocks noChangeAspect="1" noChangeArrowheads="1"/>
-          </p:cNvPicPr>
-          <p:nvPr/>
-        </p:nvPicPr>
-        <p:blipFill>
-          <a:blip r:embed="rId2">
-            <a:extLst>
-              <a:ext uri="{28A0092B-C50C-407E-A947-70E740481C1C}">
-                <a14:useLocalDpi xmlns:a14="http://schemas.microsoft.com/office/drawing/2010/main" val="0"/>
-              </a:ext>
-            </a:extLst>
-          </a:blip>
-          <a:srcRect/>
-          <a:stretch>
-            <a:fillRect/>
-          </a:stretch>
-        </p:blipFill>
-        <p:spPr bwMode="auto">
-          <a:xfrm>
-            <a:off x="1276350" y="745692"/>
-            <a:ext cx="7029449" cy="3204008"/>
-          </a:xfrm>
-          <a:prstGeom prst="rect">
-            <a:avLst/>
-          </a:prstGeom>
-          <a:noFill/>
-          <a:extLst>
-            <a:ext uri="{909E8E84-426E-40DD-AFC4-6F175D3DCCD1}">
-              <a14:hiddenFill xmlns:a14="http://schemas.microsoft.com/office/drawing/2010/main">
-                <a:solidFill>
-                  <a:srgbClr val="FFFFFF"/>
-                </a:solidFill>
-              </a14:hiddenFill>
-            </a:ext>
-          </a:extLst>
-        </p:spPr>
-      </p:pic>
-      <p:pic>
-        <p:nvPicPr>
-          <p:cNvPr id="4099" name="Picture 3"/>
-          <p:cNvPicPr>
-            <a:picLocks noChangeAspect="1" noChangeArrowheads="1"/>
-          </p:cNvPicPr>
-          <p:nvPr/>
-        </p:nvPicPr>
-        <p:blipFill rotWithShape="1">
-          <a:blip r:embed="rId3">
-            <a:extLst>
-              <a:ext uri="{28A0092B-C50C-407E-A947-70E740481C1C}">
-                <a14:useLocalDpi xmlns:a14="http://schemas.microsoft.com/office/drawing/2010/main" val="0"/>
-              </a:ext>
-            </a:extLst>
-          </a:blip>
-          <a:srcRect b="42136"/>
-          <a:stretch/>
-        </p:blipFill>
-        <p:spPr bwMode="auto">
-          <a:xfrm>
-            <a:off x="1352549" y="4059512"/>
-            <a:ext cx="6720539" cy="2779438"/>
-          </a:xfrm>
-          <a:prstGeom prst="rect">
-            <a:avLst/>
-          </a:prstGeom>
-          <a:noFill/>
-          <a:ln>
-            <a:noFill/>
-          </a:ln>
-          <a:extLst>
-            <a:ext uri="{909E8E84-426E-40DD-AFC4-6F175D3DCCD1}">
-              <a14:hiddenFill xmlns:a14="http://schemas.microsoft.com/office/drawing/2010/main">
-                <a:solidFill>
-                  <a:schemeClr val="accent1"/>
-                </a:solidFill>
-              </a14:hiddenFill>
-            </a:ext>
-            <a:ext uri="{91240B29-F687-4F45-9708-019B960494DF}">
-              <a14:hiddenLine xmlns:a14="http://schemas.microsoft.com/office/drawing/2010/main" w="9525">
-                <a:solidFill>
-                  <a:schemeClr val="tx1"/>
-                </a:solidFill>
-                <a:miter lim="800000"/>
-                <a:headEnd/>
-                <a:tailEnd/>
-              </a14:hiddenLine>
-            </a:ext>
-          </a:extLst>
-        </p:spPr>
-      </p:pic>
-    </p:spTree>
-    <p:extLst>
-      <p:ext uri="{BB962C8B-B14F-4D97-AF65-F5344CB8AC3E}">
-        <p14:creationId xmlns:p14="http://schemas.microsoft.com/office/powerpoint/2010/main" val="3230840633"/>
+        <p14:creationId xmlns:p14="http://schemas.microsoft.com/office/powerpoint/2010/main" val="1631319974"/>
       </p:ext>
     </p:extLst>
   </p:cSld>
@@ -32508,8 +33275,13 @@
           <a:p>
             <a:r>
               <a:rPr lang="en-US" b="1" dirty="0"/>
-              <a:t>Timer  (p 370 User’s Guide, BB p 52)</a:t>
-            </a:r>
+              <a:t>Timer  (p 370 User’s </a:t>
+            </a:r>
+            <a:r>
+              <a:rPr lang="en-US" b="1" dirty="0" smtClean="0"/>
+              <a:t>Guide)</a:t>
+            </a:r>
+            <a:endParaRPr lang="en-US" b="1" dirty="0"/>
           </a:p>
         </p:txBody>
       </p:sp>

--- a/source/lessons/lsn26-27/Lsn26-27.pptx
+++ b/source/lessons/lsn26-27/Lsn26-27.pptx
@@ -1990,7 +1990,7 @@
           <a:p>
             <a:fld id="{834513E8-165F-4932-9E2D-FD497CB9A4FD}" type="datetimeFigureOut">
               <a:rPr lang="en-US" smtClean="0"/>
-              <a:t>10/16/2018</a:t>
+              <a:t>10/18/2018</a:t>
             </a:fld>
             <a:endParaRPr lang="en-US"/>
           </a:p>
@@ -2085,7 +2085,7 @@
           <a:p>
             <a:fld id="{834513E8-165F-4932-9E2D-FD497CB9A4FD}" type="datetimeFigureOut">
               <a:rPr lang="en-US" smtClean="0"/>
-              <a:t>10/16/2018</a:t>
+              <a:t>10/18/2018</a:t>
             </a:fld>
             <a:endParaRPr lang="en-US"/>
           </a:p>
@@ -2362,7 +2362,7 @@
           <a:p>
             <a:fld id="{834513E8-165F-4932-9E2D-FD497CB9A4FD}" type="datetimeFigureOut">
               <a:rPr lang="en-US" smtClean="0"/>
-              <a:t>10/16/2018</a:t>
+              <a:t>10/18/2018</a:t>
             </a:fld>
             <a:endParaRPr lang="en-US"/>
           </a:p>
@@ -2615,7 +2615,7 @@
           <a:p>
             <a:fld id="{834513E8-165F-4932-9E2D-FD497CB9A4FD}" type="datetimeFigureOut">
               <a:rPr lang="en-US" smtClean="0"/>
-              <a:t>10/16/2018</a:t>
+              <a:t>10/18/2018</a:t>
             </a:fld>
             <a:endParaRPr lang="en-US"/>
           </a:p>
@@ -2785,7 +2785,7 @@
           <a:p>
             <a:fld id="{834513E8-165F-4932-9E2D-FD497CB9A4FD}" type="datetimeFigureOut">
               <a:rPr lang="en-US" smtClean="0"/>
-              <a:t>10/16/2018</a:t>
+              <a:t>10/18/2018</a:t>
             </a:fld>
             <a:endParaRPr lang="en-US"/>
           </a:p>
@@ -2965,7 +2965,7 @@
           <a:p>
             <a:fld id="{834513E8-165F-4932-9E2D-FD497CB9A4FD}" type="datetimeFigureOut">
               <a:rPr lang="en-US" smtClean="0"/>
-              <a:t>10/16/2018</a:t>
+              <a:t>10/18/2018</a:t>
             </a:fld>
             <a:endParaRPr lang="en-US"/>
           </a:p>
@@ -3808,7 +3808,7 @@
           <a:p>
             <a:fld id="{834513E8-165F-4932-9E2D-FD497CB9A4FD}" type="datetimeFigureOut">
               <a:rPr lang="en-US" smtClean="0"/>
-              <a:t>10/16/2018</a:t>
+              <a:t>10/18/2018</a:t>
             </a:fld>
             <a:endParaRPr lang="en-US"/>
           </a:p>
@@ -3978,7 +3978,7 @@
           <a:p>
             <a:fld id="{834513E8-165F-4932-9E2D-FD497CB9A4FD}" type="datetimeFigureOut">
               <a:rPr lang="en-US" smtClean="0"/>
-              <a:t>10/16/2018</a:t>
+              <a:t>10/18/2018</a:t>
             </a:fld>
             <a:endParaRPr lang="en-US"/>
           </a:p>
@@ -4224,7 +4224,7 @@
           <a:p>
             <a:fld id="{834513E8-165F-4932-9E2D-FD497CB9A4FD}" type="datetimeFigureOut">
               <a:rPr lang="en-US" smtClean="0"/>
-              <a:t>10/16/2018</a:t>
+              <a:t>10/18/2018</a:t>
             </a:fld>
             <a:endParaRPr lang="en-US"/>
           </a:p>
@@ -4456,7 +4456,7 @@
           <a:p>
             <a:fld id="{834513E8-165F-4932-9E2D-FD497CB9A4FD}" type="datetimeFigureOut">
               <a:rPr lang="en-US" smtClean="0"/>
-              <a:t>10/16/2018</a:t>
+              <a:t>10/18/2018</a:t>
             </a:fld>
             <a:endParaRPr lang="en-US"/>
           </a:p>
@@ -4823,7 +4823,7 @@
           <a:p>
             <a:fld id="{834513E8-165F-4932-9E2D-FD497CB9A4FD}" type="datetimeFigureOut">
               <a:rPr lang="en-US" smtClean="0"/>
-              <a:t>10/16/2018</a:t>
+              <a:t>10/18/2018</a:t>
             </a:fld>
             <a:endParaRPr lang="en-US"/>
           </a:p>
@@ -6640,7 +6640,7 @@
           <a:p>
             <a:fld id="{834513E8-165F-4932-9E2D-FD497CB9A4FD}" type="datetimeFigureOut">
               <a:rPr lang="en-US" smtClean="0"/>
-              <a:t>10/16/2018</a:t>
+              <a:t>10/18/2018</a:t>
             </a:fld>
             <a:endParaRPr lang="en-US"/>
           </a:p>
@@ -14631,8 +14631,8 @@
           <a:chExt cx="0" cy="0"/>
         </a:xfrm>
       </p:grpSpPr>
-      <mc:AlternateContent xmlns:mc="http://schemas.openxmlformats.org/markup-compatibility/2006">
-        <mc:Choice xmlns:a14="http://schemas.microsoft.com/office/drawing/2010/main" Requires="a14">
+      <mc:AlternateContent xmlns:mc="http://schemas.openxmlformats.org/markup-compatibility/2006" xmlns:a14="http://schemas.microsoft.com/office/drawing/2010/main">
+        <mc:Choice Requires="a14">
           <p:sp>
             <p:nvSpPr>
               <p:cNvPr id="3" name="Content Placeholder 2"/>
@@ -14984,7 +14984,7 @@
             </p:txBody>
           </p:sp>
         </mc:Choice>
-        <mc:Fallback>
+        <mc:Fallback xmlns="">
           <p:sp>
             <p:nvSpPr>
               <p:cNvPr id="3" name="Content Placeholder 2"/>
@@ -15411,8 +15411,8 @@
           <a:chExt cx="0" cy="0"/>
         </a:xfrm>
       </p:grpSpPr>
-      <mc:AlternateContent xmlns:mc="http://schemas.openxmlformats.org/markup-compatibility/2006">
-        <mc:Choice xmlns:a14="http://schemas.microsoft.com/office/drawing/2010/main" Requires="a14">
+      <mc:AlternateContent xmlns:mc="http://schemas.openxmlformats.org/markup-compatibility/2006" xmlns:a14="http://schemas.microsoft.com/office/drawing/2010/main">
+        <mc:Choice Requires="a14">
           <p:sp>
             <p:nvSpPr>
               <p:cNvPr id="3" name="Content Placeholder 2"/>
@@ -15879,7 +15879,7 @@
             </p:txBody>
           </p:sp>
         </mc:Choice>
-        <mc:Fallback>
+        <mc:Fallback xmlns="">
           <p:sp>
             <p:nvSpPr>
               <p:cNvPr id="3" name="Content Placeholder 2"/>

--- a/source/lessons/lsn26-27/Lsn26-27.pptx
+++ b/source/lessons/lsn26-27/Lsn26-27.pptx
@@ -7,10 +7,10 @@
     <p:sldMasterId id="2147483667" r:id="rId3"/>
   </p:sldMasterIdLst>
   <p:notesMasterIdLst>
-    <p:notesMasterId r:id="rId55"/>
+    <p:notesMasterId r:id="rId48"/>
   </p:notesMasterIdLst>
   <p:handoutMasterIdLst>
-    <p:handoutMasterId r:id="rId56"/>
+    <p:handoutMasterId r:id="rId49"/>
   </p:handoutMasterIdLst>
   <p:sldIdLst>
     <p:sldId id="352" r:id="rId4"/>
@@ -57,13 +57,6 @@
     <p:sldId id="394" r:id="rId45"/>
     <p:sldId id="395" r:id="rId46"/>
     <p:sldId id="353" r:id="rId47"/>
-    <p:sldId id="396" r:id="rId48"/>
-    <p:sldId id="397" r:id="rId49"/>
-    <p:sldId id="398" r:id="rId50"/>
-    <p:sldId id="399" r:id="rId51"/>
-    <p:sldId id="400" r:id="rId52"/>
-    <p:sldId id="355" r:id="rId53"/>
-    <p:sldId id="356" r:id="rId54"/>
   </p:sldIdLst>
   <p:sldSz cx="9144000" cy="6858000" type="screen4x3"/>
   <p:notesSz cx="7010400" cy="9296400"/>
@@ -1934,124 +1927,6 @@
 </file>
 
 <file path=ppt/slideLayouts/slideLayout10.xml><?xml version="1.0" encoding="utf-8"?>
-<p:sldLayout xmlns:a="http://schemas.openxmlformats.org/drawingml/2006/main" xmlns:r="http://schemas.openxmlformats.org/officeDocument/2006/relationships" xmlns:p="http://schemas.openxmlformats.org/presentationml/2006/main" type="titleOnly" preserve="1">
-  <p:cSld name="Title Only">
-    <p:spTree>
-      <p:nvGrpSpPr>
-        <p:cNvPr id="1" name=""/>
-        <p:cNvGrpSpPr/>
-        <p:nvPr/>
-      </p:nvGrpSpPr>
-      <p:grpSpPr>
-        <a:xfrm>
-          <a:off x="0" y="0"/>
-          <a:ext cx="0" cy="0"/>
-          <a:chOff x="0" y="0"/>
-          <a:chExt cx="0" cy="0"/>
-        </a:xfrm>
-      </p:grpSpPr>
-      <p:sp>
-        <p:nvSpPr>
-          <p:cNvPr id="2" name="Title 1"/>
-          <p:cNvSpPr>
-            <a:spLocks noGrp="1"/>
-          </p:cNvSpPr>
-          <p:nvPr>
-            <p:ph type="title"/>
-          </p:nvPr>
-        </p:nvSpPr>
-        <p:spPr/>
-        <p:txBody>
-          <a:bodyPr/>
-          <a:lstStyle/>
-          <a:p>
-            <a:r>
-              <a:rPr lang="en-US" smtClean="0"/>
-              <a:t>Click to edit Master title style</a:t>
-            </a:r>
-            <a:endParaRPr lang="en-US"/>
-          </a:p>
-        </p:txBody>
-      </p:sp>
-      <p:sp>
-        <p:nvSpPr>
-          <p:cNvPr id="3" name="Date Placeholder 2"/>
-          <p:cNvSpPr>
-            <a:spLocks noGrp="1"/>
-          </p:cNvSpPr>
-          <p:nvPr>
-            <p:ph type="dt" sz="half" idx="10"/>
-          </p:nvPr>
-        </p:nvSpPr>
-        <p:spPr/>
-        <p:txBody>
-          <a:bodyPr/>
-          <a:lstStyle/>
-          <a:p>
-            <a:fld id="{834513E8-165F-4932-9E2D-FD497CB9A4FD}" type="datetimeFigureOut">
-              <a:rPr lang="en-US" smtClean="0"/>
-              <a:t>10/18/2018</a:t>
-            </a:fld>
-            <a:endParaRPr lang="en-US"/>
-          </a:p>
-        </p:txBody>
-      </p:sp>
-      <p:sp>
-        <p:nvSpPr>
-          <p:cNvPr id="4" name="Footer Placeholder 3"/>
-          <p:cNvSpPr>
-            <a:spLocks noGrp="1"/>
-          </p:cNvSpPr>
-          <p:nvPr>
-            <p:ph type="ftr" sz="quarter" idx="11"/>
-          </p:nvPr>
-        </p:nvSpPr>
-        <p:spPr/>
-        <p:txBody>
-          <a:bodyPr/>
-          <a:lstStyle/>
-          <a:p>
-            <a:endParaRPr lang="en-US"/>
-          </a:p>
-        </p:txBody>
-      </p:sp>
-      <p:sp>
-        <p:nvSpPr>
-          <p:cNvPr id="5" name="Slide Number Placeholder 4"/>
-          <p:cNvSpPr>
-            <a:spLocks noGrp="1"/>
-          </p:cNvSpPr>
-          <p:nvPr>
-            <p:ph type="sldNum" sz="quarter" idx="12"/>
-          </p:nvPr>
-        </p:nvSpPr>
-        <p:spPr/>
-        <p:txBody>
-          <a:bodyPr/>
-          <a:lstStyle/>
-          <a:p>
-            <a:fld id="{3E852FCF-D44D-4D06-AC89-29A3B60A1814}" type="slidenum">
-              <a:rPr lang="en-US" smtClean="0"/>
-              <a:t>‹#›</a:t>
-            </a:fld>
-            <a:endParaRPr lang="en-US"/>
-          </a:p>
-        </p:txBody>
-      </p:sp>
-    </p:spTree>
-    <p:extLst>
-      <p:ext uri="{BB962C8B-B14F-4D97-AF65-F5344CB8AC3E}">
-        <p14:creationId xmlns:p14="http://schemas.microsoft.com/office/powerpoint/2010/main" val="1867479861"/>
-      </p:ext>
-    </p:extLst>
-  </p:cSld>
-  <p:clrMapOvr>
-    <a:masterClrMapping/>
-  </p:clrMapOvr>
-</p:sldLayout>
-</file>
-
-<file path=ppt/slideLayouts/slideLayout11.xml><?xml version="1.0" encoding="utf-8"?>
 <p:sldLayout xmlns:a="http://schemas.openxmlformats.org/drawingml/2006/main" xmlns:r="http://schemas.openxmlformats.org/officeDocument/2006/relationships" xmlns:p="http://schemas.openxmlformats.org/presentationml/2006/main" type="blank" preserve="1">
   <p:cSld name="Blank">
     <p:spTree>
@@ -2085,7 +1960,7 @@
           <a:p>
             <a:fld id="{834513E8-165F-4932-9E2D-FD497CB9A4FD}" type="datetimeFigureOut">
               <a:rPr lang="en-US" smtClean="0"/>
-              <a:t>10/18/2018</a:t>
+              <a:t>10/25/2018</a:t>
             </a:fld>
             <a:endParaRPr lang="en-US"/>
           </a:p>
@@ -2146,7 +2021,7 @@
 </p:sldLayout>
 </file>
 
-<file path=ppt/slideLayouts/slideLayout12.xml><?xml version="1.0" encoding="utf-8"?>
+<file path=ppt/slideLayouts/slideLayout11.xml><?xml version="1.0" encoding="utf-8"?>
 <p:sldLayout xmlns:a="http://schemas.openxmlformats.org/drawingml/2006/main" xmlns:r="http://schemas.openxmlformats.org/officeDocument/2006/relationships" xmlns:p="http://schemas.openxmlformats.org/presentationml/2006/main" type="objTx" preserve="1">
   <p:cSld name="Content with Caption">
     <p:spTree>
@@ -2362,7 +2237,7 @@
           <a:p>
             <a:fld id="{834513E8-165F-4932-9E2D-FD497CB9A4FD}" type="datetimeFigureOut">
               <a:rPr lang="en-US" smtClean="0"/>
-              <a:t>10/18/2018</a:t>
+              <a:t>10/25/2018</a:t>
             </a:fld>
             <a:endParaRPr lang="en-US"/>
           </a:p>
@@ -2423,7 +2298,7 @@
 </p:sldLayout>
 </file>
 
-<file path=ppt/slideLayouts/slideLayout13.xml><?xml version="1.0" encoding="utf-8"?>
+<file path=ppt/slideLayouts/slideLayout12.xml><?xml version="1.0" encoding="utf-8"?>
 <p:sldLayout xmlns:a="http://schemas.openxmlformats.org/drawingml/2006/main" xmlns:r="http://schemas.openxmlformats.org/officeDocument/2006/relationships" xmlns:p="http://schemas.openxmlformats.org/presentationml/2006/main" type="picTx" preserve="1">
   <p:cSld name="Picture with Caption">
     <p:spTree>
@@ -2615,7 +2490,7 @@
           <a:p>
             <a:fld id="{834513E8-165F-4932-9E2D-FD497CB9A4FD}" type="datetimeFigureOut">
               <a:rPr lang="en-US" smtClean="0"/>
-              <a:t>10/18/2018</a:t>
+              <a:t>10/25/2018</a:t>
             </a:fld>
             <a:endParaRPr lang="en-US"/>
           </a:p>
@@ -2676,7 +2551,7 @@
 </p:sldLayout>
 </file>
 
-<file path=ppt/slideLayouts/slideLayout14.xml><?xml version="1.0" encoding="utf-8"?>
+<file path=ppt/slideLayouts/slideLayout13.xml><?xml version="1.0" encoding="utf-8"?>
 <p:sldLayout xmlns:a="http://schemas.openxmlformats.org/drawingml/2006/main" xmlns:r="http://schemas.openxmlformats.org/officeDocument/2006/relationships" xmlns:p="http://schemas.openxmlformats.org/presentationml/2006/main" type="vertTx" preserve="1">
   <p:cSld name="Title and Vertical Text">
     <p:spTree>
@@ -2785,7 +2660,7 @@
           <a:p>
             <a:fld id="{834513E8-165F-4932-9E2D-FD497CB9A4FD}" type="datetimeFigureOut">
               <a:rPr lang="en-US" smtClean="0"/>
-              <a:t>10/18/2018</a:t>
+              <a:t>10/25/2018</a:t>
             </a:fld>
             <a:endParaRPr lang="en-US"/>
           </a:p>
@@ -2846,7 +2721,7 @@
 </p:sldLayout>
 </file>
 
-<file path=ppt/slideLayouts/slideLayout15.xml><?xml version="1.0" encoding="utf-8"?>
+<file path=ppt/slideLayouts/slideLayout14.xml><?xml version="1.0" encoding="utf-8"?>
 <p:sldLayout xmlns:a="http://schemas.openxmlformats.org/drawingml/2006/main" xmlns:r="http://schemas.openxmlformats.org/officeDocument/2006/relationships" xmlns:p="http://schemas.openxmlformats.org/presentationml/2006/main" type="vertTitleAndTx" preserve="1">
   <p:cSld name="Vertical Title and Text">
     <p:spTree>
@@ -2965,7 +2840,7 @@
           <a:p>
             <a:fld id="{834513E8-165F-4932-9E2D-FD497CB9A4FD}" type="datetimeFigureOut">
               <a:rPr lang="en-US" smtClean="0"/>
-              <a:t>10/18/2018</a:t>
+              <a:t>10/25/2018</a:t>
             </a:fld>
             <a:endParaRPr lang="en-US"/>
           </a:p>
@@ -3579,105 +3454,6 @@
 </file>
 
 <file path=ppt/slideLayouts/slideLayout4.xml><?xml version="1.0" encoding="utf-8"?>
-<p:sldLayout xmlns:a="http://schemas.openxmlformats.org/drawingml/2006/main" xmlns:r="http://schemas.openxmlformats.org/officeDocument/2006/relationships" xmlns:p="http://schemas.openxmlformats.org/presentationml/2006/main" type="titleOnly">
-  <p:cSld name="Title Only">
-    <p:spTree>
-      <p:nvGrpSpPr>
-        <p:cNvPr id="1" name=""/>
-        <p:cNvGrpSpPr/>
-        <p:nvPr/>
-      </p:nvGrpSpPr>
-      <p:grpSpPr>
-        <a:xfrm>
-          <a:off x="0" y="0"/>
-          <a:ext cx="0" cy="0"/>
-          <a:chOff x="0" y="0"/>
-          <a:chExt cx="0" cy="0"/>
-        </a:xfrm>
-      </p:grpSpPr>
-      <p:sp>
-        <p:nvSpPr>
-          <p:cNvPr id="2" name="Title 1"/>
-          <p:cNvSpPr>
-            <a:spLocks noGrp="1"/>
-          </p:cNvSpPr>
-          <p:nvPr>
-            <p:ph type="title"/>
-          </p:nvPr>
-        </p:nvSpPr>
-        <p:spPr/>
-        <p:txBody>
-          <a:bodyPr/>
-          <a:lstStyle/>
-          <a:p>
-            <a:r>
-              <a:rPr lang="en-US" smtClean="0"/>
-              <a:t>Click to edit Master title style</a:t>
-            </a:r>
-            <a:endParaRPr lang="en-US"/>
-          </a:p>
-        </p:txBody>
-      </p:sp>
-      <p:sp>
-        <p:nvSpPr>
-          <p:cNvPr id="3" name="Rectangle 5"/>
-          <p:cNvSpPr>
-            <a:spLocks noGrp="1" noChangeArrowheads="1"/>
-          </p:cNvSpPr>
-          <p:nvPr>
-            <p:ph type="ftr" sz="quarter" idx="10"/>
-          </p:nvPr>
-        </p:nvSpPr>
-        <p:spPr>
-          <a:xfrm>
-            <a:off x="2192338" y="6494463"/>
-            <a:ext cx="4764087" cy="228600"/>
-          </a:xfrm>
-          <a:prstGeom prst="rect">
-            <a:avLst/>
-          </a:prstGeom>
-          <a:ln/>
-        </p:spPr>
-        <p:txBody>
-          <a:bodyPr/>
-          <a:lstStyle>
-            <a:lvl1pPr>
-              <a:defRPr/>
-            </a:lvl1pPr>
-          </a:lstStyle>
-          <a:p>
-            <a:pPr>
-              <a:defRPr/>
-            </a:pPr>
-            <a:r>
-              <a:rPr lang="en-US"/>
-              <a:t>EE 382 Microcontroller Programming – Fall 2007 – Slide #</a:t>
-            </a:r>
-            <a:fld id="{28889C48-89AD-4887-A779-AFCE75A8529B}" type="slidenum">
-              <a:rPr lang="en-US"/>
-              <a:pPr>
-                <a:defRPr/>
-              </a:pPr>
-              <a:t>‹#›</a:t>
-            </a:fld>
-            <a:endParaRPr lang="en-US"/>
-          </a:p>
-        </p:txBody>
-      </p:sp>
-    </p:spTree>
-    <p:extLst>
-      <p:ext uri="{BB962C8B-B14F-4D97-AF65-F5344CB8AC3E}">
-        <p14:creationId xmlns:p14="http://schemas.microsoft.com/office/powerpoint/2010/main" val="2060910389"/>
-      </p:ext>
-    </p:extLst>
-  </p:cSld>
-  <p:clrMapOvr>
-    <a:masterClrMapping/>
-  </p:clrMapOvr>
-</p:sldLayout>
-</file>
-
-<file path=ppt/slideLayouts/slideLayout5.xml><?xml version="1.0" encoding="utf-8"?>
 <p:sldLayout xmlns:a="http://schemas.openxmlformats.org/drawingml/2006/main" xmlns:r="http://schemas.openxmlformats.org/officeDocument/2006/relationships" xmlns:p="http://schemas.openxmlformats.org/presentationml/2006/main" type="title" preserve="1">
   <p:cSld name="Title Slide">
     <p:spTree>
@@ -3808,7 +3584,7 @@
           <a:p>
             <a:fld id="{834513E8-165F-4932-9E2D-FD497CB9A4FD}" type="datetimeFigureOut">
               <a:rPr lang="en-US" smtClean="0"/>
-              <a:t>10/18/2018</a:t>
+              <a:t>10/25/2018</a:t>
             </a:fld>
             <a:endParaRPr lang="en-US"/>
           </a:p>
@@ -3869,7 +3645,7 @@
 </p:sldLayout>
 </file>
 
-<file path=ppt/slideLayouts/slideLayout6.xml><?xml version="1.0" encoding="utf-8"?>
+<file path=ppt/slideLayouts/slideLayout5.xml><?xml version="1.0" encoding="utf-8"?>
 <p:sldLayout xmlns:a="http://schemas.openxmlformats.org/drawingml/2006/main" xmlns:r="http://schemas.openxmlformats.org/officeDocument/2006/relationships" xmlns:p="http://schemas.openxmlformats.org/presentationml/2006/main" type="obj" preserve="1">
   <p:cSld name="Title and Content">
     <p:spTree>
@@ -3978,7 +3754,7 @@
           <a:p>
             <a:fld id="{834513E8-165F-4932-9E2D-FD497CB9A4FD}" type="datetimeFigureOut">
               <a:rPr lang="en-US" smtClean="0"/>
-              <a:t>10/18/2018</a:t>
+              <a:t>10/25/2018</a:t>
             </a:fld>
             <a:endParaRPr lang="en-US"/>
           </a:p>
@@ -4039,7 +3815,7 @@
 </p:sldLayout>
 </file>
 
-<file path=ppt/slideLayouts/slideLayout7.xml><?xml version="1.0" encoding="utf-8"?>
+<file path=ppt/slideLayouts/slideLayout6.xml><?xml version="1.0" encoding="utf-8"?>
 <p:sldLayout xmlns:a="http://schemas.openxmlformats.org/drawingml/2006/main" xmlns:r="http://schemas.openxmlformats.org/officeDocument/2006/relationships" xmlns:p="http://schemas.openxmlformats.org/presentationml/2006/main" type="secHead" preserve="1">
   <p:cSld name="Section Header">
     <p:spTree>
@@ -4224,7 +4000,7 @@
           <a:p>
             <a:fld id="{834513E8-165F-4932-9E2D-FD497CB9A4FD}" type="datetimeFigureOut">
               <a:rPr lang="en-US" smtClean="0"/>
-              <a:t>10/18/2018</a:t>
+              <a:t>10/25/2018</a:t>
             </a:fld>
             <a:endParaRPr lang="en-US"/>
           </a:p>
@@ -4285,7 +4061,7 @@
 </p:sldLayout>
 </file>
 
-<file path=ppt/slideLayouts/slideLayout8.xml><?xml version="1.0" encoding="utf-8"?>
+<file path=ppt/slideLayouts/slideLayout7.xml><?xml version="1.0" encoding="utf-8"?>
 <p:sldLayout xmlns:a="http://schemas.openxmlformats.org/drawingml/2006/main" xmlns:r="http://schemas.openxmlformats.org/officeDocument/2006/relationships" xmlns:p="http://schemas.openxmlformats.org/presentationml/2006/main" type="twoObj" preserve="1">
   <p:cSld name="Two Content">
     <p:spTree>
@@ -4456,7 +4232,7 @@
           <a:p>
             <a:fld id="{834513E8-165F-4932-9E2D-FD497CB9A4FD}" type="datetimeFigureOut">
               <a:rPr lang="en-US" smtClean="0"/>
-              <a:t>10/18/2018</a:t>
+              <a:t>10/25/2018</a:t>
             </a:fld>
             <a:endParaRPr lang="en-US"/>
           </a:p>
@@ -4517,7 +4293,7 @@
 </p:sldLayout>
 </file>
 
-<file path=ppt/slideLayouts/slideLayout9.xml><?xml version="1.0" encoding="utf-8"?>
+<file path=ppt/slideLayouts/slideLayout8.xml><?xml version="1.0" encoding="utf-8"?>
 <p:sldLayout xmlns:a="http://schemas.openxmlformats.org/drawingml/2006/main" xmlns:r="http://schemas.openxmlformats.org/officeDocument/2006/relationships" xmlns:p="http://schemas.openxmlformats.org/presentationml/2006/main" type="twoTxTwoObj" preserve="1">
   <p:cSld name="Comparison">
     <p:spTree>
@@ -4823,7 +4599,7 @@
           <a:p>
             <a:fld id="{834513E8-165F-4932-9E2D-FD497CB9A4FD}" type="datetimeFigureOut">
               <a:rPr lang="en-US" smtClean="0"/>
-              <a:t>10/18/2018</a:t>
+              <a:t>10/25/2018</a:t>
             </a:fld>
             <a:endParaRPr lang="en-US"/>
           </a:p>
@@ -4875,6 +4651,124 @@
     <p:extLst>
       <p:ext uri="{BB962C8B-B14F-4D97-AF65-F5344CB8AC3E}">
         <p14:creationId xmlns:p14="http://schemas.microsoft.com/office/powerpoint/2010/main" val="3548082766"/>
+      </p:ext>
+    </p:extLst>
+  </p:cSld>
+  <p:clrMapOvr>
+    <a:masterClrMapping/>
+  </p:clrMapOvr>
+</p:sldLayout>
+</file>
+
+<file path=ppt/slideLayouts/slideLayout9.xml><?xml version="1.0" encoding="utf-8"?>
+<p:sldLayout xmlns:a="http://schemas.openxmlformats.org/drawingml/2006/main" xmlns:r="http://schemas.openxmlformats.org/officeDocument/2006/relationships" xmlns:p="http://schemas.openxmlformats.org/presentationml/2006/main" type="titleOnly" preserve="1">
+  <p:cSld name="Title Only">
+    <p:spTree>
+      <p:nvGrpSpPr>
+        <p:cNvPr id="1" name=""/>
+        <p:cNvGrpSpPr/>
+        <p:nvPr/>
+      </p:nvGrpSpPr>
+      <p:grpSpPr>
+        <a:xfrm>
+          <a:off x="0" y="0"/>
+          <a:ext cx="0" cy="0"/>
+          <a:chOff x="0" y="0"/>
+          <a:chExt cx="0" cy="0"/>
+        </a:xfrm>
+      </p:grpSpPr>
+      <p:sp>
+        <p:nvSpPr>
+          <p:cNvPr id="2" name="Title 1"/>
+          <p:cNvSpPr>
+            <a:spLocks noGrp="1"/>
+          </p:cNvSpPr>
+          <p:nvPr>
+            <p:ph type="title"/>
+          </p:nvPr>
+        </p:nvSpPr>
+        <p:spPr/>
+        <p:txBody>
+          <a:bodyPr/>
+          <a:lstStyle/>
+          <a:p>
+            <a:r>
+              <a:rPr lang="en-US" smtClean="0"/>
+              <a:t>Click to edit Master title style</a:t>
+            </a:r>
+            <a:endParaRPr lang="en-US"/>
+          </a:p>
+        </p:txBody>
+      </p:sp>
+      <p:sp>
+        <p:nvSpPr>
+          <p:cNvPr id="3" name="Date Placeholder 2"/>
+          <p:cNvSpPr>
+            <a:spLocks noGrp="1"/>
+          </p:cNvSpPr>
+          <p:nvPr>
+            <p:ph type="dt" sz="half" idx="10"/>
+          </p:nvPr>
+        </p:nvSpPr>
+        <p:spPr/>
+        <p:txBody>
+          <a:bodyPr/>
+          <a:lstStyle/>
+          <a:p>
+            <a:fld id="{834513E8-165F-4932-9E2D-FD497CB9A4FD}" type="datetimeFigureOut">
+              <a:rPr lang="en-US" smtClean="0"/>
+              <a:t>10/25/2018</a:t>
+            </a:fld>
+            <a:endParaRPr lang="en-US"/>
+          </a:p>
+        </p:txBody>
+      </p:sp>
+      <p:sp>
+        <p:nvSpPr>
+          <p:cNvPr id="4" name="Footer Placeholder 3"/>
+          <p:cNvSpPr>
+            <a:spLocks noGrp="1"/>
+          </p:cNvSpPr>
+          <p:nvPr>
+            <p:ph type="ftr" sz="quarter" idx="11"/>
+          </p:nvPr>
+        </p:nvSpPr>
+        <p:spPr/>
+        <p:txBody>
+          <a:bodyPr/>
+          <a:lstStyle/>
+          <a:p>
+            <a:endParaRPr lang="en-US"/>
+          </a:p>
+        </p:txBody>
+      </p:sp>
+      <p:sp>
+        <p:nvSpPr>
+          <p:cNvPr id="5" name="Slide Number Placeholder 4"/>
+          <p:cNvSpPr>
+            <a:spLocks noGrp="1"/>
+          </p:cNvSpPr>
+          <p:nvPr>
+            <p:ph type="sldNum" sz="quarter" idx="12"/>
+          </p:nvPr>
+        </p:nvSpPr>
+        <p:spPr/>
+        <p:txBody>
+          <a:bodyPr/>
+          <a:lstStyle/>
+          <a:p>
+            <a:fld id="{3E852FCF-D44D-4D06-AC89-29A3B60A1814}" type="slidenum">
+              <a:rPr lang="en-US" smtClean="0"/>
+              <a:t>‹#›</a:t>
+            </a:fld>
+            <a:endParaRPr lang="en-US"/>
+          </a:p>
+        </p:txBody>
+      </p:sp>
+    </p:spTree>
+    <p:extLst>
+      <p:ext uri="{BB962C8B-B14F-4D97-AF65-F5344CB8AC3E}">
+        <p14:creationId xmlns:p14="http://schemas.microsoft.com/office/powerpoint/2010/main" val="1867479861"/>
       </p:ext>
     </p:extLst>
   </p:cSld>
@@ -6021,7 +5915,7 @@
           <p:nvPr userDrawn="1"/>
         </p:nvPicPr>
         <p:blipFill>
-          <a:blip r:embed="rId5" cstate="print">
+          <a:blip r:embed="rId4" cstate="print">
             <a:extLst>
               <a:ext uri="{28A0092B-C50C-407E-A947-70E740481C1C}">
                 <a14:useLocalDpi xmlns:a14="http://schemas.microsoft.com/office/drawing/2010/main" val="0"/>
@@ -6064,7 +5958,6 @@
   <p:sldLayoutIdLst>
     <p:sldLayoutId id="2147483665" r:id="rId1"/>
     <p:sldLayoutId id="2147483666" r:id="rId2"/>
-    <p:sldLayoutId id="2147483679" r:id="rId3"/>
   </p:sldLayoutIdLst>
   <p:transition spd="med"/>
   <p:timing>
@@ -6640,7 +6533,7 @@
           <a:p>
             <a:fld id="{834513E8-165F-4932-9E2D-FD497CB9A4FD}" type="datetimeFigureOut">
               <a:rPr lang="en-US" smtClean="0"/>
-              <a:t>10/18/2018</a:t>
+              <a:t>10/25/2018</a:t>
             </a:fld>
             <a:endParaRPr lang="en-US"/>
           </a:p>
@@ -33214,1055 +33107,6 @@
 </p:sld>
 </file>
 
-<file path=ppt/slides/slide45.xml><?xml version="1.0" encoding="utf-8"?>
-<p:sld xmlns:a="http://schemas.openxmlformats.org/drawingml/2006/main" xmlns:r="http://schemas.openxmlformats.org/officeDocument/2006/relationships" xmlns:p="http://schemas.openxmlformats.org/presentationml/2006/main">
-  <p:cSld>
-    <p:spTree>
-      <p:nvGrpSpPr>
-        <p:cNvPr id="1" name=""/>
-        <p:cNvGrpSpPr/>
-        <p:nvPr/>
-      </p:nvGrpSpPr>
-      <p:grpSpPr>
-        <a:xfrm>
-          <a:off x="0" y="0"/>
-          <a:ext cx="0" cy="0"/>
-          <a:chOff x="0" y="0"/>
-          <a:chExt cx="0" cy="0"/>
-        </a:xfrm>
-      </p:grpSpPr>
-      <p:sp>
-        <p:nvSpPr>
-          <p:cNvPr id="2" name="Title 1"/>
-          <p:cNvSpPr>
-            <a:spLocks noGrp="1"/>
-          </p:cNvSpPr>
-          <p:nvPr>
-            <p:ph type="title"/>
-          </p:nvPr>
-        </p:nvSpPr>
-        <p:spPr/>
-        <p:txBody>
-          <a:bodyPr/>
-          <a:lstStyle/>
-          <a:p>
-            <a:r>
-              <a:rPr lang="en-US" dirty="0" smtClean="0"/>
-              <a:t>In-Class Programming Exercise </a:t>
-            </a:r>
-            <a:endParaRPr lang="en-US" dirty="0"/>
-          </a:p>
-        </p:txBody>
-      </p:sp>
-      <p:sp>
-        <p:nvSpPr>
-          <p:cNvPr id="3" name="Content Placeholder 2"/>
-          <p:cNvSpPr>
-            <a:spLocks noGrp="1"/>
-          </p:cNvSpPr>
-          <p:nvPr>
-            <p:ph idx="1"/>
-          </p:nvPr>
-        </p:nvSpPr>
-        <p:spPr/>
-        <p:txBody>
-          <a:bodyPr/>
-          <a:lstStyle/>
-          <a:p>
-            <a:r>
-              <a:rPr lang="en-US" sz="2400" dirty="0"/>
-              <a:t>Create a project around </a:t>
-            </a:r>
-            <a:r>
-              <a:rPr lang="en-US" sz="2400" dirty="0" err="1"/>
-              <a:t>interruptTones.c</a:t>
-            </a:r>
-            <a:r>
-              <a:rPr lang="en-US" sz="2400" dirty="0"/>
-              <a:t>.  This C program utilizes interrupts to Blink the Green LED (P1.0 using Timer A at 440Hz  Modify the program to do the following</a:t>
-            </a:r>
-            <a:r>
-              <a:rPr lang="en-US" sz="2400" dirty="0" smtClean="0"/>
-              <a:t>:</a:t>
-            </a:r>
-          </a:p>
-          <a:p>
-            <a:pPr lvl="1"/>
-            <a:r>
-              <a:rPr lang="en-US" sz="1800" dirty="0" smtClean="0"/>
-              <a:t>Put </a:t>
-            </a:r>
-            <a:r>
-              <a:rPr lang="en-US" sz="1800" dirty="0"/>
-              <a:t>a speaker or headphones on P1.6 to listen to the 440Hz 'A' Tone using the following schematic.</a:t>
-            </a:r>
-          </a:p>
-          <a:p>
-            <a:pPr lvl="1"/>
-            <a:r>
-              <a:rPr lang="en-US" sz="1800" dirty="0" smtClean="0"/>
-              <a:t>Implement </a:t>
-            </a:r>
-            <a:r>
-              <a:rPr lang="en-US" sz="1800" dirty="0"/>
-              <a:t>another interrupt from a button press (P1.3) to toggle the Red LED (P1.0) and then increment through each tone in the counts array.</a:t>
-            </a:r>
-          </a:p>
-          <a:p>
-            <a:pPr lvl="1"/>
-            <a:r>
-              <a:rPr lang="en-US" sz="1800" dirty="0" smtClean="0"/>
-              <a:t>Use </a:t>
-            </a:r>
-            <a:r>
-              <a:rPr lang="en-US" sz="1800" dirty="0"/>
-              <a:t>the button interrupt to increment through the counts array to be output the different tones on a speaker.</a:t>
-            </a:r>
-          </a:p>
-        </p:txBody>
-      </p:sp>
-      <p:sp>
-        <p:nvSpPr>
-          <p:cNvPr id="4" name="Rectangle 3"/>
-          <p:cNvSpPr/>
-          <p:nvPr/>
-        </p:nvSpPr>
-        <p:spPr>
-          <a:xfrm>
-            <a:off x="3141480" y="909935"/>
-            <a:ext cx="2861040" cy="461665"/>
-          </a:xfrm>
-          <a:prstGeom prst="rect">
-            <a:avLst/>
-          </a:prstGeom>
-        </p:spPr>
-        <p:txBody>
-          <a:bodyPr wrap="none">
-            <a:spAutoFit/>
-          </a:bodyPr>
-          <a:lstStyle/>
-          <a:p>
-            <a:r>
-              <a:rPr lang="en-US" dirty="0"/>
-              <a:t>(see </a:t>
-            </a:r>
-            <a:r>
-              <a:rPr lang="en-US" dirty="0" err="1"/>
-              <a:t>interruptTones.c</a:t>
-            </a:r>
-            <a:r>
-              <a:rPr lang="en-US" dirty="0"/>
-              <a:t>)</a:t>
-            </a:r>
-          </a:p>
-        </p:txBody>
-      </p:sp>
-    </p:spTree>
-    <p:extLst>
-      <p:ext uri="{BB962C8B-B14F-4D97-AF65-F5344CB8AC3E}">
-        <p14:creationId xmlns:p14="http://schemas.microsoft.com/office/powerpoint/2010/main" val="1034815792"/>
-      </p:ext>
-    </p:extLst>
-  </p:cSld>
-  <p:clrMapOvr>
-    <a:masterClrMapping/>
-  </p:clrMapOvr>
-  <p:timing>
-    <p:tnLst>
-      <p:par>
-        <p:cTn id="1" dur="indefinite" restart="never" nodeType="tmRoot"/>
-      </p:par>
-    </p:tnLst>
-  </p:timing>
-</p:sld>
-</file>
-
-<file path=ppt/slides/slide46.xml><?xml version="1.0" encoding="utf-8"?>
-<p:sld xmlns:a="http://schemas.openxmlformats.org/drawingml/2006/main" xmlns:r="http://schemas.openxmlformats.org/officeDocument/2006/relationships" xmlns:p="http://schemas.openxmlformats.org/presentationml/2006/main" show="0">
-  <p:cSld>
-    <p:spTree>
-      <p:nvGrpSpPr>
-        <p:cNvPr id="1" name=""/>
-        <p:cNvGrpSpPr/>
-        <p:nvPr/>
-      </p:nvGrpSpPr>
-      <p:grpSpPr>
-        <a:xfrm>
-          <a:off x="0" y="0"/>
-          <a:ext cx="0" cy="0"/>
-          <a:chOff x="0" y="0"/>
-          <a:chExt cx="0" cy="0"/>
-        </a:xfrm>
-      </p:grpSpPr>
-      <p:sp>
-        <p:nvSpPr>
-          <p:cNvPr id="2" name="Title 1"/>
-          <p:cNvSpPr>
-            <a:spLocks noGrp="1"/>
-          </p:cNvSpPr>
-          <p:nvPr>
-            <p:ph type="title"/>
-          </p:nvPr>
-        </p:nvSpPr>
-        <p:spPr/>
-        <p:txBody>
-          <a:bodyPr/>
-          <a:lstStyle/>
-          <a:p>
-            <a:r>
-              <a:rPr lang="en-US" dirty="0" smtClean="0"/>
-              <a:t>In-Class Programming Exercise </a:t>
-            </a:r>
-            <a:endParaRPr lang="en-US" dirty="0"/>
-          </a:p>
-        </p:txBody>
-      </p:sp>
-      <p:sp>
-        <p:nvSpPr>
-          <p:cNvPr id="3" name="Content Placeholder 2"/>
-          <p:cNvSpPr>
-            <a:spLocks noGrp="1"/>
-          </p:cNvSpPr>
-          <p:nvPr>
-            <p:ph idx="1"/>
-          </p:nvPr>
-        </p:nvSpPr>
-        <p:spPr/>
-        <p:txBody>
-          <a:bodyPr/>
-          <a:lstStyle/>
-          <a:p>
-            <a:endParaRPr lang="en-US" sz="1800" dirty="0"/>
-          </a:p>
-        </p:txBody>
-      </p:sp>
-      <p:sp>
-        <p:nvSpPr>
-          <p:cNvPr id="4" name="Rectangle 3"/>
-          <p:cNvSpPr/>
-          <p:nvPr/>
-        </p:nvSpPr>
-        <p:spPr>
-          <a:xfrm>
-            <a:off x="3141480" y="659685"/>
-            <a:ext cx="2861040" cy="461665"/>
-          </a:xfrm>
-          <a:prstGeom prst="rect">
-            <a:avLst/>
-          </a:prstGeom>
-        </p:spPr>
-        <p:txBody>
-          <a:bodyPr wrap="none">
-            <a:spAutoFit/>
-          </a:bodyPr>
-          <a:lstStyle/>
-          <a:p>
-            <a:r>
-              <a:rPr lang="en-US" dirty="0"/>
-              <a:t>(see </a:t>
-            </a:r>
-            <a:r>
-              <a:rPr lang="en-US" dirty="0" err="1"/>
-              <a:t>interruptTones.c</a:t>
-            </a:r>
-            <a:r>
-              <a:rPr lang="en-US" dirty="0"/>
-              <a:t>)</a:t>
-            </a:r>
-          </a:p>
-        </p:txBody>
-      </p:sp>
-      <p:sp>
-        <p:nvSpPr>
-          <p:cNvPr id="7" name="Rectangle 6"/>
-          <p:cNvSpPr/>
-          <p:nvPr/>
-        </p:nvSpPr>
-        <p:spPr>
-          <a:xfrm>
-            <a:off x="0" y="6172174"/>
-            <a:ext cx="9144000" cy="707886"/>
-          </a:xfrm>
-          <a:prstGeom prst="rect">
-            <a:avLst/>
-          </a:prstGeom>
-        </p:spPr>
-        <p:txBody>
-          <a:bodyPr wrap="square">
-            <a:spAutoFit/>
-          </a:bodyPr>
-          <a:lstStyle/>
-          <a:p>
-            <a:pPr algn="ctr">
-              <a:spcBef>
-                <a:spcPts val="0"/>
-              </a:spcBef>
-            </a:pPr>
-            <a:r>
-              <a:rPr lang="en-US" sz="2000" dirty="0"/>
-              <a:t>Setup for the hooking up 3.5mm Audio Jack to the MSP430 Launchpad Board</a:t>
-            </a:r>
-          </a:p>
-          <a:p>
-            <a:pPr algn="ctr">
-              <a:spcBef>
-                <a:spcPts val="0"/>
-              </a:spcBef>
-            </a:pPr>
-            <a:r>
-              <a:rPr lang="en-US" sz="2000" dirty="0" smtClean="0"/>
-              <a:t>without </a:t>
-            </a:r>
-            <a:r>
-              <a:rPr lang="en-US" sz="2000" dirty="0"/>
-              <a:t>Volume Control</a:t>
-            </a:r>
-          </a:p>
-        </p:txBody>
-      </p:sp>
-      <p:pic>
-        <p:nvPicPr>
-          <p:cNvPr id="1026" name="Picture 2"/>
-          <p:cNvPicPr>
-            <a:picLocks noChangeAspect="1" noChangeArrowheads="1"/>
-          </p:cNvPicPr>
-          <p:nvPr/>
-        </p:nvPicPr>
-        <p:blipFill>
-          <a:blip r:embed="rId2">
-            <a:extLst>
-              <a:ext uri="{28A0092B-C50C-407E-A947-70E740481C1C}">
-                <a14:useLocalDpi xmlns:a14="http://schemas.microsoft.com/office/drawing/2010/main" val="0"/>
-              </a:ext>
-            </a:extLst>
-          </a:blip>
-          <a:srcRect/>
-          <a:stretch>
-            <a:fillRect/>
-          </a:stretch>
-        </p:blipFill>
-        <p:spPr bwMode="auto">
-          <a:xfrm>
-            <a:off x="354251" y="1385334"/>
-            <a:ext cx="8435498" cy="4769734"/>
-          </a:xfrm>
-          <a:prstGeom prst="rect">
-            <a:avLst/>
-          </a:prstGeom>
-          <a:noFill/>
-          <a:ln>
-            <a:noFill/>
-          </a:ln>
-          <a:extLst>
-            <a:ext uri="{909E8E84-426E-40DD-AFC4-6F175D3DCCD1}">
-              <a14:hiddenFill xmlns:a14="http://schemas.microsoft.com/office/drawing/2010/main">
-                <a:solidFill>
-                  <a:schemeClr val="accent1"/>
-                </a:solidFill>
-              </a14:hiddenFill>
-            </a:ext>
-            <a:ext uri="{91240B29-F687-4F45-9708-019B960494DF}">
-              <a14:hiddenLine xmlns:a14="http://schemas.microsoft.com/office/drawing/2010/main" w="9525">
-                <a:solidFill>
-                  <a:schemeClr val="tx1"/>
-                </a:solidFill>
-                <a:miter lim="800000"/>
-                <a:headEnd/>
-                <a:tailEnd/>
-              </a14:hiddenLine>
-            </a:ext>
-          </a:extLst>
-        </p:spPr>
-      </p:pic>
-    </p:spTree>
-    <p:extLst>
-      <p:ext uri="{BB962C8B-B14F-4D97-AF65-F5344CB8AC3E}">
-        <p14:creationId xmlns:p14="http://schemas.microsoft.com/office/powerpoint/2010/main" val="3104867619"/>
-      </p:ext>
-    </p:extLst>
-  </p:cSld>
-  <p:clrMapOvr>
-    <a:masterClrMapping/>
-  </p:clrMapOvr>
-  <mc:AlternateContent xmlns:mc="http://schemas.openxmlformats.org/markup-compatibility/2006" xmlns:p14="http://schemas.microsoft.com/office/powerpoint/2010/main">
-    <mc:Choice Requires="p14">
-      <p:transition spd="slow" p14:dur="2000"/>
-    </mc:Choice>
-    <mc:Fallback xmlns="">
-      <p:transition spd="slow"/>
-    </mc:Fallback>
-  </mc:AlternateContent>
-  <p:timing>
-    <p:tnLst>
-      <p:par>
-        <p:cTn id="1" dur="indefinite" restart="never" nodeType="tmRoot"/>
-      </p:par>
-    </p:tnLst>
-  </p:timing>
-</p:sld>
-</file>
-
-<file path=ppt/slides/slide47.xml><?xml version="1.0" encoding="utf-8"?>
-<p:sld xmlns:a="http://schemas.openxmlformats.org/drawingml/2006/main" xmlns:r="http://schemas.openxmlformats.org/officeDocument/2006/relationships" xmlns:p="http://schemas.openxmlformats.org/presentationml/2006/main" show="0">
-  <p:cSld>
-    <p:spTree>
-      <p:nvGrpSpPr>
-        <p:cNvPr id="1" name=""/>
-        <p:cNvGrpSpPr/>
-        <p:nvPr/>
-      </p:nvGrpSpPr>
-      <p:grpSpPr>
-        <a:xfrm>
-          <a:off x="0" y="0"/>
-          <a:ext cx="0" cy="0"/>
-          <a:chOff x="0" y="0"/>
-          <a:chExt cx="0" cy="0"/>
-        </a:xfrm>
-      </p:grpSpPr>
-      <p:sp>
-        <p:nvSpPr>
-          <p:cNvPr id="2" name="Title 1"/>
-          <p:cNvSpPr>
-            <a:spLocks noGrp="1"/>
-          </p:cNvSpPr>
-          <p:nvPr>
-            <p:ph type="title"/>
-          </p:nvPr>
-        </p:nvSpPr>
-        <p:spPr/>
-        <p:txBody>
-          <a:bodyPr/>
-          <a:lstStyle/>
-          <a:p>
-            <a:r>
-              <a:rPr lang="en-US" dirty="0" smtClean="0"/>
-              <a:t>In-Class Programming Exercise </a:t>
-            </a:r>
-            <a:endParaRPr lang="en-US" dirty="0"/>
-          </a:p>
-        </p:txBody>
-      </p:sp>
-      <p:sp>
-        <p:nvSpPr>
-          <p:cNvPr id="3" name="Content Placeholder 2"/>
-          <p:cNvSpPr>
-            <a:spLocks noGrp="1"/>
-          </p:cNvSpPr>
-          <p:nvPr>
-            <p:ph idx="1"/>
-          </p:nvPr>
-        </p:nvSpPr>
-        <p:spPr/>
-        <p:txBody>
-          <a:bodyPr/>
-          <a:lstStyle/>
-          <a:p>
-            <a:endParaRPr lang="en-US" sz="1800" dirty="0"/>
-          </a:p>
-        </p:txBody>
-      </p:sp>
-      <p:sp>
-        <p:nvSpPr>
-          <p:cNvPr id="4" name="Rectangle 3"/>
-          <p:cNvSpPr/>
-          <p:nvPr/>
-        </p:nvSpPr>
-        <p:spPr>
-          <a:xfrm>
-            <a:off x="3141480" y="659685"/>
-            <a:ext cx="2861040" cy="461665"/>
-          </a:xfrm>
-          <a:prstGeom prst="rect">
-            <a:avLst/>
-          </a:prstGeom>
-        </p:spPr>
-        <p:txBody>
-          <a:bodyPr wrap="none">
-            <a:spAutoFit/>
-          </a:bodyPr>
-          <a:lstStyle/>
-          <a:p>
-            <a:r>
-              <a:rPr lang="en-US" dirty="0"/>
-              <a:t>(see </a:t>
-            </a:r>
-            <a:r>
-              <a:rPr lang="en-US" dirty="0" err="1"/>
-              <a:t>interruptTones.c</a:t>
-            </a:r>
-            <a:r>
-              <a:rPr lang="en-US" dirty="0"/>
-              <a:t>)</a:t>
-            </a:r>
-          </a:p>
-        </p:txBody>
-      </p:sp>
-      <p:sp>
-        <p:nvSpPr>
-          <p:cNvPr id="7" name="Rectangle 6"/>
-          <p:cNvSpPr/>
-          <p:nvPr/>
-        </p:nvSpPr>
-        <p:spPr>
-          <a:xfrm>
-            <a:off x="0" y="6172174"/>
-            <a:ext cx="9144000" cy="707886"/>
-          </a:xfrm>
-          <a:prstGeom prst="rect">
-            <a:avLst/>
-          </a:prstGeom>
-        </p:spPr>
-        <p:txBody>
-          <a:bodyPr wrap="square">
-            <a:spAutoFit/>
-          </a:bodyPr>
-          <a:lstStyle/>
-          <a:p>
-            <a:pPr algn="ctr">
-              <a:spcBef>
-                <a:spcPts val="0"/>
-              </a:spcBef>
-            </a:pPr>
-            <a:r>
-              <a:rPr lang="en-US" sz="2000" dirty="0"/>
-              <a:t>Setup for the hooking up 3.5mm Audio Jack to the MSP430 Launchpad Board</a:t>
-            </a:r>
-          </a:p>
-          <a:p>
-            <a:pPr algn="ctr">
-              <a:spcBef>
-                <a:spcPts val="0"/>
-              </a:spcBef>
-            </a:pPr>
-            <a:r>
-              <a:rPr lang="en-US" sz="2000" dirty="0" smtClean="0"/>
-              <a:t>without </a:t>
-            </a:r>
-            <a:r>
-              <a:rPr lang="en-US" sz="2000" dirty="0"/>
-              <a:t>Volume Control</a:t>
-            </a:r>
-          </a:p>
-        </p:txBody>
-      </p:sp>
-      <p:pic>
-        <p:nvPicPr>
-          <p:cNvPr id="3074" name="Picture 2"/>
-          <p:cNvPicPr>
-            <a:picLocks noChangeAspect="1" noChangeArrowheads="1"/>
-          </p:cNvPicPr>
-          <p:nvPr/>
-        </p:nvPicPr>
-        <p:blipFill>
-          <a:blip r:embed="rId2">
-            <a:extLst>
-              <a:ext uri="{28A0092B-C50C-407E-A947-70E740481C1C}">
-                <a14:useLocalDpi xmlns:a14="http://schemas.microsoft.com/office/drawing/2010/main" val="0"/>
-              </a:ext>
-            </a:extLst>
-          </a:blip>
-          <a:srcRect/>
-          <a:stretch>
-            <a:fillRect/>
-          </a:stretch>
-        </p:blipFill>
-        <p:spPr bwMode="auto">
-          <a:xfrm>
-            <a:off x="609600" y="1450223"/>
-            <a:ext cx="7924800" cy="4667250"/>
-          </a:xfrm>
-          <a:prstGeom prst="rect">
-            <a:avLst/>
-          </a:prstGeom>
-          <a:noFill/>
-          <a:ln>
-            <a:noFill/>
-          </a:ln>
-          <a:extLst>
-            <a:ext uri="{909E8E84-426E-40DD-AFC4-6F175D3DCCD1}">
-              <a14:hiddenFill xmlns:a14="http://schemas.microsoft.com/office/drawing/2010/main">
-                <a:solidFill>
-                  <a:schemeClr val="accent1"/>
-                </a:solidFill>
-              </a14:hiddenFill>
-            </a:ext>
-            <a:ext uri="{91240B29-F687-4F45-9708-019B960494DF}">
-              <a14:hiddenLine xmlns:a14="http://schemas.microsoft.com/office/drawing/2010/main" w="9525">
-                <a:solidFill>
-                  <a:schemeClr val="tx1"/>
-                </a:solidFill>
-                <a:miter lim="800000"/>
-                <a:headEnd/>
-                <a:tailEnd/>
-              </a14:hiddenLine>
-            </a:ext>
-          </a:extLst>
-        </p:spPr>
-      </p:pic>
-    </p:spTree>
-    <p:extLst>
-      <p:ext uri="{BB962C8B-B14F-4D97-AF65-F5344CB8AC3E}">
-        <p14:creationId xmlns:p14="http://schemas.microsoft.com/office/powerpoint/2010/main" val="2149885382"/>
-      </p:ext>
-    </p:extLst>
-  </p:cSld>
-  <p:clrMapOvr>
-    <a:masterClrMapping/>
-  </p:clrMapOvr>
-  <mc:AlternateContent xmlns:mc="http://schemas.openxmlformats.org/markup-compatibility/2006" xmlns:p14="http://schemas.microsoft.com/office/powerpoint/2010/main">
-    <mc:Choice Requires="p14">
-      <p:transition spd="slow" p14:dur="2000"/>
-    </mc:Choice>
-    <mc:Fallback xmlns="">
-      <p:transition spd="slow"/>
-    </mc:Fallback>
-  </mc:AlternateContent>
-  <p:timing>
-    <p:tnLst>
-      <p:par>
-        <p:cTn id="1" dur="indefinite" restart="never" nodeType="tmRoot"/>
-      </p:par>
-    </p:tnLst>
-  </p:timing>
-</p:sld>
-</file>
-
-<file path=ppt/slides/slide48.xml><?xml version="1.0" encoding="utf-8"?>
-<p:sld xmlns:a="http://schemas.openxmlformats.org/drawingml/2006/main" xmlns:r="http://schemas.openxmlformats.org/officeDocument/2006/relationships" xmlns:p="http://schemas.openxmlformats.org/presentationml/2006/main">
-  <p:cSld>
-    <p:spTree>
-      <p:nvGrpSpPr>
-        <p:cNvPr id="1" name=""/>
-        <p:cNvGrpSpPr/>
-        <p:nvPr/>
-      </p:nvGrpSpPr>
-      <p:grpSpPr>
-        <a:xfrm>
-          <a:off x="0" y="0"/>
-          <a:ext cx="0" cy="0"/>
-          <a:chOff x="0" y="0"/>
-          <a:chExt cx="0" cy="0"/>
-        </a:xfrm>
-      </p:grpSpPr>
-      <p:sp>
-        <p:nvSpPr>
-          <p:cNvPr id="2" name="Title 1"/>
-          <p:cNvSpPr>
-            <a:spLocks noGrp="1"/>
-          </p:cNvSpPr>
-          <p:nvPr>
-            <p:ph type="title"/>
-          </p:nvPr>
-        </p:nvSpPr>
-        <p:spPr/>
-        <p:txBody>
-          <a:bodyPr/>
-          <a:lstStyle/>
-          <a:p>
-            <a:r>
-              <a:rPr lang="en-US" dirty="0" smtClean="0"/>
-              <a:t>In-Class Programming Exercise </a:t>
-            </a:r>
-            <a:endParaRPr lang="en-US" dirty="0"/>
-          </a:p>
-        </p:txBody>
-      </p:sp>
-      <p:sp>
-        <p:nvSpPr>
-          <p:cNvPr id="3" name="Content Placeholder 2"/>
-          <p:cNvSpPr>
-            <a:spLocks noGrp="1"/>
-          </p:cNvSpPr>
-          <p:nvPr>
-            <p:ph idx="1"/>
-          </p:nvPr>
-        </p:nvSpPr>
-        <p:spPr/>
-        <p:txBody>
-          <a:bodyPr/>
-          <a:lstStyle/>
-          <a:p>
-            <a:endParaRPr lang="en-US" sz="1800" dirty="0"/>
-          </a:p>
-        </p:txBody>
-      </p:sp>
-      <p:sp>
-        <p:nvSpPr>
-          <p:cNvPr id="4" name="Rectangle 3"/>
-          <p:cNvSpPr/>
-          <p:nvPr/>
-        </p:nvSpPr>
-        <p:spPr>
-          <a:xfrm>
-            <a:off x="3141480" y="659685"/>
-            <a:ext cx="2861040" cy="461665"/>
-          </a:xfrm>
-          <a:prstGeom prst="rect">
-            <a:avLst/>
-          </a:prstGeom>
-        </p:spPr>
-        <p:txBody>
-          <a:bodyPr wrap="none">
-            <a:spAutoFit/>
-          </a:bodyPr>
-          <a:lstStyle/>
-          <a:p>
-            <a:r>
-              <a:rPr lang="en-US" dirty="0"/>
-              <a:t>(see </a:t>
-            </a:r>
-            <a:r>
-              <a:rPr lang="en-US" dirty="0" err="1"/>
-              <a:t>interruptTones.c</a:t>
-            </a:r>
-            <a:r>
-              <a:rPr lang="en-US" dirty="0"/>
-              <a:t>)</a:t>
-            </a:r>
-          </a:p>
-        </p:txBody>
-      </p:sp>
-      <p:sp>
-        <p:nvSpPr>
-          <p:cNvPr id="7" name="Rectangle 6"/>
-          <p:cNvSpPr/>
-          <p:nvPr/>
-        </p:nvSpPr>
-        <p:spPr>
-          <a:xfrm>
-            <a:off x="0" y="6172174"/>
-            <a:ext cx="9144000" cy="707886"/>
-          </a:xfrm>
-          <a:prstGeom prst="rect">
-            <a:avLst/>
-          </a:prstGeom>
-        </p:spPr>
-        <p:txBody>
-          <a:bodyPr wrap="square">
-            <a:spAutoFit/>
-          </a:bodyPr>
-          <a:lstStyle/>
-          <a:p>
-            <a:pPr algn="ctr">
-              <a:spcBef>
-                <a:spcPts val="0"/>
-              </a:spcBef>
-            </a:pPr>
-            <a:r>
-              <a:rPr lang="en-US" sz="2000" dirty="0"/>
-              <a:t>Setup for the hooking up 3.5mm Audio Jack to the MSP430 Launchpad </a:t>
-            </a:r>
-            <a:r>
-              <a:rPr lang="en-US" sz="2000" dirty="0" smtClean="0"/>
-              <a:t>Board</a:t>
-            </a:r>
-          </a:p>
-          <a:p>
-            <a:pPr algn="ctr">
-              <a:spcBef>
-                <a:spcPts val="0"/>
-              </a:spcBef>
-            </a:pPr>
-            <a:r>
-              <a:rPr lang="en-US" sz="2000" dirty="0" smtClean="0"/>
-              <a:t>with Volume Control</a:t>
-            </a:r>
-            <a:endParaRPr lang="en-US" sz="2000" dirty="0"/>
-          </a:p>
-        </p:txBody>
-      </p:sp>
-      <p:pic>
-        <p:nvPicPr>
-          <p:cNvPr id="8" name="Picture 2"/>
-          <p:cNvPicPr>
-            <a:picLocks noChangeAspect="1" noChangeArrowheads="1"/>
-          </p:cNvPicPr>
-          <p:nvPr/>
-        </p:nvPicPr>
-        <p:blipFill>
-          <a:blip r:embed="rId2">
-            <a:extLst>
-              <a:ext uri="{28A0092B-C50C-407E-A947-70E740481C1C}">
-                <a14:useLocalDpi xmlns:a14="http://schemas.microsoft.com/office/drawing/2010/main" val="0"/>
-              </a:ext>
-            </a:extLst>
-          </a:blip>
-          <a:srcRect/>
-          <a:stretch>
-            <a:fillRect/>
-          </a:stretch>
-        </p:blipFill>
-        <p:spPr bwMode="auto">
-          <a:xfrm>
-            <a:off x="354251" y="1377857"/>
-            <a:ext cx="8435498" cy="4757392"/>
-          </a:xfrm>
-          <a:prstGeom prst="rect">
-            <a:avLst/>
-          </a:prstGeom>
-          <a:noFill/>
-          <a:ln>
-            <a:noFill/>
-          </a:ln>
-          <a:extLst>
-            <a:ext uri="{909E8E84-426E-40DD-AFC4-6F175D3DCCD1}">
-              <a14:hiddenFill xmlns:a14="http://schemas.microsoft.com/office/drawing/2010/main">
-                <a:solidFill>
-                  <a:schemeClr val="accent1"/>
-                </a:solidFill>
-              </a14:hiddenFill>
-            </a:ext>
-            <a:ext uri="{91240B29-F687-4F45-9708-019B960494DF}">
-              <a14:hiddenLine xmlns:a14="http://schemas.microsoft.com/office/drawing/2010/main" w="9525">
-                <a:solidFill>
-                  <a:schemeClr val="tx1"/>
-                </a:solidFill>
-                <a:miter lim="800000"/>
-                <a:headEnd/>
-                <a:tailEnd/>
-              </a14:hiddenLine>
-            </a:ext>
-          </a:extLst>
-        </p:spPr>
-      </p:pic>
-    </p:spTree>
-    <p:extLst>
-      <p:ext uri="{BB962C8B-B14F-4D97-AF65-F5344CB8AC3E}">
-        <p14:creationId xmlns:p14="http://schemas.microsoft.com/office/powerpoint/2010/main" val="271665016"/>
-      </p:ext>
-    </p:extLst>
-  </p:cSld>
-  <p:clrMapOvr>
-    <a:masterClrMapping/>
-  </p:clrMapOvr>
-  <p:timing>
-    <p:tnLst>
-      <p:par>
-        <p:cTn id="1" dur="indefinite" restart="never" nodeType="tmRoot"/>
-      </p:par>
-    </p:tnLst>
-  </p:timing>
-</p:sld>
-</file>
-
-<file path=ppt/slides/slide49.xml><?xml version="1.0" encoding="utf-8"?>
-<p:sld xmlns:a="http://schemas.openxmlformats.org/drawingml/2006/main" xmlns:r="http://schemas.openxmlformats.org/officeDocument/2006/relationships" xmlns:p="http://schemas.openxmlformats.org/presentationml/2006/main">
-  <p:cSld>
-    <p:spTree>
-      <p:nvGrpSpPr>
-        <p:cNvPr id="1" name=""/>
-        <p:cNvGrpSpPr/>
-        <p:nvPr/>
-      </p:nvGrpSpPr>
-      <p:grpSpPr>
-        <a:xfrm>
-          <a:off x="0" y="0"/>
-          <a:ext cx="0" cy="0"/>
-          <a:chOff x="0" y="0"/>
-          <a:chExt cx="0" cy="0"/>
-        </a:xfrm>
-      </p:grpSpPr>
-      <p:sp>
-        <p:nvSpPr>
-          <p:cNvPr id="2" name="Title 1"/>
-          <p:cNvSpPr>
-            <a:spLocks noGrp="1"/>
-          </p:cNvSpPr>
-          <p:nvPr>
-            <p:ph type="title"/>
-          </p:nvPr>
-        </p:nvSpPr>
-        <p:spPr/>
-        <p:txBody>
-          <a:bodyPr/>
-          <a:lstStyle/>
-          <a:p>
-            <a:r>
-              <a:rPr lang="en-US" dirty="0" smtClean="0"/>
-              <a:t>In-Class Programming Exercise </a:t>
-            </a:r>
-            <a:endParaRPr lang="en-US" dirty="0"/>
-          </a:p>
-        </p:txBody>
-      </p:sp>
-      <p:sp>
-        <p:nvSpPr>
-          <p:cNvPr id="3" name="Content Placeholder 2"/>
-          <p:cNvSpPr>
-            <a:spLocks noGrp="1"/>
-          </p:cNvSpPr>
-          <p:nvPr>
-            <p:ph idx="1"/>
-          </p:nvPr>
-        </p:nvSpPr>
-        <p:spPr/>
-        <p:txBody>
-          <a:bodyPr/>
-          <a:lstStyle/>
-          <a:p>
-            <a:endParaRPr lang="en-US" sz="1800" dirty="0"/>
-          </a:p>
-        </p:txBody>
-      </p:sp>
-      <p:sp>
-        <p:nvSpPr>
-          <p:cNvPr id="4" name="Rectangle 3"/>
-          <p:cNvSpPr/>
-          <p:nvPr/>
-        </p:nvSpPr>
-        <p:spPr>
-          <a:xfrm>
-            <a:off x="3141480" y="659685"/>
-            <a:ext cx="2861040" cy="461665"/>
-          </a:xfrm>
-          <a:prstGeom prst="rect">
-            <a:avLst/>
-          </a:prstGeom>
-        </p:spPr>
-        <p:txBody>
-          <a:bodyPr wrap="none">
-            <a:spAutoFit/>
-          </a:bodyPr>
-          <a:lstStyle/>
-          <a:p>
-            <a:r>
-              <a:rPr lang="en-US" dirty="0"/>
-              <a:t>(see </a:t>
-            </a:r>
-            <a:r>
-              <a:rPr lang="en-US" dirty="0" err="1"/>
-              <a:t>interruptTones.c</a:t>
-            </a:r>
-            <a:r>
-              <a:rPr lang="en-US" dirty="0"/>
-              <a:t>)</a:t>
-            </a:r>
-          </a:p>
-        </p:txBody>
-      </p:sp>
-      <p:sp>
-        <p:nvSpPr>
-          <p:cNvPr id="7" name="Rectangle 6"/>
-          <p:cNvSpPr/>
-          <p:nvPr/>
-        </p:nvSpPr>
-        <p:spPr>
-          <a:xfrm>
-            <a:off x="0" y="6172174"/>
-            <a:ext cx="9144000" cy="707886"/>
-          </a:xfrm>
-          <a:prstGeom prst="rect">
-            <a:avLst/>
-          </a:prstGeom>
-        </p:spPr>
-        <p:txBody>
-          <a:bodyPr wrap="square">
-            <a:spAutoFit/>
-          </a:bodyPr>
-          <a:lstStyle/>
-          <a:p>
-            <a:pPr algn="ctr">
-              <a:spcBef>
-                <a:spcPts val="0"/>
-              </a:spcBef>
-            </a:pPr>
-            <a:r>
-              <a:rPr lang="en-US" sz="2000" dirty="0"/>
-              <a:t>Setup for the hooking up 3.5mm Audio Jack to the MSP430 Launchpad </a:t>
-            </a:r>
-            <a:r>
-              <a:rPr lang="en-US" sz="2000" dirty="0" smtClean="0"/>
-              <a:t>Board</a:t>
-            </a:r>
-          </a:p>
-          <a:p>
-            <a:pPr algn="ctr">
-              <a:spcBef>
-                <a:spcPts val="0"/>
-              </a:spcBef>
-            </a:pPr>
-            <a:r>
-              <a:rPr lang="en-US" sz="2000" dirty="0" smtClean="0"/>
-              <a:t>with Volume Control</a:t>
-            </a:r>
-            <a:endParaRPr lang="en-US" sz="2000" dirty="0"/>
-          </a:p>
-        </p:txBody>
-      </p:sp>
-      <p:pic>
-        <p:nvPicPr>
-          <p:cNvPr id="4098" name="Picture 2"/>
-          <p:cNvPicPr>
-            <a:picLocks noChangeAspect="1" noChangeArrowheads="1"/>
-          </p:cNvPicPr>
-          <p:nvPr/>
-        </p:nvPicPr>
-        <p:blipFill>
-          <a:blip r:embed="rId2">
-            <a:extLst>
-              <a:ext uri="{28A0092B-C50C-407E-A947-70E740481C1C}">
-                <a14:useLocalDpi xmlns:a14="http://schemas.microsoft.com/office/drawing/2010/main" val="0"/>
-              </a:ext>
-            </a:extLst>
-          </a:blip>
-          <a:srcRect/>
-          <a:stretch>
-            <a:fillRect/>
-          </a:stretch>
-        </p:blipFill>
-        <p:spPr bwMode="auto">
-          <a:xfrm>
-            <a:off x="407869" y="1660156"/>
-            <a:ext cx="8367642" cy="4274680"/>
-          </a:xfrm>
-          <a:prstGeom prst="rect">
-            <a:avLst/>
-          </a:prstGeom>
-          <a:noFill/>
-          <a:ln>
-            <a:noFill/>
-          </a:ln>
-          <a:extLst>
-            <a:ext uri="{909E8E84-426E-40DD-AFC4-6F175D3DCCD1}">
-              <a14:hiddenFill xmlns:a14="http://schemas.microsoft.com/office/drawing/2010/main">
-                <a:solidFill>
-                  <a:schemeClr val="accent1"/>
-                </a:solidFill>
-              </a14:hiddenFill>
-            </a:ext>
-            <a:ext uri="{91240B29-F687-4F45-9708-019B960494DF}">
-              <a14:hiddenLine xmlns:a14="http://schemas.microsoft.com/office/drawing/2010/main" w="9525">
-                <a:solidFill>
-                  <a:schemeClr val="tx1"/>
-                </a:solidFill>
-                <a:miter lim="800000"/>
-                <a:headEnd/>
-                <a:tailEnd/>
-              </a14:hiddenLine>
-            </a:ext>
-          </a:extLst>
-        </p:spPr>
-      </p:pic>
-    </p:spTree>
-    <p:extLst>
-      <p:ext uri="{BB962C8B-B14F-4D97-AF65-F5344CB8AC3E}">
-        <p14:creationId xmlns:p14="http://schemas.microsoft.com/office/powerpoint/2010/main" val="4167043525"/>
-      </p:ext>
-    </p:extLst>
-  </p:cSld>
-  <p:clrMapOvr>
-    <a:masterClrMapping/>
-  </p:clrMapOvr>
-  <p:timing>
-    <p:tnLst>
-      <p:par>
-        <p:cTn id="1" dur="indefinite" restart="never" nodeType="tmRoot"/>
-      </p:par>
-    </p:tnLst>
-  </p:timing>
-</p:sld>
-</file>
-
 <file path=ppt/slides/slide5.xml><?xml version="1.0" encoding="utf-8"?>
 <p:sld xmlns:a="http://schemas.openxmlformats.org/drawingml/2006/main" xmlns:r="http://schemas.openxmlformats.org/officeDocument/2006/relationships" xmlns:p="http://schemas.openxmlformats.org/presentationml/2006/main" show="0">
   <p:cSld>
@@ -34497,208 +33341,6 @@
       <p:transition spd="slow"/>
     </mc:Fallback>
   </mc:AlternateContent>
-  <p:timing>
-    <p:tnLst>
-      <p:par>
-        <p:cTn id="1" dur="indefinite" restart="never" nodeType="tmRoot"/>
-      </p:par>
-    </p:tnLst>
-  </p:timing>
-</p:sld>
-</file>
-
-<file path=ppt/slides/slide50.xml><?xml version="1.0" encoding="utf-8"?>
-<p:sld xmlns:a="http://schemas.openxmlformats.org/drawingml/2006/main" xmlns:r="http://schemas.openxmlformats.org/officeDocument/2006/relationships" xmlns:p="http://schemas.openxmlformats.org/presentationml/2006/main">
-  <p:cSld>
-    <p:spTree>
-      <p:nvGrpSpPr>
-        <p:cNvPr id="1" name=""/>
-        <p:cNvGrpSpPr/>
-        <p:nvPr/>
-      </p:nvGrpSpPr>
-      <p:grpSpPr>
-        <a:xfrm>
-          <a:off x="0" y="0"/>
-          <a:ext cx="0" cy="0"/>
-          <a:chOff x="0" y="0"/>
-          <a:chExt cx="0" cy="0"/>
-        </a:xfrm>
-      </p:grpSpPr>
-      <p:sp>
-        <p:nvSpPr>
-          <p:cNvPr id="2" name="Title 1"/>
-          <p:cNvSpPr>
-            <a:spLocks noGrp="1"/>
-          </p:cNvSpPr>
-          <p:nvPr>
-            <p:ph type="title"/>
-          </p:nvPr>
-        </p:nvSpPr>
-        <p:spPr/>
-        <p:txBody>
-          <a:bodyPr/>
-          <a:lstStyle/>
-          <a:p>
-            <a:r>
-              <a:rPr lang="en-US" dirty="0" smtClean="0"/>
-              <a:t>Mimic DC Values</a:t>
-            </a:r>
-            <a:endParaRPr lang="en-US" dirty="0"/>
-          </a:p>
-        </p:txBody>
-      </p:sp>
-      <p:pic>
-        <p:nvPicPr>
-          <p:cNvPr id="1028" name="Picture 4" descr="Image result for pwm signal motor controller"/>
-          <p:cNvPicPr>
-            <a:picLocks noChangeAspect="1" noChangeArrowheads="1"/>
-          </p:cNvPicPr>
-          <p:nvPr/>
-        </p:nvPicPr>
-        <p:blipFill>
-          <a:blip r:embed="rId2">
-            <a:extLst>
-              <a:ext uri="{28A0092B-C50C-407E-A947-70E740481C1C}">
-                <a14:useLocalDpi xmlns:a14="http://schemas.microsoft.com/office/drawing/2010/main" val="0"/>
-              </a:ext>
-            </a:extLst>
-          </a:blip>
-          <a:srcRect/>
-          <a:stretch>
-            <a:fillRect/>
-          </a:stretch>
-        </p:blipFill>
-        <p:spPr bwMode="auto">
-          <a:xfrm>
-            <a:off x="917574" y="1011237"/>
-            <a:ext cx="7743825" cy="5095876"/>
-          </a:xfrm>
-          <a:prstGeom prst="rect">
-            <a:avLst/>
-          </a:prstGeom>
-          <a:noFill/>
-          <a:extLst>
-            <a:ext uri="{909E8E84-426E-40DD-AFC4-6F175D3DCCD1}">
-              <a14:hiddenFill xmlns:a14="http://schemas.microsoft.com/office/drawing/2010/main">
-                <a:solidFill>
-                  <a:srgbClr val="FFFFFF"/>
-                </a:solidFill>
-              </a14:hiddenFill>
-            </a:ext>
-          </a:extLst>
-        </p:spPr>
-      </p:pic>
-    </p:spTree>
-    <p:extLst>
-      <p:ext uri="{BB962C8B-B14F-4D97-AF65-F5344CB8AC3E}">
-        <p14:creationId xmlns:p14="http://schemas.microsoft.com/office/powerpoint/2010/main" val="2024326471"/>
-      </p:ext>
-    </p:extLst>
-  </p:cSld>
-  <p:clrMapOvr>
-    <a:masterClrMapping/>
-  </p:clrMapOvr>
-  <p:timing>
-    <p:tnLst>
-      <p:par>
-        <p:cTn id="1" dur="indefinite" restart="never" nodeType="tmRoot"/>
-      </p:par>
-    </p:tnLst>
-  </p:timing>
-</p:sld>
-</file>
-
-<file path=ppt/slides/slide51.xml><?xml version="1.0" encoding="utf-8"?>
-<p:sld xmlns:a="http://schemas.openxmlformats.org/drawingml/2006/main" xmlns:r="http://schemas.openxmlformats.org/officeDocument/2006/relationships" xmlns:p="http://schemas.openxmlformats.org/presentationml/2006/main">
-  <p:cSld>
-    <p:spTree>
-      <p:nvGrpSpPr>
-        <p:cNvPr id="1" name=""/>
-        <p:cNvGrpSpPr/>
-        <p:nvPr/>
-      </p:nvGrpSpPr>
-      <p:grpSpPr>
-        <a:xfrm>
-          <a:off x="0" y="0"/>
-          <a:ext cx="0" cy="0"/>
-          <a:chOff x="0" y="0"/>
-          <a:chExt cx="0" cy="0"/>
-        </a:xfrm>
-      </p:grpSpPr>
-      <p:sp>
-        <p:nvSpPr>
-          <p:cNvPr id="2" name="Title 1"/>
-          <p:cNvSpPr>
-            <a:spLocks noGrp="1"/>
-          </p:cNvSpPr>
-          <p:nvPr>
-            <p:ph type="title"/>
-          </p:nvPr>
-        </p:nvSpPr>
-        <p:spPr/>
-        <p:txBody>
-          <a:bodyPr/>
-          <a:lstStyle/>
-          <a:p>
-            <a:r>
-              <a:rPr lang="en-US" dirty="0" smtClean="0"/>
-              <a:t>Servos</a:t>
-            </a:r>
-            <a:endParaRPr lang="en-US" dirty="0"/>
-          </a:p>
-        </p:txBody>
-      </p:sp>
-      <p:pic>
-        <p:nvPicPr>
-          <p:cNvPr id="2050" name="Picture 2" descr="Image result for pwm signal motor controller"/>
-          <p:cNvPicPr>
-            <a:picLocks noChangeAspect="1" noChangeArrowheads="1"/>
-          </p:cNvPicPr>
-          <p:nvPr/>
-        </p:nvPicPr>
-        <p:blipFill>
-          <a:blip r:embed="rId2">
-            <a:extLst>
-              <a:ext uri="{28A0092B-C50C-407E-A947-70E740481C1C}">
-                <a14:useLocalDpi xmlns:a14="http://schemas.microsoft.com/office/drawing/2010/main" val="0"/>
-              </a:ext>
-            </a:extLst>
-          </a:blip>
-          <a:srcRect/>
-          <a:stretch>
-            <a:fillRect/>
-          </a:stretch>
-        </p:blipFill>
-        <p:spPr bwMode="auto">
-          <a:xfrm>
-            <a:off x="1470025" y="1600200"/>
-            <a:ext cx="6076950" cy="4457700"/>
-          </a:xfrm>
-          <a:prstGeom prst="rect">
-            <a:avLst/>
-          </a:prstGeom>
-          <a:noFill/>
-          <a:extLst>
-            <a:ext uri="{909E8E84-426E-40DD-AFC4-6F175D3DCCD1}">
-              <a14:hiddenFill xmlns:a14="http://schemas.microsoft.com/office/drawing/2010/main">
-                <a:solidFill>
-                  <a:srgbClr val="FFFFFF"/>
-                </a:solidFill>
-              </a14:hiddenFill>
-            </a:ext>
-          </a:extLst>
-        </p:spPr>
-      </p:pic>
-    </p:spTree>
-    <p:extLst>
-      <p:ext uri="{BB962C8B-B14F-4D97-AF65-F5344CB8AC3E}">
-        <p14:creationId xmlns:p14="http://schemas.microsoft.com/office/powerpoint/2010/main" val="1631319974"/>
-      </p:ext>
-    </p:extLst>
-  </p:cSld>
-  <p:clrMapOvr>
-    <a:masterClrMapping/>
-  </p:clrMapOvr>
   <p:timing>
     <p:tnLst>
       <p:par>
